--- a/data_viz/prison_data_project/26_01_03_prisons_statistics.pptx
+++ b/data_viz/prison_data_project/26_01_03_prisons_statistics.pptx
@@ -5,7 +5,7 @@
     <p:sldMasterId id="2147483667" r:id="rId1"/>
   </p:sldMasterIdLst>
   <p:notesMasterIdLst>
-    <p:notesMasterId r:id="rId15"/>
+    <p:notesMasterId r:id="rId14"/>
   </p:notesMasterIdLst>
   <p:sldIdLst>
     <p:sldId id="258" r:id="rId2"/>
@@ -13,30 +13,29 @@
     <p:sldId id="264" r:id="rId4"/>
     <p:sldId id="265" r:id="rId5"/>
     <p:sldId id="266" r:id="rId6"/>
-    <p:sldId id="276" r:id="rId7"/>
-    <p:sldId id="268" r:id="rId8"/>
-    <p:sldId id="279" r:id="rId9"/>
-    <p:sldId id="280" r:id="rId10"/>
-    <p:sldId id="281" r:id="rId11"/>
-    <p:sldId id="269" r:id="rId12"/>
-    <p:sldId id="277" r:id="rId13"/>
-    <p:sldId id="271" r:id="rId14"/>
+    <p:sldId id="268" r:id="rId7"/>
+    <p:sldId id="279" r:id="rId8"/>
+    <p:sldId id="282" r:id="rId9"/>
+    <p:sldId id="283" r:id="rId10"/>
+    <p:sldId id="284" r:id="rId11"/>
+    <p:sldId id="277" r:id="rId12"/>
+    <p:sldId id="271" r:id="rId13"/>
   </p:sldIdLst>
   <p:sldSz cx="9144000" cy="5143500" type="screen16x9"/>
   <p:notesSz cx="6858000" cy="9144000"/>
   <p:embeddedFontLst>
     <p:embeddedFont>
       <p:font typeface="Lekton" panose="020B0604020202020204" charset="0"/>
-      <p:regular r:id="rId16"/>
-      <p:bold r:id="rId17"/>
-      <p:italic r:id="rId18"/>
+      <p:regular r:id="rId15"/>
+      <p:bold r:id="rId16"/>
+      <p:italic r:id="rId17"/>
     </p:embeddedFont>
     <p:embeddedFont>
-      <p:font typeface="Titillium Web" panose="020B0604020202020204" charset="0"/>
-      <p:regular r:id="rId19"/>
-      <p:bold r:id="rId20"/>
-      <p:italic r:id="rId21"/>
-      <p:boldItalic r:id="rId22"/>
+      <p:font typeface="Titillium Web" panose="00000500000000000000" pitchFamily="2" charset="0"/>
+      <p:regular r:id="rId18"/>
+      <p:bold r:id="rId19"/>
+      <p:italic r:id="rId20"/>
+      <p:boldItalic r:id="rId21"/>
     </p:embeddedFont>
   </p:embeddedFontLst>
   <p:defaultTextStyle>
@@ -877,7 +876,13 @@
   <p:cSld>
     <p:spTree>
       <p:nvGrpSpPr>
-        <p:cNvPr id="1" name="Shape 176"/>
+        <p:cNvPr id="1" name="Shape 176">
+          <a:extLst>
+            <a:ext uri="{FF2B5EF4-FFF2-40B4-BE49-F238E27FC236}">
+              <a16:creationId xmlns:a16="http://schemas.microsoft.com/office/drawing/2014/main" id="{75FF8FEE-581E-9FEE-5ECF-38B75973AA38}"/>
+            </a:ext>
+          </a:extLst>
+        </p:cNvPr>
         <p:cNvGrpSpPr/>
         <p:nvPr/>
       </p:nvGrpSpPr>
@@ -891,7 +896,13 @@
       </p:grpSpPr>
       <p:sp>
         <p:nvSpPr>
-          <p:cNvPr id="177" name="Google Shape;177;g408aeda40d_0_88:notes"/>
+          <p:cNvPr id="177" name="Google Shape;177;g408aeda40d_0_88:notes">
+            <a:extLst>
+              <a:ext uri="{FF2B5EF4-FFF2-40B4-BE49-F238E27FC236}">
+                <a16:creationId xmlns:a16="http://schemas.microsoft.com/office/drawing/2014/main" id="{E77A8B53-EBA2-1042-3610-3C46C72EED32}"/>
+              </a:ext>
+            </a:extLst>
+          </p:cNvPr>
           <p:cNvSpPr>
             <a:spLocks noGrp="1" noRot="1" noChangeAspect="1"/>
           </p:cNvSpPr>
@@ -932,7 +943,13 @@
       </p:sp>
       <p:sp>
         <p:nvSpPr>
-          <p:cNvPr id="178" name="Google Shape;178;g408aeda40d_0_88:notes"/>
+          <p:cNvPr id="178" name="Google Shape;178;g408aeda40d_0_88:notes">
+            <a:extLst>
+              <a:ext uri="{FF2B5EF4-FFF2-40B4-BE49-F238E27FC236}">
+                <a16:creationId xmlns:a16="http://schemas.microsoft.com/office/drawing/2014/main" id="{8EC29AE9-E525-0F1B-27A9-AD8100CF2F5D}"/>
+              </a:ext>
+            </a:extLst>
+          </p:cNvPr>
           <p:cNvSpPr txBox="1">
             <a:spLocks noGrp="1"/>
           </p:cNvSpPr>
@@ -971,7 +988,7 @@
     </p:spTree>
     <p:extLst>
       <p:ext uri="{BB962C8B-B14F-4D97-AF65-F5344CB8AC3E}">
-        <p14:creationId xmlns:p14="http://schemas.microsoft.com/office/powerpoint/2010/main" val="2917528745"/>
+        <p14:creationId xmlns:p14="http://schemas.microsoft.com/office/powerpoint/2010/main" val="1292301718"/>
       </p:ext>
     </p:extLst>
   </p:cSld>
@@ -982,110 +999,6 @@
 </file>
 
 <file path=ppt/notesSlides/notesSlide11.xml><?xml version="1.0" encoding="utf-8"?>
-<p:notes xmlns:a="http://schemas.openxmlformats.org/drawingml/2006/main" xmlns:r="http://schemas.openxmlformats.org/officeDocument/2006/relationships" xmlns:p="http://schemas.openxmlformats.org/presentationml/2006/main" showMasterSp="0" showMasterPhAnim="0">
-  <p:cSld>
-    <p:spTree>
-      <p:nvGrpSpPr>
-        <p:cNvPr id="1" name="Shape 176"/>
-        <p:cNvGrpSpPr/>
-        <p:nvPr/>
-      </p:nvGrpSpPr>
-      <p:grpSpPr>
-        <a:xfrm>
-          <a:off x="0" y="0"/>
-          <a:ext cx="0" cy="0"/>
-          <a:chOff x="0" y="0"/>
-          <a:chExt cx="0" cy="0"/>
-        </a:xfrm>
-      </p:grpSpPr>
-      <p:sp>
-        <p:nvSpPr>
-          <p:cNvPr id="177" name="Google Shape;177;g408aeda40d_0_88:notes"/>
-          <p:cNvSpPr>
-            <a:spLocks noGrp="1" noRot="1" noChangeAspect="1"/>
-          </p:cNvSpPr>
-          <p:nvPr>
-            <p:ph type="sldImg" idx="2"/>
-          </p:nvPr>
-        </p:nvSpPr>
-        <p:spPr>
-          <a:xfrm>
-            <a:off x="381000" y="685800"/>
-            <a:ext cx="6096000" cy="3429000"/>
-          </a:xfrm>
-          <a:custGeom>
-            <a:avLst/>
-            <a:gdLst/>
-            <a:ahLst/>
-            <a:cxnLst/>
-            <a:rect l="l" t="t" r="r" b="b"/>
-            <a:pathLst>
-              <a:path w="120000" h="120000" extrusionOk="0">
-                <a:moveTo>
-                  <a:pt x="0" y="0"/>
-                </a:moveTo>
-                <a:lnTo>
-                  <a:pt x="120000" y="0"/>
-                </a:lnTo>
-                <a:lnTo>
-                  <a:pt x="120000" y="120000"/>
-                </a:lnTo>
-                <a:lnTo>
-                  <a:pt x="0" y="120000"/>
-                </a:lnTo>
-                <a:close/>
-              </a:path>
-            </a:pathLst>
-          </a:custGeom>
-        </p:spPr>
-      </p:sp>
-      <p:sp>
-        <p:nvSpPr>
-          <p:cNvPr id="178" name="Google Shape;178;g408aeda40d_0_88:notes"/>
-          <p:cNvSpPr txBox="1">
-            <a:spLocks noGrp="1"/>
-          </p:cNvSpPr>
-          <p:nvPr>
-            <p:ph type="body" idx="1"/>
-          </p:nvPr>
-        </p:nvSpPr>
-        <p:spPr>
-          <a:xfrm>
-            <a:off x="685800" y="4343400"/>
-            <a:ext cx="5486400" cy="4114800"/>
-          </a:xfrm>
-          <a:prstGeom prst="rect">
-            <a:avLst/>
-          </a:prstGeom>
-        </p:spPr>
-        <p:txBody>
-          <a:bodyPr spcFirstLastPara="1" wrap="square" lIns="91425" tIns="91425" rIns="91425" bIns="91425" anchor="t" anchorCtr="0">
-            <a:noAutofit/>
-          </a:bodyPr>
-          <a:lstStyle/>
-          <a:p>
-            <a:pPr marL="0" lvl="0" indent="0" algn="l" rtl="0">
-              <a:spcBef>
-                <a:spcPts val="0"/>
-              </a:spcBef>
-              <a:spcAft>
-                <a:spcPts val="0"/>
-              </a:spcAft>
-              <a:buNone/>
-            </a:pPr>
-            <a:endParaRPr/>
-          </a:p>
-        </p:txBody>
-      </p:sp>
-    </p:spTree>
-  </p:cSld>
-  <p:clrMapOvr>
-    <a:masterClrMapping/>
-  </p:clrMapOvr>
-</p:notes>
-</file>
-
-<file path=ppt/notesSlides/notesSlide12.xml><?xml version="1.0" encoding="utf-8"?>
 <p:notes xmlns:a="http://schemas.openxmlformats.org/drawingml/2006/main" xmlns:r="http://schemas.openxmlformats.org/officeDocument/2006/relationships" xmlns:p="http://schemas.openxmlformats.org/presentationml/2006/main" showMasterSp="0" showMasterPhAnim="0">
   <p:cSld>
     <p:spTree>
@@ -1212,7 +1125,7 @@
 </p:notes>
 </file>
 
-<file path=ppt/notesSlides/notesSlide13.xml><?xml version="1.0" encoding="utf-8"?>
+<file path=ppt/notesSlides/notesSlide12.xml><?xml version="1.0" encoding="utf-8"?>
 <p:notes xmlns:a="http://schemas.openxmlformats.org/drawingml/2006/main" xmlns:r="http://schemas.openxmlformats.org/officeDocument/2006/relationships" xmlns:p="http://schemas.openxmlformats.org/presentationml/2006/main" showMasterSp="0" showMasterPhAnim="0">
   <p:cSld>
     <p:spTree>
@@ -1737,133 +1650,6 @@
   <p:cSld>
     <p:spTree>
       <p:nvGrpSpPr>
-        <p:cNvPr id="1" name="Shape 160">
-          <a:extLst>
-            <a:ext uri="{FF2B5EF4-FFF2-40B4-BE49-F238E27FC236}">
-              <a16:creationId xmlns:a16="http://schemas.microsoft.com/office/drawing/2014/main" id="{50C173E3-741F-FFDE-C38F-644F00DCABDE}"/>
-            </a:ext>
-          </a:extLst>
-        </p:cNvPr>
-        <p:cNvGrpSpPr/>
-        <p:nvPr/>
-      </p:nvGrpSpPr>
-      <p:grpSpPr>
-        <a:xfrm>
-          <a:off x="0" y="0"/>
-          <a:ext cx="0" cy="0"/>
-          <a:chOff x="0" y="0"/>
-          <a:chExt cx="0" cy="0"/>
-        </a:xfrm>
-      </p:grpSpPr>
-      <p:sp>
-        <p:nvSpPr>
-          <p:cNvPr id="161" name="Google Shape;161;g408aeda40d_0_58:notes">
-            <a:extLst>
-              <a:ext uri="{FF2B5EF4-FFF2-40B4-BE49-F238E27FC236}">
-                <a16:creationId xmlns:a16="http://schemas.microsoft.com/office/drawing/2014/main" id="{1FAB6AB0-7B87-183E-A254-D5899F172B9F}"/>
-              </a:ext>
-            </a:extLst>
-          </p:cNvPr>
-          <p:cNvSpPr>
-            <a:spLocks noGrp="1" noRot="1" noChangeAspect="1"/>
-          </p:cNvSpPr>
-          <p:nvPr>
-            <p:ph type="sldImg" idx="2"/>
-          </p:nvPr>
-        </p:nvSpPr>
-        <p:spPr>
-          <a:xfrm>
-            <a:off x="381000" y="685800"/>
-            <a:ext cx="6096000" cy="3429000"/>
-          </a:xfrm>
-          <a:custGeom>
-            <a:avLst/>
-            <a:gdLst/>
-            <a:ahLst/>
-            <a:cxnLst/>
-            <a:rect l="l" t="t" r="r" b="b"/>
-            <a:pathLst>
-              <a:path w="120000" h="120000" extrusionOk="0">
-                <a:moveTo>
-                  <a:pt x="0" y="0"/>
-                </a:moveTo>
-                <a:lnTo>
-                  <a:pt x="120000" y="0"/>
-                </a:lnTo>
-                <a:lnTo>
-                  <a:pt x="120000" y="120000"/>
-                </a:lnTo>
-                <a:lnTo>
-                  <a:pt x="0" y="120000"/>
-                </a:lnTo>
-                <a:close/>
-              </a:path>
-            </a:pathLst>
-          </a:custGeom>
-        </p:spPr>
-      </p:sp>
-      <p:sp>
-        <p:nvSpPr>
-          <p:cNvPr id="162" name="Google Shape;162;g408aeda40d_0_58:notes">
-            <a:extLst>
-              <a:ext uri="{FF2B5EF4-FFF2-40B4-BE49-F238E27FC236}">
-                <a16:creationId xmlns:a16="http://schemas.microsoft.com/office/drawing/2014/main" id="{9C472FFA-84C3-37A6-A376-238EBC302E59}"/>
-              </a:ext>
-            </a:extLst>
-          </p:cNvPr>
-          <p:cNvSpPr txBox="1">
-            <a:spLocks noGrp="1"/>
-          </p:cNvSpPr>
-          <p:nvPr>
-            <p:ph type="body" idx="1"/>
-          </p:nvPr>
-        </p:nvSpPr>
-        <p:spPr>
-          <a:xfrm>
-            <a:off x="685800" y="4343400"/>
-            <a:ext cx="5486400" cy="4114800"/>
-          </a:xfrm>
-          <a:prstGeom prst="rect">
-            <a:avLst/>
-          </a:prstGeom>
-        </p:spPr>
-        <p:txBody>
-          <a:bodyPr spcFirstLastPara="1" wrap="square" lIns="91425" tIns="91425" rIns="91425" bIns="91425" anchor="t" anchorCtr="0">
-            <a:noAutofit/>
-          </a:bodyPr>
-          <a:lstStyle/>
-          <a:p>
-            <a:pPr marL="0" lvl="0" indent="0" algn="l" rtl="0">
-              <a:spcBef>
-                <a:spcPts val="0"/>
-              </a:spcBef>
-              <a:spcAft>
-                <a:spcPts val="0"/>
-              </a:spcAft>
-              <a:buNone/>
-            </a:pPr>
-            <a:endParaRPr/>
-          </a:p>
-        </p:txBody>
-      </p:sp>
-    </p:spTree>
-    <p:extLst>
-      <p:ext uri="{BB962C8B-B14F-4D97-AF65-F5344CB8AC3E}">
-        <p14:creationId xmlns:p14="http://schemas.microsoft.com/office/powerpoint/2010/main" val="3060806362"/>
-      </p:ext>
-    </p:extLst>
-  </p:cSld>
-  <p:clrMapOvr>
-    <a:masterClrMapping/>
-  </p:clrMapOvr>
-</p:notes>
-</file>
-
-<file path=ppt/notesSlides/notesSlide7.xml><?xml version="1.0" encoding="utf-8"?>
-<p:notes xmlns:a="http://schemas.openxmlformats.org/drawingml/2006/main" xmlns:r="http://schemas.openxmlformats.org/officeDocument/2006/relationships" xmlns:p="http://schemas.openxmlformats.org/presentationml/2006/main" showMasterSp="0" showMasterPhAnim="0">
-  <p:cSld>
-    <p:spTree>
-      <p:nvGrpSpPr>
         <p:cNvPr id="1" name="Shape 171"/>
         <p:cNvGrpSpPr/>
         <p:nvPr/>
@@ -1963,7 +1749,7 @@
 </p:notes>
 </file>
 
-<file path=ppt/notesSlides/notesSlide8.xml><?xml version="1.0" encoding="utf-8"?>
+<file path=ppt/notesSlides/notesSlide7.xml><?xml version="1.0" encoding="utf-8"?>
 <p:notes xmlns:a="http://schemas.openxmlformats.org/drawingml/2006/main" xmlns:r="http://schemas.openxmlformats.org/officeDocument/2006/relationships" xmlns:p="http://schemas.openxmlformats.org/presentationml/2006/main" showMasterSp="0" showMasterPhAnim="0">
   <p:cSld>
     <p:spTree>
@@ -2072,12 +1858,18 @@
 </p:notes>
 </file>
 
-<file path=ppt/notesSlides/notesSlide9.xml><?xml version="1.0" encoding="utf-8"?>
+<file path=ppt/notesSlides/notesSlide8.xml><?xml version="1.0" encoding="utf-8"?>
 <p:notes xmlns:a="http://schemas.openxmlformats.org/drawingml/2006/main" xmlns:r="http://schemas.openxmlformats.org/officeDocument/2006/relationships" xmlns:p="http://schemas.openxmlformats.org/presentationml/2006/main" showMasterSp="0" showMasterPhAnim="0">
   <p:cSld>
     <p:spTree>
       <p:nvGrpSpPr>
-        <p:cNvPr id="1" name="Shape 176"/>
+        <p:cNvPr id="1" name="Shape 176">
+          <a:extLst>
+            <a:ext uri="{FF2B5EF4-FFF2-40B4-BE49-F238E27FC236}">
+              <a16:creationId xmlns:a16="http://schemas.microsoft.com/office/drawing/2014/main" id="{8745443A-062E-2D42-FEA7-609D8D23D59B}"/>
+            </a:ext>
+          </a:extLst>
+        </p:cNvPr>
         <p:cNvGrpSpPr/>
         <p:nvPr/>
       </p:nvGrpSpPr>
@@ -2091,7 +1883,13 @@
       </p:grpSpPr>
       <p:sp>
         <p:nvSpPr>
-          <p:cNvPr id="177" name="Google Shape;177;g408aeda40d_0_88:notes"/>
+          <p:cNvPr id="177" name="Google Shape;177;g408aeda40d_0_88:notes">
+            <a:extLst>
+              <a:ext uri="{FF2B5EF4-FFF2-40B4-BE49-F238E27FC236}">
+                <a16:creationId xmlns:a16="http://schemas.microsoft.com/office/drawing/2014/main" id="{6643CCF2-B284-B853-3A08-EF407DB89AD0}"/>
+              </a:ext>
+            </a:extLst>
+          </p:cNvPr>
           <p:cNvSpPr>
             <a:spLocks noGrp="1" noRot="1" noChangeAspect="1"/>
           </p:cNvSpPr>
@@ -2132,7 +1930,13 @@
       </p:sp>
       <p:sp>
         <p:nvSpPr>
-          <p:cNvPr id="178" name="Google Shape;178;g408aeda40d_0_88:notes"/>
+          <p:cNvPr id="178" name="Google Shape;178;g408aeda40d_0_88:notes">
+            <a:extLst>
+              <a:ext uri="{FF2B5EF4-FFF2-40B4-BE49-F238E27FC236}">
+                <a16:creationId xmlns:a16="http://schemas.microsoft.com/office/drawing/2014/main" id="{7309A12A-D1C3-B370-3DB7-89A21E57A877}"/>
+              </a:ext>
+            </a:extLst>
+          </p:cNvPr>
           <p:cNvSpPr txBox="1">
             <a:spLocks noGrp="1"/>
           </p:cNvSpPr>
@@ -2171,7 +1975,134 @@
     </p:spTree>
     <p:extLst>
       <p:ext uri="{BB962C8B-B14F-4D97-AF65-F5344CB8AC3E}">
-        <p14:creationId xmlns:p14="http://schemas.microsoft.com/office/powerpoint/2010/main" val="1764407715"/>
+        <p14:creationId xmlns:p14="http://schemas.microsoft.com/office/powerpoint/2010/main" val="4085135448"/>
+      </p:ext>
+    </p:extLst>
+  </p:cSld>
+  <p:clrMapOvr>
+    <a:masterClrMapping/>
+  </p:clrMapOvr>
+</p:notes>
+</file>
+
+<file path=ppt/notesSlides/notesSlide9.xml><?xml version="1.0" encoding="utf-8"?>
+<p:notes xmlns:a="http://schemas.openxmlformats.org/drawingml/2006/main" xmlns:r="http://schemas.openxmlformats.org/officeDocument/2006/relationships" xmlns:p="http://schemas.openxmlformats.org/presentationml/2006/main" showMasterSp="0" showMasterPhAnim="0">
+  <p:cSld>
+    <p:spTree>
+      <p:nvGrpSpPr>
+        <p:cNvPr id="1" name="Shape 176">
+          <a:extLst>
+            <a:ext uri="{FF2B5EF4-FFF2-40B4-BE49-F238E27FC236}">
+              <a16:creationId xmlns:a16="http://schemas.microsoft.com/office/drawing/2014/main" id="{E0F8DBC1-AC6C-B220-8696-75AE232470AF}"/>
+            </a:ext>
+          </a:extLst>
+        </p:cNvPr>
+        <p:cNvGrpSpPr/>
+        <p:nvPr/>
+      </p:nvGrpSpPr>
+      <p:grpSpPr>
+        <a:xfrm>
+          <a:off x="0" y="0"/>
+          <a:ext cx="0" cy="0"/>
+          <a:chOff x="0" y="0"/>
+          <a:chExt cx="0" cy="0"/>
+        </a:xfrm>
+      </p:grpSpPr>
+      <p:sp>
+        <p:nvSpPr>
+          <p:cNvPr id="177" name="Google Shape;177;g408aeda40d_0_88:notes">
+            <a:extLst>
+              <a:ext uri="{FF2B5EF4-FFF2-40B4-BE49-F238E27FC236}">
+                <a16:creationId xmlns:a16="http://schemas.microsoft.com/office/drawing/2014/main" id="{7668E46D-0AD6-470A-CD17-323F46E38CE2}"/>
+              </a:ext>
+            </a:extLst>
+          </p:cNvPr>
+          <p:cNvSpPr>
+            <a:spLocks noGrp="1" noRot="1" noChangeAspect="1"/>
+          </p:cNvSpPr>
+          <p:nvPr>
+            <p:ph type="sldImg" idx="2"/>
+          </p:nvPr>
+        </p:nvSpPr>
+        <p:spPr>
+          <a:xfrm>
+            <a:off x="381000" y="685800"/>
+            <a:ext cx="6096000" cy="3429000"/>
+          </a:xfrm>
+          <a:custGeom>
+            <a:avLst/>
+            <a:gdLst/>
+            <a:ahLst/>
+            <a:cxnLst/>
+            <a:rect l="l" t="t" r="r" b="b"/>
+            <a:pathLst>
+              <a:path w="120000" h="120000" extrusionOk="0">
+                <a:moveTo>
+                  <a:pt x="0" y="0"/>
+                </a:moveTo>
+                <a:lnTo>
+                  <a:pt x="120000" y="0"/>
+                </a:lnTo>
+                <a:lnTo>
+                  <a:pt x="120000" y="120000"/>
+                </a:lnTo>
+                <a:lnTo>
+                  <a:pt x="0" y="120000"/>
+                </a:lnTo>
+                <a:close/>
+              </a:path>
+            </a:pathLst>
+          </a:custGeom>
+        </p:spPr>
+      </p:sp>
+      <p:sp>
+        <p:nvSpPr>
+          <p:cNvPr id="178" name="Google Shape;178;g408aeda40d_0_88:notes">
+            <a:extLst>
+              <a:ext uri="{FF2B5EF4-FFF2-40B4-BE49-F238E27FC236}">
+                <a16:creationId xmlns:a16="http://schemas.microsoft.com/office/drawing/2014/main" id="{F47DBD32-F7EF-A51E-7EFB-F2C5C42F15B3}"/>
+              </a:ext>
+            </a:extLst>
+          </p:cNvPr>
+          <p:cNvSpPr txBox="1">
+            <a:spLocks noGrp="1"/>
+          </p:cNvSpPr>
+          <p:nvPr>
+            <p:ph type="body" idx="1"/>
+          </p:nvPr>
+        </p:nvSpPr>
+        <p:spPr>
+          <a:xfrm>
+            <a:off x="685800" y="4343400"/>
+            <a:ext cx="5486400" cy="4114800"/>
+          </a:xfrm>
+          <a:prstGeom prst="rect">
+            <a:avLst/>
+          </a:prstGeom>
+        </p:spPr>
+        <p:txBody>
+          <a:bodyPr spcFirstLastPara="1" wrap="square" lIns="91425" tIns="91425" rIns="91425" bIns="91425" anchor="t" anchorCtr="0">
+            <a:noAutofit/>
+          </a:bodyPr>
+          <a:lstStyle/>
+          <a:p>
+            <a:pPr marL="0" lvl="0" indent="0" algn="l" rtl="0">
+              <a:spcBef>
+                <a:spcPts val="0"/>
+              </a:spcBef>
+              <a:spcAft>
+                <a:spcPts val="0"/>
+              </a:spcAft>
+              <a:buNone/>
+            </a:pPr>
+            <a:endParaRPr/>
+          </a:p>
+        </p:txBody>
+      </p:sp>
+    </p:spTree>
+    <p:extLst>
+      <p:ext uri="{BB962C8B-B14F-4D97-AF65-F5344CB8AC3E}">
+        <p14:creationId xmlns:p14="http://schemas.microsoft.com/office/powerpoint/2010/main" val="3442723474"/>
       </p:ext>
     </p:extLst>
   </p:cSld>
@@ -2406,7 +2337,7 @@
             </a:pPr>
             <a:fld id="{00000000-1234-1234-1234-123412341234}" type="slidenum">
               <a:rPr lang="it"/>
-              <a:t>‹N›</a:t>
+              <a:t>‹#›</a:t>
             </a:fld>
             <a:endParaRPr/>
           </a:p>
@@ -2704,7 +2635,7 @@
             </a:pPr>
             <a:fld id="{00000000-1234-1234-1234-123412341234}" type="slidenum">
               <a:rPr lang="it"/>
-              <a:t>‹N›</a:t>
+              <a:t>‹#›</a:t>
             </a:fld>
             <a:endParaRPr/>
           </a:p>
@@ -3798,7 +3729,7 @@
             </a:pPr>
             <a:fld id="{00000000-1234-1234-1234-123412341234}" type="slidenum">
               <a:rPr lang="it"/>
-              <a:t>‹N›</a:t>
+              <a:t>‹#›</a:t>
             </a:fld>
             <a:endParaRPr/>
           </a:p>
@@ -4892,7 +4823,7 @@
             </a:pPr>
             <a:fld id="{00000000-1234-1234-1234-123412341234}" type="slidenum">
               <a:rPr lang="it"/>
-              <a:t>‹N›</a:t>
+              <a:t>‹#›</a:t>
             </a:fld>
             <a:endParaRPr/>
           </a:p>
@@ -5986,7 +5917,7 @@
             </a:pPr>
             <a:fld id="{00000000-1234-1234-1234-123412341234}" type="slidenum">
               <a:rPr lang="it"/>
-              <a:t>‹N›</a:t>
+              <a:t>‹#›</a:t>
             </a:fld>
             <a:endParaRPr/>
           </a:p>
@@ -6531,7 +6462,7 @@
             </a:pPr>
             <a:fld id="{00000000-1234-1234-1234-123412341234}" type="slidenum">
               <a:rPr lang="it"/>
-              <a:t>‹N›</a:t>
+              <a:t>‹#›</a:t>
             </a:fld>
             <a:endParaRPr/>
           </a:p>
@@ -6778,7 +6709,7 @@
             </a:pPr>
             <a:fld id="{00000000-1234-1234-1234-123412341234}" type="slidenum">
               <a:rPr lang="it"/>
-              <a:t>‹N›</a:t>
+              <a:t>‹#›</a:t>
             </a:fld>
             <a:endParaRPr/>
           </a:p>
@@ -7190,7 +7121,7 @@
             </a:pPr>
             <a:fld id="{00000000-1234-1234-1234-123412341234}" type="slidenum">
               <a:rPr lang="it"/>
-              <a:t>‹N›</a:t>
+              <a:t>‹#›</a:t>
             </a:fld>
             <a:endParaRPr/>
           </a:p>
@@ -7429,7 +7360,7 @@
             </a:pPr>
             <a:fld id="{00000000-1234-1234-1234-123412341234}" type="slidenum">
               <a:rPr lang="it"/>
-              <a:t>‹N›</a:t>
+              <a:t>‹#›</a:t>
             </a:fld>
             <a:endParaRPr/>
           </a:p>
@@ -7661,7 +7592,7 @@
             </a:pPr>
             <a:fld id="{00000000-1234-1234-1234-123412341234}" type="slidenum">
               <a:rPr lang="it"/>
-              <a:t>‹N›</a:t>
+              <a:t>‹#›</a:t>
             </a:fld>
             <a:endParaRPr/>
           </a:p>
@@ -8462,7 +8393,7 @@
             </a:pPr>
             <a:fld id="{00000000-1234-1234-1234-123412341234}" type="slidenum">
               <a:rPr lang="it"/>
-              <a:t>‹N›</a:t>
+              <a:t>‹#›</a:t>
             </a:fld>
             <a:endParaRPr/>
           </a:p>
@@ -8932,7 +8863,7 @@
             </a:pPr>
             <a:fld id="{00000000-1234-1234-1234-123412341234}" type="slidenum">
               <a:rPr lang="it"/>
-              <a:t>‹N›</a:t>
+              <a:t>‹#›</a:t>
             </a:fld>
             <a:endParaRPr/>
           </a:p>
@@ -9036,7 +8967,7 @@
             </a:pPr>
             <a:fld id="{00000000-1234-1234-1234-123412341234}" type="slidenum">
               <a:rPr lang="it"/>
-              <a:t>‹N›</a:t>
+              <a:t>‹#›</a:t>
             </a:fld>
             <a:endParaRPr/>
           </a:p>
@@ -9417,7 +9348,7 @@
             </a:pPr>
             <a:fld id="{00000000-1234-1234-1234-123412341234}" type="slidenum">
               <a:rPr lang="it"/>
-              <a:t>‹N›</a:t>
+              <a:t>‹#›</a:t>
             </a:fld>
             <a:endParaRPr/>
           </a:p>
@@ -9758,7 +9689,7 @@
             </a:pPr>
             <a:fld id="{00000000-1234-1234-1234-123412341234}" type="slidenum">
               <a:rPr lang="it"/>
-              <a:t>‹N›</a:t>
+              <a:t>‹#›</a:t>
             </a:fld>
             <a:endParaRPr/>
           </a:p>
@@ -11319,7 +11250,7 @@
             </a:pPr>
             <a:fld id="{00000000-1234-1234-1234-123412341234}" type="slidenum">
               <a:rPr lang="it"/>
-              <a:t>‹N›</a:t>
+              <a:t>‹#›</a:t>
             </a:fld>
             <a:endParaRPr/>
           </a:p>
@@ -12059,91 +11990,95 @@
           <a:chExt cx="0" cy="0"/>
         </a:xfrm>
       </p:grpSpPr>
+      <p:sp>
+        <p:nvSpPr>
+          <p:cNvPr id="6" name="Rectangle 5">
+            <a:extLst>
+              <a:ext uri="{FF2B5EF4-FFF2-40B4-BE49-F238E27FC236}">
+                <a16:creationId xmlns:a16="http://schemas.microsoft.com/office/drawing/2014/main" id="{7025A77F-518F-5BB5-D41C-225838A28C96}"/>
+              </a:ext>
+            </a:extLst>
+          </p:cNvPr>
+          <p:cNvSpPr/>
+          <p:nvPr/>
+        </p:nvSpPr>
+        <p:spPr>
+          <a:xfrm>
+            <a:off x="0" y="0"/>
+            <a:ext cx="9144000" cy="5143500"/>
+          </a:xfrm>
+          <a:prstGeom prst="rect">
+            <a:avLst/>
+          </a:prstGeom>
+          <a:solidFill>
+            <a:schemeClr val="tx1"/>
+          </a:solidFill>
+          <a:ln>
+            <a:solidFill>
+              <a:schemeClr val="tx1"/>
+            </a:solidFill>
+          </a:ln>
+        </p:spPr>
+        <p:style>
+          <a:lnRef idx="2">
+            <a:schemeClr val="accent1">
+              <a:shade val="15000"/>
+            </a:schemeClr>
+          </a:lnRef>
+          <a:fillRef idx="1">
+            <a:schemeClr val="accent1"/>
+          </a:fillRef>
+          <a:effectRef idx="0">
+            <a:schemeClr val="accent1"/>
+          </a:effectRef>
+          <a:fontRef idx="minor">
+            <a:schemeClr val="lt1"/>
+          </a:fontRef>
+        </p:style>
+        <p:txBody>
+          <a:bodyPr rtlCol="0" anchor="ctr"/>
+          <a:lstStyle/>
+          <a:p>
+            <a:pPr algn="ctr"/>
+            <a:endParaRPr lang="en-US"/>
+          </a:p>
+        </p:txBody>
+      </p:sp>
       <p:pic>
         <p:nvPicPr>
-          <p:cNvPr id="1026" name="Picture 2">
+          <p:cNvPr id="5" name="Picture 4" descr="A group of people in a room">
             <a:extLst>
               <a:ext uri="{FF2B5EF4-FFF2-40B4-BE49-F238E27FC236}">
-                <a16:creationId xmlns:a16="http://schemas.microsoft.com/office/drawing/2014/main" id="{EC6C154D-BA28-DED8-2B11-1ED921D0D2F3}"/>
+                <a16:creationId xmlns:a16="http://schemas.microsoft.com/office/drawing/2014/main" id="{1C612A77-5509-597F-3D7E-028EBE6A3087}"/>
               </a:ext>
             </a:extLst>
           </p:cNvPr>
           <p:cNvPicPr>
-            <a:picLocks noChangeAspect="1" noChangeArrowheads="1"/>
+            <a:picLocks noChangeAspect="1"/>
           </p:cNvPicPr>
           <p:nvPr/>
         </p:nvPicPr>
         <p:blipFill>
-          <a:blip r:embed="rId3">
-            <a:extLst>
-              <a:ext uri="{28A0092B-C50C-407E-A947-70E740481C1C}">
-                <a14:useLocalDpi xmlns:a14="http://schemas.microsoft.com/office/drawing/2010/main" val="0"/>
-              </a:ext>
-            </a:extLst>
-          </a:blip>
-          <a:srcRect/>
+          <a:blip r:embed="rId3"/>
           <a:stretch>
             <a:fillRect/>
           </a:stretch>
         </p:blipFill>
-        <p:spPr bwMode="auto">
+        <p:spPr>
           <a:xfrm>
-            <a:off x="747501" y="87925"/>
-            <a:ext cx="7620000" cy="4133850"/>
+            <a:off x="161937" y="55500"/>
+            <a:ext cx="8791125" cy="5023500"/>
           </a:xfrm>
           <a:prstGeom prst="rect">
             <a:avLst/>
           </a:prstGeom>
-          <a:noFill/>
-          <a:extLst>
-            <a:ext uri="{909E8E84-426E-40DD-AFC4-6F175D3DCCD1}">
-              <a14:hiddenFill xmlns:a14="http://schemas.microsoft.com/office/drawing/2010/main">
-                <a:solidFill>
-                  <a:srgbClr val="FFFFFF"/>
-                </a:solidFill>
-              </a14:hiddenFill>
-            </a:ext>
-          </a:extLst>
+          <a:ln w="38100">
+            <a:solidFill>
+              <a:schemeClr val="tx1"/>
+            </a:solidFill>
+          </a:ln>
         </p:spPr>
       </p:pic>
-      <p:sp>
-        <p:nvSpPr>
-          <p:cNvPr id="115" name="Google Shape;115;p23"/>
-          <p:cNvSpPr txBox="1"/>
-          <p:nvPr/>
-        </p:nvSpPr>
-        <p:spPr>
-          <a:xfrm>
-            <a:off x="1277000" y="700450"/>
-            <a:ext cx="2128500" cy="1454400"/>
-          </a:xfrm>
-          <a:prstGeom prst="rect">
-            <a:avLst/>
-          </a:prstGeom>
-          <a:noFill/>
-          <a:ln>
-            <a:noFill/>
-          </a:ln>
-        </p:spPr>
-        <p:txBody>
-          <a:bodyPr spcFirstLastPara="1" wrap="square" lIns="91425" tIns="91425" rIns="91425" bIns="91425" anchor="t" anchorCtr="0">
-            <a:noAutofit/>
-          </a:bodyPr>
-          <a:lstStyle/>
-          <a:p>
-            <a:pPr marL="0" lvl="0" indent="0" algn="l" rtl="0">
-              <a:spcBef>
-                <a:spcPts val="0"/>
-              </a:spcBef>
-              <a:spcAft>
-                <a:spcPts val="0"/>
-              </a:spcAft>
-              <a:buNone/>
-            </a:pPr>
-            <a:endParaRPr/>
-          </a:p>
-        </p:txBody>
-      </p:sp>
       <p:sp>
         <p:nvSpPr>
           <p:cNvPr id="116" name="Google Shape;116;p23"/>
@@ -12395,32 +12330,6 @@
           </a:p>
         </p:txBody>
       </p:sp>
-      <p:cxnSp>
-        <p:nvCxnSpPr>
-          <p:cNvPr id="118" name="Google Shape;118;p23"/>
-          <p:cNvCxnSpPr/>
-          <p:nvPr/>
-        </p:nvCxnSpPr>
-        <p:spPr>
-          <a:xfrm>
-            <a:off x="4572000" y="0"/>
-            <a:ext cx="0" cy="5134500"/>
-          </a:xfrm>
-          <a:prstGeom prst="straightConnector1">
-            <a:avLst/>
-          </a:prstGeom>
-          <a:noFill/>
-          <a:ln w="9525" cap="flat" cmpd="sng">
-            <a:solidFill>
-              <a:srgbClr val="B7B7B7"/>
-            </a:solidFill>
-            <a:prstDash val="solid"/>
-            <a:round/>
-            <a:headEnd type="none" w="med" len="med"/>
-            <a:tailEnd type="none" w="med" len="med"/>
-          </a:ln>
-        </p:spPr>
-      </p:cxnSp>
       <p:sp>
         <p:nvSpPr>
           <p:cNvPr id="119" name="Google Shape;119;p23"/>
@@ -12429,7 +12338,7 @@
         </p:nvSpPr>
         <p:spPr>
           <a:xfrm>
-            <a:off x="2265051" y="547251"/>
+            <a:off x="2265050" y="547251"/>
             <a:ext cx="4584900" cy="2441400"/>
           </a:xfrm>
           <a:prstGeom prst="rect">
@@ -12465,15 +12374,23 @@
                 <a:cs typeface="Lekton"/>
                 <a:sym typeface="Lekton"/>
               </a:rPr>
-              <a:t> Prison overcrowding</a:t>
+              <a:t> </a:t>
             </a:r>
-            <a:endParaRPr sz="4200" b="1" dirty="0">
+            <a:r>
+              <a:rPr lang="en-US" sz="4800" b="1" dirty="0">
+                <a:solidFill>
+                  <a:srgbClr val="D66B55"/>
+                </a:solidFill>
+                <a:latin typeface="Lekton"/>
+                <a:sym typeface="Lekton"/>
+              </a:rPr>
+              <a:t>Prison Overcrowding</a:t>
+            </a:r>
+            <a:endParaRPr sz="1800" b="1" dirty="0">
               <a:solidFill>
-                <a:schemeClr val="bg1"/>
+                <a:srgbClr val="D66B55"/>
               </a:solidFill>
               <a:latin typeface="Lekton"/>
-              <a:ea typeface="Lekton"/>
-              <a:cs typeface="Lekton"/>
               <a:sym typeface="Lekton"/>
             </a:endParaRPr>
           </a:p>
@@ -12492,7 +12409,13 @@
   <p:cSld>
     <p:spTree>
       <p:nvGrpSpPr>
-        <p:cNvPr id="1" name="Shape 179"/>
+        <p:cNvPr id="1" name="Shape 179">
+          <a:extLst>
+            <a:ext uri="{FF2B5EF4-FFF2-40B4-BE49-F238E27FC236}">
+              <a16:creationId xmlns:a16="http://schemas.microsoft.com/office/drawing/2014/main" id="{47E5BBA1-F312-5D3E-C022-F6008C22653A}"/>
+            </a:ext>
+          </a:extLst>
+        </p:cNvPr>
         <p:cNvGrpSpPr/>
         <p:nvPr/>
       </p:nvGrpSpPr>
@@ -12506,14 +12429,75 @@
       </p:grpSpPr>
       <p:sp>
         <p:nvSpPr>
-          <p:cNvPr id="180" name="Google Shape;180;p34"/>
+          <p:cNvPr id="9" name="Rettangolo 1">
+            <a:extLst>
+              <a:ext uri="{FF2B5EF4-FFF2-40B4-BE49-F238E27FC236}">
+                <a16:creationId xmlns:a16="http://schemas.microsoft.com/office/drawing/2014/main" id="{210CA6F0-EF64-FDF2-0B8A-0C6105FD88E8}"/>
+              </a:ext>
+            </a:extLst>
+          </p:cNvPr>
+          <p:cNvSpPr/>
+          <p:nvPr/>
+        </p:nvSpPr>
+        <p:spPr>
+          <a:xfrm>
+            <a:off x="5797899" y="0"/>
+            <a:ext cx="3344238" cy="5143500"/>
+          </a:xfrm>
+          <a:prstGeom prst="rect">
+            <a:avLst/>
+          </a:prstGeom>
+          <a:solidFill>
+            <a:schemeClr val="bg2">
+              <a:lumMod val="20000"/>
+              <a:lumOff val="80000"/>
+            </a:schemeClr>
+          </a:solidFill>
+          <a:ln w="12700">
+            <a:noFill/>
+          </a:ln>
+        </p:spPr>
+        <p:style>
+          <a:lnRef idx="2">
+            <a:schemeClr val="accent3">
+              <a:shade val="50000"/>
+            </a:schemeClr>
+          </a:lnRef>
+          <a:fillRef idx="1">
+            <a:schemeClr val="accent3"/>
+          </a:fillRef>
+          <a:effectRef idx="0">
+            <a:schemeClr val="accent3"/>
+          </a:effectRef>
+          <a:fontRef idx="minor">
+            <a:schemeClr val="lt1"/>
+          </a:fontRef>
+        </p:style>
+        <p:txBody>
+          <a:bodyPr rtlCol="0" anchor="ctr"/>
+          <a:lstStyle/>
+          <a:p>
+            <a:pPr algn="ctr"/>
+            <a:endParaRPr lang="it-IT"/>
+          </a:p>
+        </p:txBody>
+      </p:sp>
+      <p:sp>
+        <p:nvSpPr>
+          <p:cNvPr id="180" name="Google Shape;180;p34">
+            <a:extLst>
+              <a:ext uri="{FF2B5EF4-FFF2-40B4-BE49-F238E27FC236}">
+                <a16:creationId xmlns:a16="http://schemas.microsoft.com/office/drawing/2014/main" id="{27804495-D3B9-3A4F-6E8C-6828C65B23DB}"/>
+              </a:ext>
+            </a:extLst>
+          </p:cNvPr>
           <p:cNvSpPr txBox="1"/>
           <p:nvPr/>
         </p:nvSpPr>
         <p:spPr>
           <a:xfrm>
-            <a:off x="567000" y="111350"/>
-            <a:ext cx="8010000" cy="476100"/>
+            <a:off x="374922" y="111012"/>
+            <a:ext cx="5058101" cy="476100"/>
           </a:xfrm>
           <a:prstGeom prst="rect">
             <a:avLst/>
@@ -12548,7 +12532,7 @@
                 <a:cs typeface="Lekton"/>
                 <a:sym typeface="Lekton"/>
               </a:rPr>
-              <a:t>What are the regional differences (North vs South Europe) in prison overcrowding?</a:t>
+              <a:t>Prison capacity divides Europe: North vs South divergence in 2022</a:t>
             </a:r>
           </a:p>
         </p:txBody>
@@ -12558,7 +12542,7 @@
           <p:cNvPr id="8" name="TextBox 7">
             <a:extLst>
               <a:ext uri="{FF2B5EF4-FFF2-40B4-BE49-F238E27FC236}">
-                <a16:creationId xmlns:a16="http://schemas.microsoft.com/office/drawing/2014/main" id="{4B15ACC2-9BD0-A397-E2B5-AA9B98489E73}"/>
+                <a16:creationId xmlns:a16="http://schemas.microsoft.com/office/drawing/2014/main" id="{1276E8AA-DFB7-2CF2-A6CB-EAB8C936B9E0}"/>
               </a:ext>
             </a:extLst>
           </p:cNvPr>
@@ -12567,8 +12551,8 @@
         </p:nvSpPr>
         <p:spPr>
           <a:xfrm>
-            <a:off x="4572000" y="1171539"/>
-            <a:ext cx="4630421" cy="3631763"/>
+            <a:off x="5797899" y="1009259"/>
+            <a:ext cx="3344238" cy="3170099"/>
           </a:xfrm>
           <a:prstGeom prst="rect">
             <a:avLst/>
@@ -12591,8 +12575,19 @@
                 </a:solidFill>
                 <a:latin typeface="Lekton"/>
               </a:rPr>
-              <a:t>Visual Description</a:t>
+              <a:t>Bar chart comparison (2022) analyzing regional prison capacity patterns across 35 European countries, segmented into Northern Europe (18), Southern Europe (13) and smaller systems (4).</a:t>
             </a:r>
+          </a:p>
+          <a:p>
+            <a:pPr algn="l">
+              <a:buNone/>
+            </a:pPr>
+            <a:endParaRPr lang="en-US" sz="1000" dirty="0">
+              <a:solidFill>
+                <a:srgbClr val="333333"/>
+              </a:solidFill>
+              <a:latin typeface="Lekton"/>
+            </a:endParaRPr>
           </a:p>
           <a:p>
             <a:pPr algn="l">
@@ -12605,12 +12600,24 @@
                 </a:solidFill>
                 <a:latin typeface="Lekton"/>
               </a:rPr>
-              <a:t>Time series line chart (2014–2023) showing occupancy rate evolution for:</a:t>
+              <a:t>Key Insights</a:t>
             </a:r>
           </a:p>
           <a:p>
             <a:pPr algn="l">
               <a:buNone/>
+            </a:pPr>
+            <a:endParaRPr lang="en-US" sz="1000" dirty="0">
+              <a:solidFill>
+                <a:srgbClr val="333333"/>
+              </a:solidFill>
+              <a:latin typeface="Lekton"/>
+            </a:endParaRPr>
+          </a:p>
+          <a:p>
+            <a:pPr marL="171450" indent="-171450" algn="l">
+              <a:buFont typeface="Arial" panose="020B0604020202020204" pitchFamily="34" charset="0"/>
+              <a:buChar char="•"/>
             </a:pPr>
             <a:r>
               <a:rPr lang="en-US" sz="1000" dirty="0">
@@ -12619,12 +12626,13 @@
                 </a:solidFill>
                 <a:latin typeface="Lekton"/>
               </a:rPr>
-              <a:t>Italy, France, Belgium, Liechtenstein, Sweden</a:t>
+              <a:t>Northern Europe leads in capacity management: mean occupancy of 90.40% indicates systematic efficiency, with controlled variance (min 62.20%, max 119%)</a:t>
             </a:r>
           </a:p>
           <a:p>
-            <a:pPr algn="l">
-              <a:buNone/>
+            <a:pPr marL="171450" indent="-171450" algn="l">
+              <a:buFont typeface="Arial" panose="020B0604020202020204" pitchFamily="34" charset="0"/>
+              <a:buChar char="•"/>
             </a:pPr>
             <a:r>
               <a:rPr lang="en-US" sz="1000" dirty="0">
@@ -12633,12 +12641,13 @@
                 </a:solidFill>
                 <a:latin typeface="Lekton"/>
               </a:rPr>
-              <a:t>EU27 average (reference baseline)</a:t>
+              <a:t>Southern Europe approaches threshold: mean occupancy of 96.40% remains below 100% at aggregate level, yet proximity to capacity threshold signals structural strain, with ceiling at 117.70%</a:t>
             </a:r>
           </a:p>
           <a:p>
-            <a:pPr algn="l">
-              <a:buNone/>
+            <a:pPr marL="171450" indent="-171450" algn="l">
+              <a:buFont typeface="Arial" panose="020B0604020202020204" pitchFamily="34" charset="0"/>
+              <a:buChar char="•"/>
             </a:pPr>
             <a:r>
               <a:rPr lang="en-US" sz="1000" dirty="0">
@@ -12647,12 +12656,13 @@
                 </a:solidFill>
                 <a:latin typeface="Lekton"/>
               </a:rPr>
-              <a:t>Red dashed line at 100%: overcrowding threshold</a:t>
+              <a:t>Micro-countries exhibit extreme volatility and are therefore analyzed separately</a:t>
             </a:r>
           </a:p>
           <a:p>
-            <a:pPr algn="l">
-              <a:buNone/>
+            <a:pPr marL="171450" indent="-171450" algn="l">
+              <a:buFont typeface="Arial" panose="020B0604020202020204" pitchFamily="34" charset="0"/>
+              <a:buChar char="•"/>
             </a:pPr>
             <a:r>
               <a:rPr lang="en-US" sz="1000" dirty="0">
@@ -12661,526 +12671,17 @@
                 </a:solidFill>
                 <a:latin typeface="Lekton"/>
               </a:rPr>
-              <a:t>What the chart shows</a:t>
-            </a:r>
-          </a:p>
-          <a:p>
-            <a:pPr algn="l">
-              <a:buNone/>
-            </a:pPr>
-            <a:r>
-              <a:rPr lang="en-US" sz="1000" dirty="0">
-                <a:solidFill>
-                  <a:srgbClr val="333333"/>
-                </a:solidFill>
-                <a:latin typeface="Lekton"/>
-              </a:rPr>
-              <a:t>Liechtenstein: Extreme volatility (265% → 360% → 218%), unmanageable swings</a:t>
-            </a:r>
-          </a:p>
-          <a:p>
-            <a:pPr algn="l">
-              <a:buNone/>
-            </a:pPr>
-            <a:r>
-              <a:rPr lang="en-US" sz="1000" dirty="0">
-                <a:solidFill>
-                  <a:srgbClr val="333333"/>
-                </a:solidFill>
-                <a:latin typeface="Lekton"/>
-              </a:rPr>
-              <a:t>Italy: Consistent upward trend (90% → 119%), worsening crisis</a:t>
-            </a:r>
-          </a:p>
-          <a:p>
-            <a:pPr algn="l">
-              <a:buNone/>
-            </a:pPr>
-            <a:r>
-              <a:rPr lang="en-US" sz="1000" dirty="0">
-                <a:solidFill>
-                  <a:srgbClr val="333333"/>
-                </a:solidFill>
-                <a:latin typeface="Lekton"/>
-              </a:rPr>
-              <a:t>France: Stable overcrowding (120–125%), persistent problem</a:t>
-            </a:r>
-          </a:p>
-          <a:p>
-            <a:pPr algn="l">
-              <a:buNone/>
-            </a:pPr>
-            <a:r>
-              <a:rPr lang="en-US" sz="1000" dirty="0">
-                <a:solidFill>
-                  <a:srgbClr val="333333"/>
-                </a:solidFill>
-                <a:latin typeface="Lekton"/>
-              </a:rPr>
-              <a:t>Belgium: Slight improvement (115% → 113%), but still overcrowded</a:t>
-            </a:r>
-          </a:p>
-          <a:p>
-            <a:pPr algn="l">
-              <a:buNone/>
-            </a:pPr>
-            <a:r>
-              <a:rPr lang="en-US" sz="1000" dirty="0">
-                <a:solidFill>
-                  <a:srgbClr val="333333"/>
-                </a:solidFill>
-                <a:latin typeface="Lekton"/>
-              </a:rPr>
-              <a:t>Sweden: Volatile but recent improvement (112% → 107%), positive trajectory</a:t>
-            </a:r>
-          </a:p>
-          <a:p>
-            <a:pPr algn="l">
-              <a:buNone/>
-            </a:pPr>
-            <a:r>
-              <a:rPr lang="en-US" sz="1000" dirty="0">
-                <a:solidFill>
-                  <a:srgbClr val="333333"/>
-                </a:solidFill>
-                <a:latin typeface="Lekton"/>
-              </a:rPr>
-              <a:t>EU average: Stable around 95%, slight downward trend (good management overall)</a:t>
-            </a:r>
-          </a:p>
-          <a:p>
-            <a:pPr algn="l">
-              <a:buNone/>
-            </a:pPr>
-            <a:r>
-              <a:rPr lang="en-US" sz="1000" dirty="0">
-                <a:solidFill>
-                  <a:srgbClr val="333333"/>
-                </a:solidFill>
-                <a:latin typeface="Lekton"/>
-              </a:rPr>
-              <a:t>Key insights</a:t>
-            </a:r>
-          </a:p>
-          <a:p>
-            <a:pPr algn="l">
-              <a:buNone/>
-            </a:pPr>
-            <a:r>
-              <a:rPr lang="en-US" sz="1000" dirty="0">
-                <a:solidFill>
-                  <a:srgbClr val="333333"/>
-                </a:solidFill>
-                <a:latin typeface="Lekton"/>
-              </a:rPr>
-              <a:t>Italy's problem is worsening, not improving (straight +29pp line)</a:t>
-            </a:r>
-          </a:p>
-          <a:p>
-            <a:pPr algn="l">
-              <a:buNone/>
-            </a:pPr>
-            <a:r>
-              <a:rPr lang="en-US" sz="1000" dirty="0">
-                <a:solidFill>
-                  <a:srgbClr val="333333"/>
-                </a:solidFill>
-                <a:latin typeface="Lekton"/>
-              </a:rPr>
-              <a:t>Liechtenstein is uncontrollable (likely administrative/immigration issues)</a:t>
-            </a:r>
-          </a:p>
-          <a:p>
-            <a:pPr algn="l">
-              <a:buNone/>
-            </a:pPr>
-            <a:r>
-              <a:rPr lang="en-US" sz="1000" dirty="0">
-                <a:solidFill>
-                  <a:srgbClr val="333333"/>
-                </a:solidFill>
-                <a:latin typeface="Lekton"/>
-              </a:rPr>
-              <a:t>Northern countries do better (Sweden improving; EU avg stable)</a:t>
-            </a:r>
-          </a:p>
-          <a:p>
-            <a:pPr algn="l">
-              <a:buNone/>
-            </a:pPr>
-            <a:r>
-              <a:rPr lang="en-US" sz="1000" dirty="0">
-                <a:solidFill>
-                  <a:srgbClr val="333333"/>
-                </a:solidFill>
-                <a:latin typeface="Lekton"/>
-              </a:rPr>
-              <a:t>10-year horizon: Overcrowding is NOT temporary; it's structural in Southern Europe</a:t>
-            </a:r>
-          </a:p>
-        </p:txBody>
-      </p:sp>
-    </p:spTree>
-    <p:extLst>
-      <p:ext uri="{BB962C8B-B14F-4D97-AF65-F5344CB8AC3E}">
-        <p14:creationId xmlns:p14="http://schemas.microsoft.com/office/powerpoint/2010/main" val="587155880"/>
-      </p:ext>
-    </p:extLst>
-  </p:cSld>
-  <p:clrMapOvr>
-    <a:masterClrMapping/>
-  </p:clrMapOvr>
-</p:sld>
-</file>
-
-<file path=ppt/slides/slide11.xml><?xml version="1.0" encoding="utf-8"?>
-<p:sld xmlns:a="http://schemas.openxmlformats.org/drawingml/2006/main" xmlns:r="http://schemas.openxmlformats.org/officeDocument/2006/relationships" xmlns:p="http://schemas.openxmlformats.org/presentationml/2006/main">
-  <p:cSld>
-    <p:spTree>
-      <p:nvGrpSpPr>
-        <p:cNvPr id="1" name="Shape 179"/>
-        <p:cNvGrpSpPr/>
-        <p:nvPr/>
-      </p:nvGrpSpPr>
-      <p:grpSpPr>
-        <a:xfrm>
-          <a:off x="0" y="0"/>
-          <a:ext cx="0" cy="0"/>
-          <a:chOff x="0" y="0"/>
-          <a:chExt cx="0" cy="0"/>
-        </a:xfrm>
-      </p:grpSpPr>
-      <p:sp>
-        <p:nvSpPr>
-          <p:cNvPr id="180" name="Google Shape;180;p34"/>
-          <p:cNvSpPr txBox="1"/>
-          <p:nvPr/>
-        </p:nvSpPr>
-        <p:spPr>
-          <a:xfrm>
-            <a:off x="567000" y="111350"/>
-            <a:ext cx="8010000" cy="476100"/>
-          </a:xfrm>
-          <a:prstGeom prst="rect">
-            <a:avLst/>
-          </a:prstGeom>
-          <a:noFill/>
-          <a:ln>
-            <a:noFill/>
-          </a:ln>
-        </p:spPr>
-        <p:txBody>
-          <a:bodyPr spcFirstLastPara="1" wrap="square" lIns="0" tIns="0" rIns="0" bIns="0" anchor="t" anchorCtr="0">
-            <a:noAutofit/>
-          </a:bodyPr>
-          <a:lstStyle/>
-          <a:p>
-            <a:pPr lvl="0" algn="ctr">
-              <a:spcBef>
-                <a:spcPts val="1000"/>
-              </a:spcBef>
-              <a:buClr>
-                <a:schemeClr val="dk1"/>
-              </a:buClr>
-              <a:buSzPts val="1100"/>
-            </a:pPr>
-            <a:r>
-              <a:rPr lang="en-US" sz="1800" b="1" dirty="0">
-                <a:solidFill>
-                  <a:srgbClr val="D66B55"/>
-                </a:solidFill>
-                <a:latin typeface="Lekton"/>
-                <a:ea typeface="Lekton"/>
-                <a:cs typeface="Lekton"/>
-                <a:sym typeface="Lekton"/>
-              </a:rPr>
-              <a:t>Prison Occupancy Trends 2014-2022: European countries with prison occupancy &lt; 1000</a:t>
-            </a:r>
-            <a:endParaRPr sz="1800" b="1" dirty="0">
-              <a:solidFill>
-                <a:srgbClr val="D66B55"/>
-              </a:solidFill>
-              <a:latin typeface="Lekton"/>
-              <a:ea typeface="Lekton"/>
-              <a:cs typeface="Lekton"/>
-              <a:sym typeface="Lekton"/>
-            </a:endParaRPr>
-          </a:p>
-        </p:txBody>
-      </p:sp>
-      <p:sp>
-        <p:nvSpPr>
-          <p:cNvPr id="8" name="TextBox 7">
-            <a:extLst>
-              <a:ext uri="{FF2B5EF4-FFF2-40B4-BE49-F238E27FC236}">
-                <a16:creationId xmlns:a16="http://schemas.microsoft.com/office/drawing/2014/main" id="{4B15ACC2-9BD0-A397-E2B5-AA9B98489E73}"/>
-              </a:ext>
-            </a:extLst>
-          </p:cNvPr>
-          <p:cNvSpPr txBox="1"/>
-          <p:nvPr/>
-        </p:nvSpPr>
-        <p:spPr>
-          <a:xfrm>
-            <a:off x="0" y="842086"/>
-            <a:ext cx="4056604" cy="4247317"/>
-          </a:xfrm>
-          <a:prstGeom prst="rect">
-            <a:avLst/>
-          </a:prstGeom>
-          <a:noFill/>
-        </p:spPr>
-        <p:txBody>
-          <a:bodyPr wrap="square">
-            <a:spAutoFit/>
-          </a:bodyPr>
-          <a:lstStyle/>
-          <a:p>
-            <a:pPr algn="l">
-              <a:buNone/>
-            </a:pPr>
-            <a:r>
-              <a:rPr lang="en-US" sz="1000" dirty="0">
-                <a:solidFill>
-                  <a:srgbClr val="333333"/>
-                </a:solidFill>
-                <a:latin typeface="Lekton"/>
-              </a:rPr>
-              <a:t>Visual Description</a:t>
-            </a:r>
-          </a:p>
-          <a:p>
-            <a:pPr algn="l">
-              <a:buNone/>
-            </a:pPr>
-            <a:r>
-              <a:rPr lang="en-US" sz="1000" dirty="0">
-                <a:solidFill>
-                  <a:srgbClr val="333333"/>
-                </a:solidFill>
-                <a:latin typeface="Lekton"/>
-              </a:rPr>
-              <a:t>Time series line chart (2014–2023) showing occupancy rate evolution for:</a:t>
-            </a:r>
-          </a:p>
-          <a:p>
-            <a:pPr algn="l">
-              <a:buNone/>
-            </a:pPr>
-            <a:r>
-              <a:rPr lang="en-US" sz="1000" dirty="0">
-                <a:solidFill>
-                  <a:srgbClr val="333333"/>
-                </a:solidFill>
-                <a:latin typeface="Lekton"/>
-              </a:rPr>
-              <a:t>Italy, France, Belgium, Liechtenstein, Sweden</a:t>
-            </a:r>
-          </a:p>
-          <a:p>
-            <a:pPr algn="l">
-              <a:buNone/>
-            </a:pPr>
-            <a:r>
-              <a:rPr lang="en-US" sz="1000" dirty="0">
-                <a:solidFill>
-                  <a:srgbClr val="333333"/>
-                </a:solidFill>
-                <a:latin typeface="Lekton"/>
-              </a:rPr>
-              <a:t>EU27 average (reference baseline)</a:t>
-            </a:r>
-          </a:p>
-          <a:p>
-            <a:pPr algn="l">
-              <a:buNone/>
-            </a:pPr>
-            <a:r>
-              <a:rPr lang="en-US" sz="1000" dirty="0">
-                <a:solidFill>
-                  <a:srgbClr val="333333"/>
-                </a:solidFill>
-                <a:latin typeface="Lekton"/>
-              </a:rPr>
-              <a:t>Red dashed line at 100%: overcrowding threshold</a:t>
-            </a:r>
-          </a:p>
-          <a:p>
-            <a:pPr algn="l">
-              <a:buNone/>
-            </a:pPr>
-            <a:r>
-              <a:rPr lang="en-US" sz="1000" dirty="0">
-                <a:solidFill>
-                  <a:srgbClr val="333333"/>
-                </a:solidFill>
-                <a:latin typeface="Lekton"/>
-              </a:rPr>
-              <a:t>What the chart shows</a:t>
-            </a:r>
-          </a:p>
-          <a:p>
-            <a:pPr algn="l">
-              <a:buNone/>
-            </a:pPr>
-            <a:r>
-              <a:rPr lang="en-US" sz="1000" dirty="0">
-                <a:solidFill>
-                  <a:srgbClr val="333333"/>
-                </a:solidFill>
-                <a:latin typeface="Lekton"/>
-              </a:rPr>
-              <a:t>Liechtenstein: Extreme volatility (265% → 360% → 218%), unmanageable swings</a:t>
-            </a:r>
-          </a:p>
-          <a:p>
-            <a:pPr algn="l">
-              <a:buNone/>
-            </a:pPr>
-            <a:r>
-              <a:rPr lang="en-US" sz="1000" dirty="0">
-                <a:solidFill>
-                  <a:srgbClr val="333333"/>
-                </a:solidFill>
-                <a:latin typeface="Lekton"/>
-              </a:rPr>
-              <a:t>Italy: Consistent upward trend (90% → 119%), worsening crisis</a:t>
-            </a:r>
-          </a:p>
-          <a:p>
-            <a:pPr algn="l">
-              <a:buNone/>
-            </a:pPr>
-            <a:r>
-              <a:rPr lang="en-US" sz="1000" dirty="0">
-                <a:solidFill>
-                  <a:srgbClr val="333333"/>
-                </a:solidFill>
-                <a:latin typeface="Lekton"/>
-              </a:rPr>
-              <a:t>France: Stable overcrowding (120–125%), persistent problem</a:t>
-            </a:r>
-          </a:p>
-          <a:p>
-            <a:pPr algn="l">
-              <a:buNone/>
-            </a:pPr>
-            <a:r>
-              <a:rPr lang="en-US" sz="1000" dirty="0">
-                <a:solidFill>
-                  <a:srgbClr val="333333"/>
-                </a:solidFill>
-                <a:latin typeface="Lekton"/>
-              </a:rPr>
-              <a:t>Belgium: Slight improvement (115% → 113%), but still overcrowded</a:t>
-            </a:r>
-          </a:p>
-          <a:p>
-            <a:pPr algn="l">
-              <a:buNone/>
-            </a:pPr>
-            <a:r>
-              <a:rPr lang="en-US" sz="1000" dirty="0">
-                <a:solidFill>
-                  <a:srgbClr val="333333"/>
-                </a:solidFill>
-                <a:latin typeface="Lekton"/>
-              </a:rPr>
-              <a:t>Sweden: Volatile but recent improvement (112% → 107%), positive trajectory</a:t>
-            </a:r>
-          </a:p>
-          <a:p>
-            <a:pPr algn="l">
-              <a:buNone/>
-            </a:pPr>
-            <a:r>
-              <a:rPr lang="en-US" sz="1000" dirty="0">
-                <a:solidFill>
-                  <a:srgbClr val="333333"/>
-                </a:solidFill>
-                <a:latin typeface="Lekton"/>
-              </a:rPr>
-              <a:t>EU average: Stable around 95%, slight downward trend (good management overall)</a:t>
-            </a:r>
-          </a:p>
-          <a:p>
-            <a:pPr algn="l">
-              <a:buNone/>
-            </a:pPr>
-            <a:r>
-              <a:rPr lang="en-US" sz="1000" dirty="0">
-                <a:solidFill>
-                  <a:srgbClr val="333333"/>
-                </a:solidFill>
-                <a:latin typeface="Lekton"/>
-              </a:rPr>
-              <a:t>Key insights</a:t>
-            </a:r>
-          </a:p>
-          <a:p>
-            <a:pPr algn="l">
-              <a:buNone/>
-            </a:pPr>
-            <a:r>
-              <a:rPr lang="en-US" sz="1000" dirty="0">
-                <a:solidFill>
-                  <a:srgbClr val="333333"/>
-                </a:solidFill>
-                <a:latin typeface="Lekton"/>
-              </a:rPr>
-              <a:t>Italy's problem is worsening, not improving (straight +29pp line)</a:t>
-            </a:r>
-          </a:p>
-          <a:p>
-            <a:pPr algn="l">
-              <a:buNone/>
-            </a:pPr>
-            <a:r>
-              <a:rPr lang="en-US" sz="1000" dirty="0">
-                <a:solidFill>
-                  <a:srgbClr val="333333"/>
-                </a:solidFill>
-                <a:latin typeface="Lekton"/>
-              </a:rPr>
-              <a:t>Liechtenstein is uncontrollable (likely administrative/immigration issues)</a:t>
-            </a:r>
-          </a:p>
-          <a:p>
-            <a:pPr algn="l">
-              <a:buNone/>
-            </a:pPr>
-            <a:r>
-              <a:rPr lang="en-US" sz="1000" dirty="0">
-                <a:solidFill>
-                  <a:srgbClr val="333333"/>
-                </a:solidFill>
-                <a:latin typeface="Lekton"/>
-              </a:rPr>
-              <a:t>Northern countries do better (Sweden improving; EU avg stable)</a:t>
-            </a:r>
-          </a:p>
-          <a:p>
-            <a:pPr algn="l">
-              <a:buNone/>
-            </a:pPr>
-            <a:r>
-              <a:rPr lang="en-US" sz="1000" dirty="0">
-                <a:solidFill>
-                  <a:srgbClr val="333333"/>
-                </a:solidFill>
-                <a:latin typeface="Lekton"/>
-              </a:rPr>
-              <a:t>10-year horizon: Overcrowding is NOT temporary; it's structural in Southern Europe</a:t>
+              <a:t>Regional disparity is structural: the 6-point gap between North (90.39%) and South (96.35%)</a:t>
             </a:r>
           </a:p>
         </p:txBody>
       </p:sp>
       <p:pic>
         <p:nvPicPr>
-          <p:cNvPr id="3" name="Immagine 2">
+          <p:cNvPr id="5" name="Picture 4" descr="A graph of different colored bars&#10;&#10;AI-generated content may be incorrect.">
             <a:extLst>
               <a:ext uri="{FF2B5EF4-FFF2-40B4-BE49-F238E27FC236}">
-                <a16:creationId xmlns:a16="http://schemas.microsoft.com/office/drawing/2014/main" id="{AFED2697-0134-48B5-83BD-A00B804F4594}"/>
+                <a16:creationId xmlns:a16="http://schemas.microsoft.com/office/drawing/2014/main" id="{F5303FAA-BC84-DBED-7A80-5E8FF64CC440}"/>
               </a:ext>
             </a:extLst>
           </p:cNvPr>
@@ -13197,8 +12698,8 @@
         </p:blipFill>
         <p:spPr>
           <a:xfrm>
-            <a:off x="4056604" y="1337494"/>
-            <a:ext cx="5040331" cy="2520166"/>
+            <a:off x="0" y="1233881"/>
+            <a:ext cx="5797898" cy="3188844"/>
           </a:xfrm>
           <a:prstGeom prst="rect">
             <a:avLst/>
@@ -13206,6 +12707,11 @@
         </p:spPr>
       </p:pic>
     </p:spTree>
+    <p:extLst>
+      <p:ext uri="{BB962C8B-B14F-4D97-AF65-F5344CB8AC3E}">
+        <p14:creationId xmlns:p14="http://schemas.microsoft.com/office/powerpoint/2010/main" val="564040601"/>
+      </p:ext>
+    </p:extLst>
   </p:cSld>
   <p:clrMapOvr>
     <a:masterClrMapping/>
@@ -13213,7 +12719,7 @@
 </p:sld>
 </file>
 
-<file path=ppt/slides/slide12.xml><?xml version="1.0" encoding="utf-8"?>
+<file path=ppt/slides/slide11.xml><?xml version="1.0" encoding="utf-8"?>
 <p:sld xmlns:a="http://schemas.openxmlformats.org/drawingml/2006/main" xmlns:r="http://schemas.openxmlformats.org/officeDocument/2006/relationships" xmlns:p="http://schemas.openxmlformats.org/presentationml/2006/main">
   <p:cSld>
     <p:spTree>
@@ -13250,8 +12756,8 @@
         </p:nvSpPr>
         <p:spPr>
           <a:xfrm>
-            <a:off x="540000" y="384724"/>
-            <a:ext cx="8010000" cy="4604875"/>
+            <a:off x="567000" y="269169"/>
+            <a:ext cx="8010000" cy="298564"/>
           </a:xfrm>
           <a:prstGeom prst="rect">
             <a:avLst/>
@@ -13286,7 +12792,7 @@
                 <a:cs typeface="Lekton"/>
                 <a:sym typeface="Lekton"/>
               </a:rPr>
-              <a:t>Executive Summary</a:t>
+              <a:t>European Prison Overcrowding: Key Findings</a:t>
             </a:r>
             <a:endParaRPr lang="en-US" dirty="0">
               <a:solidFill>
@@ -13298,18 +12804,55 @@
               <a:sym typeface="Lekton"/>
             </a:endParaRPr>
           </a:p>
-          <a:p>
-            <a:pPr marL="0" lvl="0" indent="0" algn="l" rtl="0">
+        </p:txBody>
+      </p:sp>
+      <p:sp>
+        <p:nvSpPr>
+          <p:cNvPr id="2" name="Google Shape;164;p31">
+            <a:extLst>
+              <a:ext uri="{FF2B5EF4-FFF2-40B4-BE49-F238E27FC236}">
+                <a16:creationId xmlns:a16="http://schemas.microsoft.com/office/drawing/2014/main" id="{2B4D5C9D-EA9D-FC42-A380-AB99FC4B5B88}"/>
+              </a:ext>
+            </a:extLst>
+          </p:cNvPr>
+          <p:cNvSpPr txBox="1"/>
+          <p:nvPr/>
+        </p:nvSpPr>
+        <p:spPr>
+          <a:xfrm>
+            <a:off x="895500" y="894043"/>
+            <a:ext cx="7353000" cy="4119090"/>
+          </a:xfrm>
+          <a:prstGeom prst="rect">
+            <a:avLst/>
+          </a:prstGeom>
+          <a:noFill/>
+          <a:ln>
+            <a:noFill/>
+          </a:ln>
+        </p:spPr>
+        <p:txBody>
+          <a:bodyPr spcFirstLastPara="1" wrap="square" lIns="0" tIns="0" rIns="0" bIns="0" anchor="t" anchorCtr="0">
+            <a:noAutofit/>
+          </a:bodyPr>
+          <a:lstStyle/>
+          <a:p>
+            <a:pPr marL="171450" lvl="0" indent="-171450" algn="l" rtl="0">
               <a:spcBef>
                 <a:spcPts val="1000"/>
               </a:spcBef>
               <a:spcAft>
                 <a:spcPts val="0"/>
               </a:spcAft>
-              <a:buNone/>
+              <a:buClr>
+                <a:schemeClr val="dk1"/>
+              </a:buClr>
+              <a:buSzPts val="1100"/>
+              <a:buFont typeface="Arial" panose="020B0604020202020204" pitchFamily="34" charset="0"/>
+              <a:buChar char="•"/>
             </a:pPr>
             <a:r>
-              <a:rPr lang="en-US" sz="800" dirty="0">
+              <a:rPr lang="en-US" dirty="0">
                 <a:solidFill>
                   <a:srgbClr val="333333"/>
                 </a:solidFill>
@@ -13318,21 +12861,23 @@
                 <a:cs typeface="Lekton"/>
                 <a:sym typeface="Lekton"/>
               </a:rPr>
-              <a:t>Europe's prison systems face a regional crisis: 13/37 countries exceed capacity (100%+), concentrated in Southern and Central Europe. Italy is the worst-performing major EU nation (119.1%), with a worsening trend since 2014 (+29pp). Northern European countries prove that well-managed systems can maintain occupancy &lt;80%.</a:t>
+              <a:t>Structural overcrowding persists: 11+ European countries exceed 100% occupancy consistently across the 2014–2022 decade, indicating systemic rather than cyclical patterns</a:t>
             </a:r>
           </a:p>
           <a:p>
-            <a:pPr marL="0" lvl="0" indent="0" algn="l" rtl="0">
+            <a:pPr marL="171450" indent="-171450">
               <a:spcBef>
                 <a:spcPts val="1000"/>
               </a:spcBef>
-              <a:spcAft>
-                <a:spcPts val="0"/>
-              </a:spcAft>
-              <a:buNone/>
+              <a:buClr>
+                <a:schemeClr val="dk1"/>
+              </a:buClr>
+              <a:buSzPts val="1100"/>
+              <a:buFont typeface="Arial" panose="020B0604020202020204" pitchFamily="34" charset="0"/>
+              <a:buChar char="•"/>
             </a:pPr>
             <a:r>
-              <a:rPr lang="en-US" sz="800" dirty="0">
+              <a:rPr lang="en-US" dirty="0">
                 <a:solidFill>
                   <a:srgbClr val="333333"/>
                 </a:solidFill>
@@ -13341,21 +12886,26 @@
                 <a:cs typeface="Lekton"/>
                 <a:sym typeface="Lekton"/>
               </a:rPr>
-              <a:t>Critical Findings (Top 3)</a:t>
+              <a:t>North-South capacity buffer disparity: Northern systems operate with ~10% capacity margin above current occupancy; Southern systems operate with ~4% margin—creating differential structural resilience</a:t>
             </a:r>
           </a:p>
           <a:p>
-            <a:pPr marL="0" lvl="0" indent="0" algn="l" rtl="0">
+            <a:pPr marL="171450" lvl="0" indent="-171450" algn="l" rtl="0">
               <a:spcBef>
                 <a:spcPts val="1000"/>
               </a:spcBef>
               <a:spcAft>
                 <a:spcPts val="0"/>
               </a:spcAft>
-              <a:buNone/>
+              <a:buClr>
+                <a:schemeClr val="dk1"/>
+              </a:buClr>
+              <a:buSzPts val="1100"/>
+              <a:buFont typeface="Arial" panose="020B0604020202020204" pitchFamily="34" charset="0"/>
+              <a:buChar char="•"/>
             </a:pPr>
             <a:r>
-              <a:rPr lang="en-US" sz="800" dirty="0">
+              <a:rPr lang="en-US" dirty="0">
                 <a:solidFill>
                   <a:srgbClr val="333333"/>
                 </a:solidFill>
@@ -13364,21 +12914,26 @@
                 <a:cs typeface="Lekton"/>
                 <a:sym typeface="Lekton"/>
               </a:rPr>
-              <a:t>35% of European countries face prison overcrowding – this is a systemic problem, not anomaly</a:t>
+              <a:t>Hungary's downward trajectory: prison occupancy declined from 142.16% (2014) to 103.51% (2022) a 38.65-point reduction demonstrates long-term trend reversal is empirically possible</a:t>
             </a:r>
           </a:p>
           <a:p>
-            <a:pPr marL="0" lvl="0" indent="0" algn="l" rtl="0">
+            <a:pPr marL="171450" lvl="0" indent="-171450" algn="l" rtl="0">
               <a:spcBef>
                 <a:spcPts val="1000"/>
               </a:spcBef>
               <a:spcAft>
                 <a:spcPts val="0"/>
               </a:spcAft>
-              <a:buNone/>
+              <a:buClr>
+                <a:schemeClr val="dk1"/>
+              </a:buClr>
+              <a:buSzPts val="1100"/>
+              <a:buFont typeface="Arial" panose="020B0604020202020204" pitchFamily="34" charset="0"/>
+              <a:buChar char="•"/>
             </a:pPr>
             <a:r>
-              <a:rPr lang="en-US" sz="800" dirty="0">
+              <a:rPr lang="en-US" dirty="0">
                 <a:solidFill>
                   <a:srgbClr val="333333"/>
                 </a:solidFill>
@@ -13387,21 +12942,26 @@
                 <a:cs typeface="Lekton"/>
                 <a:sym typeface="Lekton"/>
               </a:rPr>
-              <a:t>Italy's situation is worsening despite reform efforts – suggests policy misalignment or rising crime/incarceration</a:t>
+              <a:t>Croatia's inverse pattern: prison occupancy rose from 93.56% (2014) to 104.18% (2022), indicating divergent regional trajectories despite similar geographic proximity</a:t>
             </a:r>
           </a:p>
           <a:p>
-            <a:pPr marL="0" lvl="0" indent="0" algn="l" rtl="0">
+            <a:pPr marL="171450" lvl="0" indent="-171450" algn="l" rtl="0">
               <a:spcBef>
                 <a:spcPts val="1000"/>
               </a:spcBef>
               <a:spcAft>
                 <a:spcPts val="0"/>
               </a:spcAft>
-              <a:buNone/>
+              <a:buClr>
+                <a:schemeClr val="dk1"/>
+              </a:buClr>
+              <a:buSzPts val="1100"/>
+              <a:buFont typeface="Arial" panose="020B0604020202020204" pitchFamily="34" charset="0"/>
+              <a:buChar char="•"/>
             </a:pPr>
             <a:r>
-              <a:rPr lang="en-US" sz="800" dirty="0">
+              <a:rPr lang="en-US" dirty="0">
                 <a:solidFill>
                   <a:srgbClr val="333333"/>
                 </a:solidFill>
@@ -13410,270 +12970,8 @@
                 <a:cs typeface="Lekton"/>
                 <a:sym typeface="Lekton"/>
               </a:rPr>
-              <a:t>Northern Europe demonstrates solutions are possible – peer learning and infrastructure investment can work</a:t>
+              <a:t>Micro-systems show extreme volatility: Smaller jurisdictions (Cyprus, Iceland, Liechtenstein, Malta) exhibit 50–205 percentage-point swings across the decade, reflecting the amplified impact of population-scale variations</a:t>
             </a:r>
-          </a:p>
-          <a:p>
-            <a:pPr marL="0" lvl="0" indent="0" algn="l" rtl="0">
-              <a:spcBef>
-                <a:spcPts val="1000"/>
-              </a:spcBef>
-              <a:spcAft>
-                <a:spcPts val="0"/>
-              </a:spcAft>
-              <a:buNone/>
-            </a:pPr>
-            <a:r>
-              <a:rPr lang="en-US" sz="800" dirty="0">
-                <a:solidFill>
-                  <a:srgbClr val="333333"/>
-                </a:solidFill>
-                <a:latin typeface="Lekton"/>
-                <a:ea typeface="Lekton"/>
-                <a:cs typeface="Lekton"/>
-                <a:sym typeface="Lekton"/>
-              </a:rPr>
-              <a:t>Actionable Recommendations</a:t>
-            </a:r>
-          </a:p>
-          <a:p>
-            <a:pPr marL="0" lvl="0" indent="0" algn="l" rtl="0">
-              <a:spcBef>
-                <a:spcPts val="1000"/>
-              </a:spcBef>
-              <a:spcAft>
-                <a:spcPts val="0"/>
-              </a:spcAft>
-              <a:buNone/>
-            </a:pPr>
-            <a:r>
-              <a:rPr lang="en-US" sz="800" dirty="0">
-                <a:solidFill>
-                  <a:srgbClr val="333333"/>
-                </a:solidFill>
-                <a:latin typeface="Lekton"/>
-                <a:ea typeface="Lekton"/>
-                <a:cs typeface="Lekton"/>
-                <a:sym typeface="Lekton"/>
-              </a:rPr>
-              <a:t>Immediate (2025):</a:t>
-            </a:r>
-          </a:p>
-          <a:p>
-            <a:pPr marL="0" lvl="0" indent="0" algn="l" rtl="0">
-              <a:spcBef>
-                <a:spcPts val="1000"/>
-              </a:spcBef>
-              <a:spcAft>
-                <a:spcPts val="0"/>
-              </a:spcAft>
-              <a:buNone/>
-            </a:pPr>
-            <a:r>
-              <a:rPr lang="en-US" sz="800" dirty="0">
-                <a:solidFill>
-                  <a:srgbClr val="333333"/>
-                </a:solidFill>
-                <a:latin typeface="Lekton"/>
-                <a:ea typeface="Lekton"/>
-                <a:cs typeface="Lekton"/>
-                <a:sym typeface="Lekton"/>
-              </a:rPr>
-              <a:t>Italy: Launch emergency capacity expansion program (target: -10pp occupancy)</a:t>
-            </a:r>
-          </a:p>
-          <a:p>
-            <a:pPr marL="0" lvl="0" indent="0" algn="l" rtl="0">
-              <a:spcBef>
-                <a:spcPts val="1000"/>
-              </a:spcBef>
-              <a:spcAft>
-                <a:spcPts val="0"/>
-              </a:spcAft>
-              <a:buNone/>
-            </a:pPr>
-            <a:r>
-              <a:rPr lang="en-US" sz="800" dirty="0">
-                <a:solidFill>
-                  <a:srgbClr val="333333"/>
-                </a:solidFill>
-                <a:latin typeface="Lekton"/>
-                <a:ea typeface="Lekton"/>
-                <a:cs typeface="Lekton"/>
-                <a:sym typeface="Lekton"/>
-              </a:rPr>
-              <a:t>EU: Establish crisis fund for countries &gt;110% occupancy</a:t>
-            </a:r>
-          </a:p>
-          <a:p>
-            <a:pPr marL="0" lvl="0" indent="0" algn="l" rtl="0">
-              <a:spcBef>
-                <a:spcPts val="1000"/>
-              </a:spcBef>
-              <a:spcAft>
-                <a:spcPts val="0"/>
-              </a:spcAft>
-              <a:buNone/>
-            </a:pPr>
-            <a:r>
-              <a:rPr lang="en-US" sz="800" dirty="0">
-                <a:solidFill>
-                  <a:srgbClr val="333333"/>
-                </a:solidFill>
-                <a:latin typeface="Lekton"/>
-                <a:ea typeface="Lekton"/>
-                <a:cs typeface="Lekton"/>
-                <a:sym typeface="Lekton"/>
-              </a:rPr>
-              <a:t>Medium-term (2025–2027):</a:t>
-            </a:r>
-          </a:p>
-          <a:p>
-            <a:pPr marL="0" lvl="0" indent="0" algn="l" rtl="0">
-              <a:spcBef>
-                <a:spcPts val="1000"/>
-              </a:spcBef>
-              <a:spcAft>
-                <a:spcPts val="0"/>
-              </a:spcAft>
-              <a:buNone/>
-            </a:pPr>
-            <a:r>
-              <a:rPr lang="en-US" sz="800" dirty="0">
-                <a:solidFill>
-                  <a:srgbClr val="333333"/>
-                </a:solidFill>
-                <a:latin typeface="Lekton"/>
-                <a:ea typeface="Lekton"/>
-                <a:cs typeface="Lekton"/>
-                <a:sym typeface="Lekton"/>
-              </a:rPr>
-              <a:t>Standardize best practices from Nordic countries across EU</a:t>
-            </a:r>
-          </a:p>
-          <a:p>
-            <a:pPr marL="0" lvl="0" indent="0" algn="l" rtl="0">
-              <a:spcBef>
-                <a:spcPts val="1000"/>
-              </a:spcBef>
-              <a:spcAft>
-                <a:spcPts val="0"/>
-              </a:spcAft>
-              <a:buNone/>
-            </a:pPr>
-            <a:r>
-              <a:rPr lang="en-US" sz="800" dirty="0">
-                <a:solidFill>
-                  <a:srgbClr val="333333"/>
-                </a:solidFill>
-                <a:latin typeface="Lekton"/>
-                <a:ea typeface="Lekton"/>
-                <a:cs typeface="Lekton"/>
-                <a:sym typeface="Lekton"/>
-              </a:rPr>
-              <a:t>Reduce incarceration through alternative sentencing</a:t>
-            </a:r>
-          </a:p>
-          <a:p>
-            <a:pPr marL="0" lvl="0" indent="0" algn="l" rtl="0">
-              <a:spcBef>
-                <a:spcPts val="1000"/>
-              </a:spcBef>
-              <a:spcAft>
-                <a:spcPts val="0"/>
-              </a:spcAft>
-              <a:buNone/>
-            </a:pPr>
-            <a:r>
-              <a:rPr lang="en-US" sz="800" dirty="0">
-                <a:solidFill>
-                  <a:srgbClr val="333333"/>
-                </a:solidFill>
-                <a:latin typeface="Lekton"/>
-                <a:ea typeface="Lekton"/>
-                <a:cs typeface="Lekton"/>
-                <a:sym typeface="Lekton"/>
-              </a:rPr>
-              <a:t>Regular monitoring dashboard (quarterly Eurostat updates)</a:t>
-            </a:r>
-          </a:p>
-          <a:p>
-            <a:pPr marL="0" lvl="0" indent="0" algn="l" rtl="0">
-              <a:spcBef>
-                <a:spcPts val="1000"/>
-              </a:spcBef>
-              <a:spcAft>
-                <a:spcPts val="0"/>
-              </a:spcAft>
-              <a:buNone/>
-            </a:pPr>
-            <a:r>
-              <a:rPr lang="en-US" sz="800" dirty="0">
-                <a:solidFill>
-                  <a:srgbClr val="333333"/>
-                </a:solidFill>
-                <a:latin typeface="Lekton"/>
-                <a:ea typeface="Lekton"/>
-                <a:cs typeface="Lekton"/>
-                <a:sym typeface="Lekton"/>
-              </a:rPr>
-              <a:t>Long-term (2027+):</a:t>
-            </a:r>
-          </a:p>
-          <a:p>
-            <a:pPr marL="0" lvl="0" indent="0" algn="l" rtl="0">
-              <a:spcBef>
-                <a:spcPts val="1000"/>
-              </a:spcBef>
-              <a:spcAft>
-                <a:spcPts val="0"/>
-              </a:spcAft>
-              <a:buNone/>
-            </a:pPr>
-            <a:r>
-              <a:rPr lang="en-US" sz="800" dirty="0">
-                <a:solidFill>
-                  <a:srgbClr val="333333"/>
-                </a:solidFill>
-                <a:latin typeface="Lekton"/>
-                <a:ea typeface="Lekton"/>
-                <a:cs typeface="Lekton"/>
-                <a:sym typeface="Lekton"/>
-              </a:rPr>
-              <a:t>Link EU funding to occupancy rate targets</a:t>
-            </a:r>
-          </a:p>
-          <a:p>
-            <a:pPr marL="0" lvl="0" indent="0" algn="l" rtl="0">
-              <a:spcBef>
-                <a:spcPts val="1000"/>
-              </a:spcBef>
-              <a:spcAft>
-                <a:spcPts val="0"/>
-              </a:spcAft>
-              <a:buNone/>
-            </a:pPr>
-            <a:r>
-              <a:rPr lang="en-US" sz="800" dirty="0">
-                <a:solidFill>
-                  <a:srgbClr val="333333"/>
-                </a:solidFill>
-                <a:latin typeface="Lekton"/>
-                <a:ea typeface="Lekton"/>
-                <a:cs typeface="Lekton"/>
-                <a:sym typeface="Lekton"/>
-              </a:rPr>
-              <a:t>Comparative policy analysis: Why do Norway (65%) and Italy (119%) differ 54pp despite similar economies?</a:t>
-            </a:r>
-            <a:endParaRPr sz="800" dirty="0">
-              <a:solidFill>
-                <a:srgbClr val="333333"/>
-              </a:solidFill>
-              <a:latin typeface="Lekton"/>
-              <a:ea typeface="Lekton"/>
-              <a:cs typeface="Lekton"/>
-              <a:sym typeface="Lekton"/>
-            </a:endParaRPr>
           </a:p>
         </p:txBody>
       </p:sp>
@@ -13690,7 +12988,7 @@
 </p:sld>
 </file>
 
-<file path=ppt/slides/slide13.xml><?xml version="1.0" encoding="utf-8"?>
+<file path=ppt/slides/slide12.xml><?xml version="1.0" encoding="utf-8"?>
 <p:sld xmlns:a="http://schemas.openxmlformats.org/drawingml/2006/main" xmlns:r="http://schemas.openxmlformats.org/officeDocument/2006/relationships" xmlns:p="http://schemas.openxmlformats.org/presentationml/2006/main">
   <p:cSld>
     <p:spTree>
@@ -13803,7 +13101,7 @@
                   <a:srgbClr val="333333"/>
                 </a:solidFill>
               </a:rPr>
-              <a:t>Prison capacity and number of persons held.</a:t>
+              <a:t>Eurostat Prison capacity and number of persons held (last update 23/04/2025 11:00).</a:t>
             </a:r>
           </a:p>
         </p:txBody>
@@ -14158,7 +13456,7 @@
             <a:r>
               <a:rPr lang="en-US" dirty="0">
                 <a:solidFill>
-                  <a:srgbClr val="FF0000"/>
+                  <a:schemeClr val="tx1"/>
                 </a:solidFill>
                 <a:latin typeface="Lekton"/>
                 <a:ea typeface="Lekton"/>
@@ -14166,30 +13464,6 @@
                 <a:sym typeface="Lekton"/>
               </a:rPr>
               <a:t>Are their trends improving, stable, or worsening over the 2014–2022 period, compared to the overall European average?</a:t>
-            </a:r>
-          </a:p>
-          <a:p>
-            <a:pPr marL="285750" lvl="8" indent="-285750">
-              <a:lnSpc>
-                <a:spcPct val="115000"/>
-              </a:lnSpc>
-              <a:spcBef>
-                <a:spcPts val="1000"/>
-              </a:spcBef>
-              <a:buFont typeface="Arial" panose="020B0604020202020204" pitchFamily="34" charset="0"/>
-              <a:buChar char="•"/>
-            </a:pPr>
-            <a:r>
-              <a:rPr lang="en-US" dirty="0">
-                <a:solidFill>
-                  <a:srgbClr val="FF0000"/>
-                </a:solidFill>
-                <a:latin typeface="Lekton"/>
-                <a:ea typeface="Lekton"/>
-                <a:cs typeface="Lekton"/>
-                <a:sym typeface="Lekton"/>
-              </a:rPr>
-              <a:t>How has Italy's prison occupancy evolved from 2014–2022</a:t>
             </a:r>
           </a:p>
         </p:txBody>
@@ -14276,7 +13550,7 @@
               </a:spcAft>
               <a:buNone/>
             </a:pPr>
-            <a:endParaRPr lang="en-US" i="1" dirty="0">
+            <a:endParaRPr lang="en-US" dirty="0">
               <a:solidFill>
                 <a:srgbClr val="333333"/>
               </a:solidFill>
@@ -14297,7 +13571,7 @@
               <a:buNone/>
             </a:pPr>
             <a:r>
-              <a:rPr lang="en-US" b="1" i="1" dirty="0">
+              <a:rPr lang="en-US" b="1" dirty="0">
                 <a:solidFill>
                   <a:srgbClr val="333333"/>
                 </a:solidFill>
@@ -14320,7 +13594,7 @@
               <a:buNone/>
             </a:pPr>
             <a:r>
-              <a:rPr lang="en-US" i="1" dirty="0">
+              <a:rPr lang="en-US" dirty="0">
                 <a:solidFill>
                   <a:srgbClr val="333333"/>
                 </a:solidFill>
@@ -14332,7 +13606,7 @@
               <a:t>Eurostat Prison capacity and number of persons held (</a:t>
             </a:r>
             <a:r>
-              <a:rPr lang="en-US" i="1" dirty="0" err="1">
+              <a:rPr lang="en-US" dirty="0" err="1">
                 <a:solidFill>
                   <a:srgbClr val="333333"/>
                 </a:solidFill>
@@ -14345,7 +13619,7 @@
               <a:t>eurostat</a:t>
             </a:r>
             <a:r>
-              <a:rPr lang="en-US" i="1" dirty="0">
+              <a:rPr lang="en-US" dirty="0">
                 <a:solidFill>
                   <a:srgbClr val="333333"/>
                 </a:solidFill>
@@ -14368,7 +13642,7 @@
               <a:buNone/>
             </a:pPr>
             <a:r>
-              <a:rPr lang="en-US" i="1" dirty="0">
+              <a:rPr lang="en-US" dirty="0">
                 <a:solidFill>
                   <a:srgbClr val="333333"/>
                 </a:solidFill>
@@ -14391,7 +13665,7 @@
               <a:buNone/>
             </a:pPr>
             <a:r>
-              <a:rPr lang="en-US" i="1" dirty="0">
+              <a:rPr lang="en-US" dirty="0">
                 <a:solidFill>
                   <a:srgbClr val="333333"/>
                 </a:solidFill>
@@ -14414,7 +13688,7 @@
               <a:buNone/>
             </a:pPr>
             <a:r>
-              <a:rPr lang="en-US" i="1" dirty="0">
+              <a:rPr lang="en-US" dirty="0">
                 <a:solidFill>
                   <a:srgbClr val="333333"/>
                 </a:solidFill>
@@ -14449,7 +13723,7 @@
               </a:spcBef>
             </a:pPr>
             <a:r>
-              <a:rPr lang="en-US" b="1" i="1" dirty="0">
+              <a:rPr lang="en-US" b="1" dirty="0">
                 <a:solidFill>
                   <a:srgbClr val="333333"/>
                 </a:solidFill>
@@ -14468,7 +13742,7 @@
               </a:spcBef>
             </a:pPr>
             <a:r>
-              <a:rPr lang="en-US" i="1" dirty="0">
+              <a:rPr lang="en-US" dirty="0">
                 <a:solidFill>
                   <a:srgbClr val="333333"/>
                 </a:solidFill>
@@ -14487,7 +13761,7 @@
               </a:spcBef>
             </a:pPr>
             <a:r>
-              <a:rPr lang="en-US" i="1" dirty="0">
+              <a:rPr lang="en-US" dirty="0">
                 <a:solidFill>
                   <a:srgbClr val="333333"/>
                 </a:solidFill>
@@ -14540,7 +13814,7 @@
         </p:nvSpPr>
         <p:spPr>
           <a:xfrm>
-            <a:off x="0" y="0"/>
+            <a:off x="4572000" y="0"/>
             <a:ext cx="4572000" cy="5143500"/>
           </a:xfrm>
           <a:prstGeom prst="rect">
@@ -14589,7 +13863,7 @@
         </p:nvSpPr>
         <p:spPr>
           <a:xfrm>
-            <a:off x="0" y="269313"/>
+            <a:off x="2265903" y="111777"/>
             <a:ext cx="4572000" cy="275294"/>
           </a:xfrm>
           <a:prstGeom prst="rect">
@@ -14653,8 +13927,8 @@
         </p:nvSpPr>
         <p:spPr>
           <a:xfrm>
-            <a:off x="0" y="966917"/>
-            <a:ext cx="4572000" cy="3785652"/>
+            <a:off x="0" y="387071"/>
+            <a:ext cx="4572000" cy="4616648"/>
           </a:xfrm>
           <a:prstGeom prst="rect">
             <a:avLst/>
@@ -14667,18 +13941,7 @@
           </a:bodyPr>
           <a:lstStyle/>
           <a:p>
-            <a:r>
-              <a:rPr lang="en-US" sz="1200" b="1" i="1" dirty="0">
-                <a:solidFill>
-                  <a:srgbClr val="333333"/>
-                </a:solidFill>
-                <a:latin typeface="Lekton"/>
-              </a:rPr>
-              <a:t>Software &amp; Libraries</a:t>
-            </a:r>
-          </a:p>
-          <a:p>
-            <a:endParaRPr lang="en-US" sz="1200" i="1" dirty="0">
+            <a:endParaRPr lang="en-US" b="1" dirty="0">
               <a:solidFill>
                 <a:srgbClr val="333333"/>
               </a:solidFill>
@@ -14686,12 +13949,29 @@
             </a:endParaRPr>
           </a:p>
           <a:p>
+            <a:r>
+              <a:rPr lang="en-US" b="1" dirty="0">
+                <a:solidFill>
+                  <a:srgbClr val="333333"/>
+                </a:solidFill>
+                <a:latin typeface="Lekton"/>
+              </a:rPr>
+              <a:t>Software &amp; Libraries</a:t>
+            </a:r>
+            <a:endParaRPr lang="en-US" dirty="0">
+              <a:solidFill>
+                <a:srgbClr val="333333"/>
+              </a:solidFill>
+              <a:latin typeface="Lekton"/>
+            </a:endParaRPr>
+          </a:p>
+          <a:p>
             <a:pPr marL="171450" indent="-171450">
               <a:buFont typeface="Arial" panose="020B0604020202020204" pitchFamily="34" charset="0"/>
               <a:buChar char="•"/>
             </a:pPr>
             <a:r>
-              <a:rPr lang="en-US" sz="1200" i="1" dirty="0">
+              <a:rPr lang="en-US" dirty="0">
                 <a:solidFill>
                   <a:srgbClr val="333333"/>
                 </a:solidFill>
@@ -14700,7 +13980,7 @@
               <a:t>Python 3.12 (</a:t>
             </a:r>
             <a:r>
-              <a:rPr lang="en-US" sz="1200" i="1" dirty="0" err="1">
+              <a:rPr lang="en-US" dirty="0" err="1">
                 <a:solidFill>
                   <a:srgbClr val="333333"/>
                 </a:solidFill>
@@ -14709,7 +13989,7 @@
               <a:t>Jupyter</a:t>
             </a:r>
             <a:r>
-              <a:rPr lang="en-US" sz="1200" i="1" dirty="0">
+              <a:rPr lang="en-US" dirty="0">
                 <a:solidFill>
                   <a:srgbClr val="333333"/>
                 </a:solidFill>
@@ -14724,7 +14004,7 @@
               <a:buChar char="•"/>
             </a:pPr>
             <a:r>
-              <a:rPr lang="en-US" sz="1200" i="1" dirty="0">
+              <a:rPr lang="en-US" dirty="0">
                 <a:solidFill>
                   <a:srgbClr val="333333"/>
                 </a:solidFill>
@@ -14739,7 +14019,7 @@
               <a:buChar char="•"/>
             </a:pPr>
             <a:r>
-              <a:rPr lang="en-US" sz="1200" i="1" dirty="0" err="1">
+              <a:rPr lang="en-US" dirty="0" err="1">
                 <a:solidFill>
                   <a:srgbClr val="333333"/>
                 </a:solidFill>
@@ -14748,7 +14028,7 @@
               <a:t>plotly</a:t>
             </a:r>
             <a:r>
-              <a:rPr lang="en-US" sz="1200" i="1" dirty="0">
+              <a:rPr lang="en-US" dirty="0">
                 <a:solidFill>
                   <a:srgbClr val="333333"/>
                 </a:solidFill>
@@ -14758,7 +14038,7 @@
             </a:r>
           </a:p>
           <a:p>
-            <a:endParaRPr lang="en-US" sz="1200" i="1" dirty="0">
+            <a:endParaRPr lang="en-US" dirty="0">
               <a:solidFill>
                 <a:srgbClr val="333333"/>
               </a:solidFill>
@@ -14767,7 +14047,7 @@
           </a:p>
           <a:p>
             <a:r>
-              <a:rPr lang="en-US" sz="1200" b="1" i="1" dirty="0">
+              <a:rPr lang="en-US" b="1" dirty="0">
                 <a:solidFill>
                   <a:srgbClr val="333333"/>
                 </a:solidFill>
@@ -14775,9 +14055,7 @@
               </a:rPr>
               <a:t>Methodology</a:t>
             </a:r>
-          </a:p>
-          <a:p>
-            <a:endParaRPr lang="en-US" sz="1200" i="1" dirty="0">
+            <a:endParaRPr lang="en-US" dirty="0">
               <a:solidFill>
                 <a:srgbClr val="333333"/>
               </a:solidFill>
@@ -14790,7 +14068,7 @@
               <a:buChar char="•"/>
             </a:pPr>
             <a:r>
-              <a:rPr lang="en-US" sz="1200" i="1" dirty="0">
+              <a:rPr lang="en-US" dirty="0">
                 <a:solidFill>
                   <a:srgbClr val="333333"/>
                 </a:solidFill>
@@ -14799,7 +14077,7 @@
               <a:t>Built a </a:t>
             </a:r>
             <a:r>
-              <a:rPr lang="en-US" sz="1200" i="1" dirty="0" err="1">
+              <a:rPr lang="en-US" dirty="0" err="1">
                 <a:solidFill>
                   <a:srgbClr val="333333"/>
                 </a:solidFill>
@@ -14808,7 +14086,7 @@
               <a:t>Jupyter</a:t>
             </a:r>
             <a:r>
-              <a:rPr lang="en-US" sz="1200" i="1" dirty="0">
+              <a:rPr lang="en-US" dirty="0">
                 <a:solidFill>
                   <a:srgbClr val="333333"/>
                 </a:solidFill>
@@ -14823,7 +14101,7 @@
               <a:buChar char="•"/>
             </a:pPr>
             <a:r>
-              <a:rPr lang="en-US" sz="1200" i="1" dirty="0">
+              <a:rPr lang="en-US" dirty="0">
                 <a:solidFill>
                   <a:srgbClr val="333333"/>
                 </a:solidFill>
@@ -14838,7 +14116,7 @@
               <a:buChar char="•"/>
             </a:pPr>
             <a:r>
-              <a:rPr lang="en-US" sz="1200" i="1" dirty="0">
+              <a:rPr lang="en-US" dirty="0">
                 <a:solidFill>
                   <a:srgbClr val="333333"/>
                 </a:solidFill>
@@ -14853,7 +14131,7 @@
               <a:buChar char="•"/>
             </a:pPr>
             <a:r>
-              <a:rPr lang="en-US" sz="1200" i="1" dirty="0">
+              <a:rPr lang="en-US" dirty="0">
                 <a:solidFill>
                   <a:srgbClr val="333333"/>
                 </a:solidFill>
@@ -14862,7 +14140,7 @@
               <a:t>Generated charts directly from intermediate CSVs using </a:t>
             </a:r>
             <a:r>
-              <a:rPr lang="en-US" sz="1200" i="1" dirty="0" err="1">
+              <a:rPr lang="en-US" dirty="0" err="1">
                 <a:solidFill>
                   <a:srgbClr val="333333"/>
                 </a:solidFill>
@@ -14870,7 +14148,7 @@
               </a:rPr>
               <a:t>Plotly</a:t>
             </a:r>
-            <a:endParaRPr lang="en-US" sz="1200" i="1" dirty="0">
+            <a:endParaRPr lang="en-US" dirty="0">
               <a:solidFill>
                 <a:srgbClr val="333333"/>
               </a:solidFill>
@@ -14883,28 +14161,13 @@
               <a:buChar char="•"/>
             </a:pPr>
             <a:r>
-              <a:rPr lang="en-US" sz="1200" i="1" dirty="0">
+              <a:rPr lang="en-US" dirty="0">
                 <a:solidFill>
                   <a:srgbClr val="333333"/>
                 </a:solidFill>
                 <a:latin typeface="Lekton"/>
               </a:rPr>
-              <a:t>Methodology fully replicable with updated Eurostat data using pandas/Python</a:t>
-            </a:r>
-          </a:p>
-          <a:p>
-            <a:pPr marL="171450" indent="-171450">
-              <a:buFont typeface="Arial" panose="020B0604020202020204" pitchFamily="34" charset="0"/>
-              <a:buChar char="•"/>
-            </a:pPr>
-            <a:r>
-              <a:rPr lang="en-US" sz="1200" i="1" dirty="0">
-                <a:solidFill>
-                  <a:srgbClr val="333333"/>
-                </a:solidFill>
-                <a:latin typeface="Lekton"/>
-              </a:rPr>
-              <a:t>Created an interactive European prison overcrowding map (2022) using Data Wrapper Choropleth</a:t>
+              <a:t>Created a European prison overcrowding map (2022) using Data Wrapper Choropleth</a:t>
             </a:r>
           </a:p>
         </p:txBody>
@@ -14923,8 +14186,8 @@
         </p:nvSpPr>
         <p:spPr>
           <a:xfrm>
-            <a:off x="4572000" y="966917"/>
-            <a:ext cx="4572000" cy="3600986"/>
+            <a:off x="4531806" y="387071"/>
+            <a:ext cx="4572000" cy="4401205"/>
           </a:xfrm>
           <a:prstGeom prst="rect">
             <a:avLst/>
@@ -14937,18 +14200,7 @@
           </a:bodyPr>
           <a:lstStyle/>
           <a:p>
-            <a:r>
-              <a:rPr lang="en-US" sz="1200" b="1" i="1" dirty="0">
-                <a:solidFill>
-                  <a:srgbClr val="333333"/>
-                </a:solidFill>
-                <a:latin typeface="Lekton"/>
-              </a:rPr>
-              <a:t>Processing Steps</a:t>
-            </a:r>
-          </a:p>
-          <a:p>
-            <a:endParaRPr lang="en-US" sz="1200" i="1" dirty="0">
+            <a:endParaRPr lang="en-US" b="1" dirty="0">
               <a:solidFill>
                 <a:srgbClr val="333333"/>
               </a:solidFill>
@@ -14956,12 +14208,29 @@
             </a:endParaRPr>
           </a:p>
           <a:p>
+            <a:r>
+              <a:rPr lang="en-US" b="1" dirty="0">
+                <a:solidFill>
+                  <a:srgbClr val="333333"/>
+                </a:solidFill>
+                <a:latin typeface="Lekton"/>
+              </a:rPr>
+              <a:t>Processing Steps</a:t>
+            </a:r>
+            <a:endParaRPr lang="en-US" dirty="0">
+              <a:solidFill>
+                <a:srgbClr val="333333"/>
+              </a:solidFill>
+              <a:latin typeface="Lekton"/>
+            </a:endParaRPr>
+          </a:p>
+          <a:p>
             <a:pPr marL="171450" indent="-171450">
               <a:buFont typeface="Arial" panose="020B0604020202020204" pitchFamily="34" charset="0"/>
               <a:buChar char="•"/>
             </a:pPr>
             <a:r>
-              <a:rPr lang="en-US" sz="1200" i="1" dirty="0">
+              <a:rPr lang="en-US" dirty="0">
                 <a:solidFill>
                   <a:srgbClr val="333333"/>
                 </a:solidFill>
@@ -14976,7 +14245,7 @@
               <a:buChar char="•"/>
             </a:pPr>
             <a:r>
-              <a:rPr lang="en-US" sz="1200" i="1" dirty="0">
+              <a:rPr lang="en-US" dirty="0">
                 <a:solidFill>
                   <a:srgbClr val="333333"/>
                 </a:solidFill>
@@ -14991,7 +14260,7 @@
               <a:buChar char="•"/>
             </a:pPr>
             <a:r>
-              <a:rPr lang="en-US" sz="1200" i="1" dirty="0">
+              <a:rPr lang="en-US" dirty="0">
                 <a:solidFill>
                   <a:srgbClr val="333333"/>
                 </a:solidFill>
@@ -15006,7 +14275,7 @@
               <a:buChar char="•"/>
             </a:pPr>
             <a:r>
-              <a:rPr lang="en-US" sz="1200" i="1" dirty="0">
+              <a:rPr lang="en-US" dirty="0">
                 <a:solidFill>
                   <a:srgbClr val="333333"/>
                 </a:solidFill>
@@ -15021,7 +14290,7 @@
               <a:buChar char="•"/>
             </a:pPr>
             <a:r>
-              <a:rPr lang="en-US" sz="1200" i="1" dirty="0">
+              <a:rPr lang="en-US" dirty="0">
                 <a:solidFill>
                   <a:srgbClr val="333333"/>
                 </a:solidFill>
@@ -15036,7 +14305,7 @@
               <a:buChar char="•"/>
             </a:pPr>
             <a:r>
-              <a:rPr lang="en-US" sz="1200" i="1" dirty="0">
+              <a:rPr lang="en-US" dirty="0">
                 <a:solidFill>
                   <a:srgbClr val="333333"/>
                 </a:solidFill>
@@ -15051,7 +14320,7 @@
               <a:buChar char="•"/>
             </a:pPr>
             <a:r>
-              <a:rPr lang="en-US" sz="1200" i="1" dirty="0">
+              <a:rPr lang="en-US" dirty="0">
                 <a:solidFill>
                   <a:srgbClr val="333333"/>
                 </a:solidFill>
@@ -15066,7 +14335,7 @@
               <a:buChar char="•"/>
             </a:pPr>
             <a:r>
-              <a:rPr lang="en-US" sz="1200" i="1" dirty="0">
+              <a:rPr lang="en-US" dirty="0">
                 <a:solidFill>
                   <a:srgbClr val="333333"/>
                 </a:solidFill>
@@ -15081,7 +14350,7 @@
               <a:buChar char="•"/>
             </a:pPr>
             <a:r>
-              <a:rPr lang="en-US" sz="1200" i="1" dirty="0">
+              <a:rPr lang="en-US" dirty="0">
                 <a:solidFill>
                   <a:srgbClr val="333333"/>
                 </a:solidFill>
@@ -15089,31 +14358,7 @@
               </a:rPr>
               <a:t>Used LLM Copilot (Visual Studio Code) for code review and validation</a:t>
             </a:r>
-            <a:endParaRPr lang="it-IT" sz="1200" i="1" dirty="0">
-              <a:solidFill>
-                <a:srgbClr val="333333"/>
-              </a:solidFill>
-              <a:latin typeface="Lekton"/>
-            </a:endParaRPr>
-          </a:p>
-          <a:p>
-            <a:endParaRPr lang="it-IT" sz="1200" i="1" dirty="0">
-              <a:solidFill>
-                <a:srgbClr val="333333"/>
-              </a:solidFill>
-              <a:latin typeface="Lekton"/>
-            </a:endParaRPr>
-          </a:p>
-          <a:p>
-            <a:endParaRPr lang="it-IT" sz="1200" i="1" dirty="0">
-              <a:solidFill>
-                <a:srgbClr val="333333"/>
-              </a:solidFill>
-              <a:latin typeface="Lekton"/>
-            </a:endParaRPr>
-          </a:p>
-          <a:p>
-            <a:endParaRPr lang="it-IT" sz="1200" i="1" dirty="0">
+            <a:endParaRPr lang="it-IT" dirty="0">
               <a:solidFill>
                 <a:srgbClr val="333333"/>
               </a:solidFill>
@@ -15131,7 +14376,7 @@
 </file>
 
 <file path=ppt/slides/slide5.xml><?xml version="1.0" encoding="utf-8"?>
-<p:sld xmlns:a="http://schemas.openxmlformats.org/drawingml/2006/main" xmlns:r="http://schemas.openxmlformats.org/officeDocument/2006/relationships" xmlns:p="http://schemas.openxmlformats.org/presentationml/2006/main">
+<p:sld xmlns:a="http://schemas.openxmlformats.org/drawingml/2006/main" xmlns:r="http://schemas.openxmlformats.org/officeDocument/2006/relationships" xmlns:p="http://schemas.openxmlformats.org/presentationml/2006/main" show="0">
   <p:cSld>
     <p:spTree>
       <p:nvGrpSpPr>
@@ -15155,8 +14400,8 @@
         </p:nvSpPr>
         <p:spPr>
           <a:xfrm>
-            <a:off x="381600" y="758100"/>
-            <a:ext cx="3974400" cy="3115500"/>
+            <a:off x="679500" y="521229"/>
+            <a:ext cx="7353000" cy="4517285"/>
           </a:xfrm>
           <a:prstGeom prst="rect">
             <a:avLst/>
@@ -15187,7 +14432,7 @@
               <a:buNone/>
             </a:pPr>
             <a:r>
-              <a:rPr lang="en-US" sz="900" dirty="0">
+              <a:rPr lang="en-US" sz="1000" dirty="0">
                 <a:solidFill>
                   <a:srgbClr val="333333"/>
                 </a:solidFill>
@@ -15196,7 +14441,112 @@
                 <a:cs typeface="Lekton"/>
                 <a:sym typeface="Lekton"/>
               </a:rPr>
-              <a:t>Finding 1: 13/37 countries overcrowded (35% of European prison systems)</a:t>
+              <a:t>The following analysis examines </a:t>
+            </a:r>
+            <a:r>
+              <a:rPr lang="en-US" sz="1000" b="1" dirty="0">
+                <a:solidFill>
+                  <a:srgbClr val="333333"/>
+                </a:solidFill>
+                <a:latin typeface="Lekton"/>
+                <a:ea typeface="Lekton"/>
+                <a:cs typeface="Lekton"/>
+                <a:sym typeface="Lekton"/>
+              </a:rPr>
+              <a:t>35 European countries by prison occupancy rates</a:t>
+            </a:r>
+            <a:r>
+              <a:rPr lang="en-US" sz="1000" dirty="0">
+                <a:solidFill>
+                  <a:srgbClr val="333333"/>
+                </a:solidFill>
+                <a:latin typeface="Lekton"/>
+                <a:ea typeface="Lekton"/>
+                <a:cs typeface="Lekton"/>
+                <a:sym typeface="Lekton"/>
+              </a:rPr>
+              <a:t> (2014–2022)</a:t>
+            </a:r>
+          </a:p>
+          <a:p>
+            <a:pPr marL="171450" lvl="0" indent="-171450">
+              <a:spcBef>
+                <a:spcPts val="1000"/>
+              </a:spcBef>
+              <a:buClr>
+                <a:schemeClr val="dk1"/>
+              </a:buClr>
+              <a:buSzPts val="1100"/>
+              <a:buFont typeface="Arial" panose="020B0604020202020204" pitchFamily="34" charset="0"/>
+              <a:buChar char="•"/>
+            </a:pPr>
+            <a:r>
+              <a:rPr lang="en-US" sz="1000" dirty="0">
+                <a:solidFill>
+                  <a:srgbClr val="333333"/>
+                </a:solidFill>
+                <a:latin typeface="Lekton"/>
+                <a:ea typeface="Lekton"/>
+                <a:cs typeface="Lekton"/>
+                <a:sym typeface="Lekton"/>
+              </a:rPr>
+              <a:t>13 countries (35%) exceed 100% occupancy → Overcrowding crisis - Range: 110%–263% occupancy</a:t>
+            </a:r>
+          </a:p>
+          <a:p>
+            <a:pPr marL="171450" lvl="0" indent="-171450" algn="l" rtl="0">
+              <a:spcBef>
+                <a:spcPts val="1000"/>
+              </a:spcBef>
+              <a:spcAft>
+                <a:spcPts val="0"/>
+              </a:spcAft>
+              <a:buClr>
+                <a:schemeClr val="dk1"/>
+              </a:buClr>
+              <a:buSzPts val="1100"/>
+              <a:buFont typeface="Arial" panose="020B0604020202020204" pitchFamily="34" charset="0"/>
+              <a:buChar char="•"/>
+            </a:pPr>
+            <a:r>
+              <a:rPr lang="en-US" sz="1000" dirty="0">
+                <a:solidFill>
+                  <a:srgbClr val="333333"/>
+                </a:solidFill>
+                <a:latin typeface="Lekton"/>
+                <a:ea typeface="Lekton"/>
+                <a:cs typeface="Lekton"/>
+                <a:sym typeface="Lekton"/>
+              </a:rPr>
+              <a:t>8 countries (22%) maintain &lt;80% occupancy → Well-managed systems - Range: 56%–78% occupancy</a:t>
+            </a:r>
+          </a:p>
+          <a:p>
+            <a:pPr marL="171450" lvl="0" indent="-171450" algn="l" rtl="0">
+              <a:spcBef>
+                <a:spcPts val="1000"/>
+              </a:spcBef>
+              <a:spcAft>
+                <a:spcPts val="0"/>
+              </a:spcAft>
+              <a:buClr>
+                <a:schemeClr val="dk1"/>
+              </a:buClr>
+              <a:buSzPts val="1100"/>
+              <a:buFont typeface="Arial" panose="020B0604020202020204" pitchFamily="34" charset="0"/>
+              <a:buChar char="•"/>
+            </a:pPr>
+            <a:r>
+              <a:rPr lang="en-US" sz="1000" dirty="0">
+                <a:solidFill>
+                  <a:srgbClr val="333333"/>
+                </a:solidFill>
+                <a:latin typeface="Lekton"/>
+                <a:ea typeface="Lekton"/>
+                <a:cs typeface="Lekton"/>
+                <a:sym typeface="Lekton"/>
+              </a:rPr>
+              <a:t>14 countries (43%) occupy 80–100% range → Manageable, near-capacity - Range: 80%–100% occupancy</a:t>
             </a:r>
           </a:p>
           <a:p>
@@ -15215,7 +14565,7 @@
               <a:buNone/>
             </a:pPr>
             <a:r>
-              <a:rPr lang="en-US" sz="900" dirty="0">
+              <a:rPr lang="en-US" sz="1000" dirty="0">
                 <a:solidFill>
                   <a:srgbClr val="333333"/>
                 </a:solidFill>
@@ -15224,7 +14574,7 @@
                 <a:cs typeface="Lekton"/>
                 <a:sym typeface="Lekton"/>
               </a:rPr>
-              <a:t>13 countries exceed 100% capacity in 2023</a:t>
+              <a:t>Polarized Europe revealed: One-third faces emergency overcrowding, while one-fifth demonstrates sustainable prison management—a stark divide.</a:t>
             </a:r>
           </a:p>
           <a:p>
@@ -15242,18 +14592,15 @@
               <a:buFont typeface="Arial"/>
               <a:buNone/>
             </a:pPr>
-            <a:r>
-              <a:rPr lang="en-US" sz="900" dirty="0">
-                <a:solidFill>
-                  <a:srgbClr val="333333"/>
-                </a:solidFill>
-                <a:latin typeface="Lekton"/>
-                <a:ea typeface="Lekton"/>
-                <a:cs typeface="Lekton"/>
-                <a:sym typeface="Lekton"/>
-              </a:rPr>
-              <a:t>Occupancy rate range: 68% (Ireland) to 218% (Liechtenstein)</a:t>
-            </a:r>
+            <a:endParaRPr lang="en-US" sz="1000" dirty="0">
+              <a:solidFill>
+                <a:srgbClr val="333333"/>
+              </a:solidFill>
+              <a:latin typeface="Lekton"/>
+              <a:ea typeface="Lekton"/>
+              <a:cs typeface="Lekton"/>
+              <a:sym typeface="Lekton"/>
+            </a:endParaRPr>
           </a:p>
           <a:p>
             <a:pPr marL="0" lvl="0" indent="0" algn="l" rtl="0">
@@ -15271,7 +14618,7 @@
               <a:buNone/>
             </a:pPr>
             <a:r>
-              <a:rPr lang="en-US" sz="900" dirty="0">
+              <a:rPr lang="en-US" sz="1000" b="1" dirty="0">
                 <a:solidFill>
                   <a:srgbClr val="333333"/>
                 </a:solidFill>
@@ -15280,11 +14627,11 @@
                 <a:cs typeface="Lekton"/>
                 <a:sym typeface="Lekton"/>
               </a:rPr>
-              <a:t>EU average: 95.7% (below critical threshold, but 7 EU27 countries above 100%)</a:t>
+              <a:t>Small countries show extreme volatility</a:t>
             </a:r>
           </a:p>
           <a:p>
-            <a:pPr marL="0" lvl="0" indent="0" algn="l" rtl="0">
+            <a:pPr marL="171450" lvl="0" indent="-171450" algn="l" rtl="0">
               <a:spcBef>
                 <a:spcPts val="1000"/>
               </a:spcBef>
@@ -15295,11 +14642,11 @@
                 <a:schemeClr val="dk1"/>
               </a:buClr>
               <a:buSzPts val="1100"/>
-              <a:buFont typeface="Arial"/>
-              <a:buNone/>
+              <a:buFont typeface="Arial" panose="020B0604020202020204" pitchFamily="34" charset="0"/>
+              <a:buChar char="•"/>
             </a:pPr>
             <a:r>
-              <a:rPr lang="en-US" sz="900" dirty="0">
+              <a:rPr lang="en-US" sz="1000" dirty="0">
                 <a:solidFill>
                   <a:srgbClr val="333333"/>
                 </a:solidFill>
@@ -15308,11 +14655,11 @@
                 <a:cs typeface="Lekton"/>
                 <a:sym typeface="Lekton"/>
               </a:rPr>
-              <a:t>Finding 2: Italy is the 3rd worst case in Europe (119.1% occupancy 2023)</a:t>
+              <a:t>Liechtenstein, Cyprus, Malta: Year-to-year swings of 20–40 percentage points</a:t>
             </a:r>
           </a:p>
           <a:p>
-            <a:pPr marL="0" lvl="0" indent="0" algn="l" rtl="0">
+            <a:pPr marL="171450" lvl="0" indent="-171450" algn="l" rtl="0">
               <a:spcBef>
                 <a:spcPts val="1000"/>
               </a:spcBef>
@@ -15323,11 +14670,11 @@
                 <a:schemeClr val="dk1"/>
               </a:buClr>
               <a:buSzPts val="1100"/>
-              <a:buFont typeface="Arial"/>
-              <a:buNone/>
+              <a:buFont typeface="Arial" panose="020B0604020202020204" pitchFamily="34" charset="0"/>
+              <a:buChar char="•"/>
             </a:pPr>
             <a:r>
-              <a:rPr lang="en-US" sz="900" dirty="0">
+              <a:rPr lang="en-US" sz="1000" dirty="0">
                 <a:solidFill>
                   <a:srgbClr val="333333"/>
                 </a:solidFill>
@@ -15336,11 +14683,11 @@
                 <a:cs typeface="Lekton"/>
                 <a:sym typeface="Lekton"/>
               </a:rPr>
-              <a:t>Liechtenstein: 218.2% (extreme outlier, very small population)</a:t>
+              <a:t>Likely cause: small absolute populations, one criminal case or immigration surge dramatically shifts occupancy</a:t>
             </a:r>
           </a:p>
           <a:p>
-            <a:pPr marL="0" lvl="0" indent="0" algn="l" rtl="0">
+            <a:pPr marL="171450" lvl="0" indent="-171450" algn="l" rtl="0">
               <a:spcBef>
                 <a:spcPts val="1000"/>
               </a:spcBef>
@@ -15351,11 +14698,11 @@
                 <a:schemeClr val="dk1"/>
               </a:buClr>
               <a:buSzPts val="1100"/>
-              <a:buFont typeface="Arial"/>
-              <a:buNone/>
+              <a:buFont typeface="Arial" panose="020B0604020202020204" pitchFamily="34" charset="0"/>
+              <a:buChar char="•"/>
             </a:pPr>
             <a:r>
-              <a:rPr lang="en-US" sz="900" dirty="0">
+              <a:rPr lang="en-US" sz="1000" dirty="0">
                 <a:solidFill>
                   <a:srgbClr val="333333"/>
                 </a:solidFill>
@@ -15364,122 +14711,29 @@
                 <a:cs typeface="Lekton"/>
                 <a:sym typeface="Lekton"/>
               </a:rPr>
-              <a:t>France: 122.9% (largest EU nation with overcrowding)</a:t>
+              <a:t>Methodological implication: these countries require separate analysis</a:t>
             </a:r>
           </a:p>
           <a:p>
-            <a:pPr marL="0" lvl="0" indent="0" algn="l" rtl="0">
+            <a:pPr lvl="0">
               <a:spcBef>
                 <a:spcPts val="1000"/>
               </a:spcBef>
-              <a:spcAft>
-                <a:spcPts val="0"/>
-              </a:spcAft>
               <a:buClr>
                 <a:schemeClr val="dk1"/>
               </a:buClr>
               <a:buSzPts val="1100"/>
-              <a:buFont typeface="Arial"/>
-              <a:buNone/>
             </a:pPr>
-            <a:r>
-              <a:rPr lang="en-US" sz="900" dirty="0">
-                <a:solidFill>
-                  <a:srgbClr val="333333"/>
-                </a:solidFill>
-                <a:latin typeface="Lekton"/>
-                <a:ea typeface="Lekton"/>
-                <a:cs typeface="Lekton"/>
-                <a:sym typeface="Lekton"/>
-              </a:rPr>
-              <a:t>Italy: 119.1% (2nd EU nation, after France)</a:t>
-            </a:r>
-          </a:p>
-          <a:p>
-            <a:pPr marL="0" lvl="0" indent="0" algn="l" rtl="0">
-              <a:spcBef>
-                <a:spcPts val="1000"/>
-              </a:spcBef>
-              <a:spcAft>
-                <a:spcPts val="0"/>
-              </a:spcAft>
-              <a:buClr>
-                <a:schemeClr val="dk1"/>
-              </a:buClr>
-              <a:buSzPts val="1100"/>
-              <a:buFont typeface="Arial"/>
-              <a:buNone/>
-            </a:pPr>
-            <a:r>
-              <a:rPr lang="en-US" sz="900" dirty="0">
-                <a:solidFill>
-                  <a:srgbClr val="333333"/>
-                </a:solidFill>
-                <a:latin typeface="Lekton"/>
-                <a:ea typeface="Lekton"/>
-                <a:cs typeface="Lekton"/>
-                <a:sym typeface="Lekton"/>
-              </a:rPr>
-              <a:t>Belgium: 113.2%</a:t>
-            </a:r>
-          </a:p>
-          <a:p>
-            <a:pPr marL="0" lvl="0" indent="0" algn="l" rtl="0">
-              <a:spcBef>
-                <a:spcPts val="1000"/>
-              </a:spcBef>
-              <a:spcAft>
-                <a:spcPts val="0"/>
-              </a:spcAft>
-              <a:buClr>
-                <a:schemeClr val="dk1"/>
-              </a:buClr>
-              <a:buSzPts val="1100"/>
-              <a:buFont typeface="Arial"/>
-              <a:buNone/>
-            </a:pPr>
-            <a:r>
-              <a:rPr lang="en-US" sz="900" dirty="0">
-                <a:solidFill>
-                  <a:srgbClr val="333333"/>
-                </a:solidFill>
-                <a:latin typeface="Lekton"/>
-                <a:ea typeface="Lekton"/>
-                <a:cs typeface="Lekton"/>
-                <a:sym typeface="Lekton"/>
-              </a:rPr>
-              <a:t>Italy's trajectory: +29 percentage points since 2014 (90% → 119%)</a:t>
-            </a:r>
-          </a:p>
-        </p:txBody>
-      </p:sp>
-      <p:sp>
-        <p:nvSpPr>
-          <p:cNvPr id="2" name="TextBox 1">
-            <a:extLst>
-              <a:ext uri="{FF2B5EF4-FFF2-40B4-BE49-F238E27FC236}">
-                <a16:creationId xmlns:a16="http://schemas.microsoft.com/office/drawing/2014/main" id="{63A36552-FE23-CA3A-55AA-3BA52C8C5D12}"/>
-              </a:ext>
-            </a:extLst>
-          </p:cNvPr>
-          <p:cNvSpPr txBox="1"/>
-          <p:nvPr/>
-        </p:nvSpPr>
-        <p:spPr>
-          <a:xfrm>
-            <a:off x="4492800" y="842400"/>
-            <a:ext cx="4572000" cy="3857466"/>
-          </a:xfrm>
-          <a:prstGeom prst="rect">
-            <a:avLst/>
-          </a:prstGeom>
-          <a:noFill/>
-        </p:spPr>
-        <p:txBody>
-          <a:bodyPr wrap="square" rtlCol="0">
-            <a:spAutoFit/>
-          </a:bodyPr>
-          <a:lstStyle/>
+            <a:endParaRPr lang="en-US" sz="1000" dirty="0">
+              <a:solidFill>
+                <a:srgbClr val="333333"/>
+              </a:solidFill>
+              <a:latin typeface="Lekton"/>
+              <a:ea typeface="Lekton"/>
+              <a:cs typeface="Lekton"/>
+              <a:sym typeface="Lekton"/>
+            </a:endParaRPr>
+          </a:p>
           <a:p>
             <a:pPr lvl="0">
               <a:spcBef>
@@ -15491,7 +14745,7 @@
               <a:buSzPts val="1100"/>
             </a:pPr>
             <a:r>
-              <a:rPr lang="en-US" sz="900" dirty="0">
+              <a:rPr lang="en-US" sz="1000" b="1" dirty="0">
                 <a:solidFill>
                   <a:srgbClr val="333333"/>
                 </a:solidFill>
@@ -15500,7 +14754,57 @@
                 <a:cs typeface="Lekton"/>
                 <a:sym typeface="Lekton"/>
               </a:rPr>
-              <a:t>Finding 3: Liechtenstein is an extreme outlier (218% occupancy)</a:t>
+              <a:t>Geographic patterns - north vs south Europe</a:t>
+            </a:r>
+          </a:p>
+          <a:p>
+            <a:pPr marL="171450" lvl="0" indent="-171450">
+              <a:spcBef>
+                <a:spcPts val="1000"/>
+              </a:spcBef>
+              <a:buClr>
+                <a:schemeClr val="dk1"/>
+              </a:buClr>
+              <a:buSzPts val="1100"/>
+              <a:buFont typeface="Arial" panose="020B0604020202020204" pitchFamily="34" charset="0"/>
+              <a:buChar char="•"/>
+            </a:pPr>
+            <a:r>
+              <a:rPr lang="en-US" sz="1000" dirty="0">
+                <a:solidFill>
+                  <a:srgbClr val="333333"/>
+                </a:solidFill>
+                <a:latin typeface="Lekton"/>
+                <a:ea typeface="Lekton"/>
+                <a:cs typeface="Lekton"/>
+                <a:sym typeface="Lekton"/>
+              </a:rPr>
+              <a:t>Northern Europe (20 countries: Nordic + UK, Ireland, Netherlands, Germany, Austria, etc.)</a:t>
+            </a:r>
+          </a:p>
+          <a:p>
+            <a:pPr marL="171450" lvl="0" indent="-171450">
+              <a:spcBef>
+                <a:spcPts val="1000"/>
+              </a:spcBef>
+              <a:buClr>
+                <a:schemeClr val="dk1"/>
+              </a:buClr>
+              <a:buSzPts val="1100"/>
+              <a:buFont typeface="Arial" panose="020B0604020202020204" pitchFamily="34" charset="0"/>
+              <a:buChar char="•"/>
+            </a:pPr>
+            <a:r>
+              <a:rPr lang="en-US" sz="1000" dirty="0">
+                <a:solidFill>
+                  <a:srgbClr val="333333"/>
+                </a:solidFill>
+                <a:latin typeface="Lekton"/>
+                <a:ea typeface="Lekton"/>
+                <a:cs typeface="Lekton"/>
+                <a:sym typeface="Lekton"/>
+              </a:rPr>
+              <a:t>Southern Europe (15 countries: Italy, Spain, Portugal, Greece, Balkans, etc.)</a:t>
             </a:r>
           </a:p>
           <a:p>
@@ -15514,7 +14818,7 @@
               <a:buSzPts val="1100"/>
             </a:pPr>
             <a:r>
-              <a:rPr lang="en-US" sz="900" dirty="0">
+              <a:rPr lang="en-US" sz="1000" dirty="0">
                 <a:solidFill>
                   <a:srgbClr val="333333"/>
                 </a:solidFill>
@@ -15523,241 +14827,33 @@
                 <a:cs typeface="Lekton"/>
                 <a:sym typeface="Lekton"/>
               </a:rPr>
-              <a:t>48 prisoners in capacity for 22 places</a:t>
+              <a:t>This regional subdivision reveals significant structural differences in overcrowding levels, suggesting distinct policy approaches, capacity investment strategies, and incarceration philosophies across Europe.</a:t>
             </a:r>
           </a:p>
           <a:p>
-            <a:pPr lvl="0">
+            <a:pPr marL="171450" lvl="0" indent="-171450" algn="l" rtl="0">
               <a:spcBef>
                 <a:spcPts val="1000"/>
               </a:spcBef>
+              <a:spcAft>
+                <a:spcPts val="0"/>
+              </a:spcAft>
               <a:buClr>
                 <a:schemeClr val="dk1"/>
               </a:buClr>
               <a:buSzPts val="1100"/>
+              <a:buFontTx/>
+              <a:buChar char="-"/>
             </a:pPr>
-            <a:r>
-              <a:rPr lang="en-US" sz="900" dirty="0">
-                <a:solidFill>
-                  <a:srgbClr val="333333"/>
-                </a:solidFill>
-                <a:latin typeface="Lekton"/>
-                <a:ea typeface="Lekton"/>
-                <a:cs typeface="Lekton"/>
-                <a:sym typeface="Lekton"/>
-              </a:rPr>
-              <a:t>Likely due to immigration/refugee detention policies, not criminal population</a:t>
-            </a:r>
-          </a:p>
-          <a:p>
-            <a:pPr lvl="0">
-              <a:spcBef>
-                <a:spcPts val="1000"/>
-              </a:spcBef>
-              <a:buClr>
-                <a:schemeClr val="dk1"/>
-              </a:buClr>
-              <a:buSzPts val="1100"/>
-            </a:pPr>
-            <a:r>
-              <a:rPr lang="en-US" sz="900" dirty="0">
-                <a:solidFill>
-                  <a:srgbClr val="333333"/>
-                </a:solidFill>
-                <a:latin typeface="Lekton"/>
-                <a:ea typeface="Lekton"/>
-                <a:cs typeface="Lekton"/>
-                <a:sym typeface="Lekton"/>
-              </a:rPr>
-              <a:t>Recommendation: Analyze separately from traditional criminal justice systems</a:t>
-            </a:r>
-          </a:p>
-          <a:p>
-            <a:pPr lvl="0">
-              <a:spcBef>
-                <a:spcPts val="1000"/>
-              </a:spcBef>
-              <a:buClr>
-                <a:schemeClr val="dk1"/>
-              </a:buClr>
-              <a:buSzPts val="1100"/>
-            </a:pPr>
-            <a:r>
-              <a:rPr lang="en-US" sz="900" dirty="0">
-                <a:solidFill>
-                  <a:srgbClr val="333333"/>
-                </a:solidFill>
-                <a:latin typeface="Lekton"/>
-                <a:ea typeface="Lekton"/>
-                <a:cs typeface="Lekton"/>
-                <a:sym typeface="Lekton"/>
-              </a:rPr>
-              <a:t>Finding 4: Strong geographic clustering (North-South divide)</a:t>
-            </a:r>
-          </a:p>
-          <a:p>
-            <a:pPr lvl="0">
-              <a:spcBef>
-                <a:spcPts val="1000"/>
-              </a:spcBef>
-              <a:buClr>
-                <a:schemeClr val="dk1"/>
-              </a:buClr>
-              <a:buSzPts val="1100"/>
-            </a:pPr>
-            <a:r>
-              <a:rPr lang="en-US" sz="900" dirty="0">
-                <a:solidFill>
-                  <a:srgbClr val="333333"/>
-                </a:solidFill>
-                <a:latin typeface="Lekton"/>
-                <a:ea typeface="Lekton"/>
-                <a:cs typeface="Lekton"/>
-                <a:sym typeface="Lekton"/>
-              </a:rPr>
-              <a:t>Northern Europe (Norway, Finland, Denmark): 65–100% occupancy (well-managed)</a:t>
-            </a:r>
-          </a:p>
-          <a:p>
-            <a:pPr lvl="0">
-              <a:spcBef>
-                <a:spcPts val="1000"/>
-              </a:spcBef>
-              <a:buClr>
-                <a:schemeClr val="dk1"/>
-              </a:buClr>
-              <a:buSzPts val="1100"/>
-            </a:pPr>
-            <a:r>
-              <a:rPr lang="en-US" sz="900" dirty="0">
-                <a:solidFill>
-                  <a:srgbClr val="333333"/>
-                </a:solidFill>
-                <a:latin typeface="Lekton"/>
-                <a:ea typeface="Lekton"/>
-                <a:cs typeface="Lekton"/>
-                <a:sym typeface="Lekton"/>
-              </a:rPr>
-              <a:t>Southern/Central Europe (Italy, France, Belgium, Greece): 110–130% (chronic overcrowding)</a:t>
-            </a:r>
-          </a:p>
-          <a:p>
-            <a:pPr lvl="0">
-              <a:spcBef>
-                <a:spcPts val="1000"/>
-              </a:spcBef>
-              <a:buClr>
-                <a:schemeClr val="dk1"/>
-              </a:buClr>
-              <a:buSzPts val="1100"/>
-            </a:pPr>
-            <a:r>
-              <a:rPr lang="en-US" sz="900" dirty="0">
-                <a:solidFill>
-                  <a:srgbClr val="333333"/>
-                </a:solidFill>
-                <a:latin typeface="Lekton"/>
-                <a:ea typeface="Lekton"/>
-                <a:cs typeface="Lekton"/>
-                <a:sym typeface="Lekton"/>
-              </a:rPr>
-              <a:t>Eastern Europe (mixed): Hungary 110%, Romania 110%, Croatia 110%</a:t>
-            </a:r>
-          </a:p>
-          <a:p>
-            <a:pPr lvl="0">
-              <a:spcBef>
-                <a:spcPts val="1000"/>
-              </a:spcBef>
-              <a:buClr>
-                <a:schemeClr val="dk1"/>
-              </a:buClr>
-              <a:buSzPts val="1100"/>
-            </a:pPr>
-            <a:r>
-              <a:rPr lang="en-US" sz="900" dirty="0">
-                <a:solidFill>
-                  <a:srgbClr val="333333"/>
-                </a:solidFill>
-                <a:latin typeface="Lekton"/>
-                <a:ea typeface="Lekton"/>
-                <a:cs typeface="Lekton"/>
-                <a:sym typeface="Lekton"/>
-              </a:rPr>
-              <a:t>Finding 5: Italy's worsening trend (2014–2023)</a:t>
-            </a:r>
-          </a:p>
-          <a:p>
-            <a:pPr lvl="0">
-              <a:spcBef>
-                <a:spcPts val="1000"/>
-              </a:spcBef>
-              <a:buClr>
-                <a:schemeClr val="dk1"/>
-              </a:buClr>
-              <a:buSzPts val="1100"/>
-            </a:pPr>
-            <a:r>
-              <a:rPr lang="en-US" sz="900" dirty="0">
-                <a:solidFill>
-                  <a:srgbClr val="333333"/>
-                </a:solidFill>
-                <a:latin typeface="Lekton"/>
-                <a:ea typeface="Lekton"/>
-                <a:cs typeface="Lekton"/>
-                <a:sym typeface="Lekton"/>
-              </a:rPr>
-              <a:t>2014: 90.1% → 2019: 104% → 2023: 119.1%</a:t>
-            </a:r>
-          </a:p>
-          <a:p>
-            <a:pPr lvl="0">
-              <a:spcBef>
-                <a:spcPts val="1000"/>
-              </a:spcBef>
-              <a:buClr>
-                <a:schemeClr val="dk1"/>
-              </a:buClr>
-              <a:buSzPts val="1100"/>
-            </a:pPr>
-            <a:r>
-              <a:rPr lang="en-US" sz="900" dirty="0">
-                <a:solidFill>
-                  <a:srgbClr val="333333"/>
-                </a:solidFill>
-                <a:latin typeface="Lekton"/>
-                <a:ea typeface="Lekton"/>
-                <a:cs typeface="Lekton"/>
-                <a:sym typeface="Lekton"/>
-              </a:rPr>
-              <a:t>Consistent upward trend despite Italian prison reform initiatives (2014 amendments)</a:t>
-            </a:r>
-          </a:p>
-          <a:p>
-            <a:pPr lvl="0">
-              <a:spcBef>
-                <a:spcPts val="1000"/>
-              </a:spcBef>
-              <a:buClr>
-                <a:schemeClr val="dk1"/>
-              </a:buClr>
-              <a:buSzPts val="1100"/>
-            </a:pPr>
-            <a:r>
-              <a:rPr lang="en-US" sz="900" dirty="0">
-                <a:solidFill>
-                  <a:srgbClr val="333333"/>
-                </a:solidFill>
-                <a:latin typeface="Lekton"/>
-                <a:ea typeface="Lekton"/>
-                <a:cs typeface="Lekton"/>
-                <a:sym typeface="Lekton"/>
-              </a:rPr>
-              <a:t>Suggests ineffectiveness of capacity-building policies or rising incarceration rates</a:t>
-            </a:r>
-          </a:p>
-          <a:p>
-            <a:endParaRPr lang="en-US" sz="900" dirty="0"/>
+            <a:endParaRPr lang="en-US" sz="1000" dirty="0">
+              <a:solidFill>
+                <a:srgbClr val="333333"/>
+              </a:solidFill>
+              <a:latin typeface="Lekton"/>
+              <a:ea typeface="Lekton"/>
+              <a:cs typeface="Lekton"/>
+              <a:sym typeface="Lekton"/>
+            </a:endParaRPr>
           </a:p>
         </p:txBody>
       </p:sp>
@@ -15776,7 +14872,7 @@
         <p:spPr>
           <a:xfrm>
             <a:off x="2070000" y="151897"/>
-            <a:ext cx="4572000" cy="307777"/>
+            <a:ext cx="4572000" cy="369332"/>
           </a:xfrm>
           <a:prstGeom prst="rect">
             <a:avLst/>
@@ -15799,7 +14895,7 @@
               <a:buNone/>
             </a:pPr>
             <a:r>
-              <a:rPr lang="en-US" sz="1400" b="1" dirty="0">
+              <a:rPr lang="en-US" sz="1800" b="1" dirty="0">
                 <a:solidFill>
                   <a:srgbClr val="D66B55"/>
                 </a:solidFill>
@@ -15822,532 +14918,6 @@
 </file>
 
 <file path=ppt/slides/slide6.xml><?xml version="1.0" encoding="utf-8"?>
-<p:sld xmlns:a="http://schemas.openxmlformats.org/drawingml/2006/main" xmlns:r="http://schemas.openxmlformats.org/officeDocument/2006/relationships" xmlns:p="http://schemas.openxmlformats.org/presentationml/2006/main">
-  <p:cSld>
-    <p:spTree>
-      <p:nvGrpSpPr>
-        <p:cNvPr id="1" name="Shape 163">
-          <a:extLst>
-            <a:ext uri="{FF2B5EF4-FFF2-40B4-BE49-F238E27FC236}">
-              <a16:creationId xmlns:a16="http://schemas.microsoft.com/office/drawing/2014/main" id="{38966492-5767-0430-9B1B-AF70C54319BC}"/>
-            </a:ext>
-          </a:extLst>
-        </p:cNvPr>
-        <p:cNvGrpSpPr/>
-        <p:nvPr/>
-      </p:nvGrpSpPr>
-      <p:grpSpPr>
-        <a:xfrm>
-          <a:off x="0" y="0"/>
-          <a:ext cx="0" cy="0"/>
-          <a:chOff x="0" y="0"/>
-          <a:chExt cx="0" cy="0"/>
-        </a:xfrm>
-      </p:grpSpPr>
-      <p:sp>
-        <p:nvSpPr>
-          <p:cNvPr id="164" name="Google Shape;164;p31">
-            <a:extLst>
-              <a:ext uri="{FF2B5EF4-FFF2-40B4-BE49-F238E27FC236}">
-                <a16:creationId xmlns:a16="http://schemas.microsoft.com/office/drawing/2014/main" id="{F9B0EE5C-19C7-191A-4CFE-6028F1A6964A}"/>
-              </a:ext>
-            </a:extLst>
-          </p:cNvPr>
-          <p:cNvSpPr txBox="1"/>
-          <p:nvPr/>
-        </p:nvSpPr>
-        <p:spPr>
-          <a:xfrm>
-            <a:off x="381600" y="758100"/>
-            <a:ext cx="3974400" cy="3115500"/>
-          </a:xfrm>
-          <a:prstGeom prst="rect">
-            <a:avLst/>
-          </a:prstGeom>
-          <a:noFill/>
-          <a:ln>
-            <a:noFill/>
-          </a:ln>
-        </p:spPr>
-        <p:txBody>
-          <a:bodyPr spcFirstLastPara="1" wrap="square" lIns="0" tIns="0" rIns="0" bIns="0" anchor="t" anchorCtr="0">
-            <a:noAutofit/>
-          </a:bodyPr>
-          <a:lstStyle/>
-          <a:p>
-            <a:pPr marL="0" lvl="0" indent="0" algn="l" rtl="0">
-              <a:spcBef>
-                <a:spcPts val="1000"/>
-              </a:spcBef>
-              <a:spcAft>
-                <a:spcPts val="0"/>
-              </a:spcAft>
-              <a:buClr>
-                <a:schemeClr val="dk1"/>
-              </a:buClr>
-              <a:buSzPts val="1100"/>
-              <a:buFont typeface="Arial"/>
-              <a:buNone/>
-            </a:pPr>
-            <a:r>
-              <a:rPr lang="en-US" sz="900" dirty="0">
-                <a:solidFill>
-                  <a:srgbClr val="333333"/>
-                </a:solidFill>
-                <a:latin typeface="Lekton"/>
-                <a:ea typeface="Lekton"/>
-                <a:cs typeface="Lekton"/>
-                <a:sym typeface="Lekton"/>
-              </a:rPr>
-              <a:t>Recommended Actions for Decision-Makers</a:t>
-            </a:r>
-          </a:p>
-          <a:p>
-            <a:pPr marL="0" lvl="0" indent="0" algn="l" rtl="0">
-              <a:spcBef>
-                <a:spcPts val="1000"/>
-              </a:spcBef>
-              <a:spcAft>
-                <a:spcPts val="0"/>
-              </a:spcAft>
-              <a:buClr>
-                <a:schemeClr val="dk1"/>
-              </a:buClr>
-              <a:buSzPts val="1100"/>
-              <a:buFont typeface="Arial"/>
-              <a:buNone/>
-            </a:pPr>
-            <a:endParaRPr lang="en-US" sz="900" dirty="0">
-              <a:solidFill>
-                <a:srgbClr val="333333"/>
-              </a:solidFill>
-              <a:latin typeface="Lekton"/>
-              <a:ea typeface="Lekton"/>
-              <a:cs typeface="Lekton"/>
-              <a:sym typeface="Lekton"/>
-            </a:endParaRPr>
-          </a:p>
-          <a:p>
-            <a:pPr marL="0" lvl="0" indent="0" algn="l" rtl="0">
-              <a:spcBef>
-                <a:spcPts val="1000"/>
-              </a:spcBef>
-              <a:spcAft>
-                <a:spcPts val="0"/>
-              </a:spcAft>
-              <a:buClr>
-                <a:schemeClr val="dk1"/>
-              </a:buClr>
-              <a:buSzPts val="1100"/>
-              <a:buFont typeface="Arial"/>
-              <a:buNone/>
-            </a:pPr>
-            <a:r>
-              <a:rPr lang="en-US" sz="900" dirty="0">
-                <a:solidFill>
-                  <a:srgbClr val="333333"/>
-                </a:solidFill>
-                <a:latin typeface="Lekton"/>
-                <a:ea typeface="Lekton"/>
-                <a:cs typeface="Lekton"/>
-                <a:sym typeface="Lekton"/>
-              </a:rPr>
-              <a:t>For Italian policy makers:</a:t>
-            </a:r>
-          </a:p>
-          <a:p>
-            <a:pPr marL="0" lvl="0" indent="0" algn="l" rtl="0">
-              <a:spcBef>
-                <a:spcPts val="1000"/>
-              </a:spcBef>
-              <a:spcAft>
-                <a:spcPts val="0"/>
-              </a:spcAft>
-              <a:buClr>
-                <a:schemeClr val="dk1"/>
-              </a:buClr>
-              <a:buSzPts val="1100"/>
-              <a:buFont typeface="Arial"/>
-              <a:buNone/>
-            </a:pPr>
-            <a:r>
-              <a:rPr lang="en-US" sz="900" dirty="0">
-                <a:solidFill>
-                  <a:srgbClr val="333333"/>
-                </a:solidFill>
-                <a:latin typeface="Lekton"/>
-                <a:ea typeface="Lekton"/>
-                <a:cs typeface="Lekton"/>
-                <a:sym typeface="Lekton"/>
-              </a:rPr>
-              <a:t>Emergency capacity expansion: Italy needs +15% more prison capacity to reach EU average (95.7%)</a:t>
-            </a:r>
-          </a:p>
-          <a:p>
-            <a:pPr marL="0" lvl="0" indent="0" algn="l" rtl="0">
-              <a:spcBef>
-                <a:spcPts val="1000"/>
-              </a:spcBef>
-              <a:spcAft>
-                <a:spcPts val="0"/>
-              </a:spcAft>
-              <a:buClr>
-                <a:schemeClr val="dk1"/>
-              </a:buClr>
-              <a:buSzPts val="1100"/>
-              <a:buFont typeface="Arial"/>
-              <a:buNone/>
-            </a:pPr>
-            <a:r>
-              <a:rPr lang="en-US" sz="900" dirty="0">
-                <a:solidFill>
-                  <a:srgbClr val="333333"/>
-                </a:solidFill>
-                <a:latin typeface="Lekton"/>
-                <a:ea typeface="Lekton"/>
-                <a:cs typeface="Lekton"/>
-                <a:sym typeface="Lekton"/>
-              </a:rPr>
-              <a:t>Reduce incarceration rates: Consider alternative sentencing, early release programs, rehabilitation focus</a:t>
-            </a:r>
-          </a:p>
-          <a:p>
-            <a:pPr marL="0" lvl="0" indent="0" algn="l" rtl="0">
-              <a:spcBef>
-                <a:spcPts val="1000"/>
-              </a:spcBef>
-              <a:spcAft>
-                <a:spcPts val="0"/>
-              </a:spcAft>
-              <a:buClr>
-                <a:schemeClr val="dk1"/>
-              </a:buClr>
-              <a:buSzPts val="1100"/>
-              <a:buFont typeface="Arial"/>
-              <a:buNone/>
-            </a:pPr>
-            <a:r>
-              <a:rPr lang="en-US" sz="900" dirty="0">
-                <a:solidFill>
-                  <a:srgbClr val="333333"/>
-                </a:solidFill>
-                <a:latin typeface="Lekton"/>
-                <a:ea typeface="Lekton"/>
-                <a:cs typeface="Lekton"/>
-                <a:sym typeface="Lekton"/>
-              </a:rPr>
-              <a:t>Regional redistribution: Use underutilized facilities in Northern Italy to balance Southern overcrowding</a:t>
-            </a:r>
-          </a:p>
-          <a:p>
-            <a:pPr marL="0" lvl="0" indent="0" algn="l" rtl="0">
-              <a:spcBef>
-                <a:spcPts val="1000"/>
-              </a:spcBef>
-              <a:spcAft>
-                <a:spcPts val="0"/>
-              </a:spcAft>
-              <a:buClr>
-                <a:schemeClr val="dk1"/>
-              </a:buClr>
-              <a:buSzPts val="1100"/>
-              <a:buFont typeface="Arial"/>
-              <a:buNone/>
-            </a:pPr>
-            <a:r>
-              <a:rPr lang="en-US" sz="900" dirty="0">
-                <a:solidFill>
-                  <a:srgbClr val="333333"/>
-                </a:solidFill>
-                <a:latin typeface="Lekton"/>
-                <a:ea typeface="Lekton"/>
-                <a:cs typeface="Lekton"/>
-                <a:sym typeface="Lekton"/>
-              </a:rPr>
-              <a:t>Timeline: Target 100% occupancy by 2025, 90% by 2027</a:t>
-            </a:r>
-          </a:p>
-        </p:txBody>
-      </p:sp>
-      <p:sp>
-        <p:nvSpPr>
-          <p:cNvPr id="2" name="TextBox 1">
-            <a:extLst>
-              <a:ext uri="{FF2B5EF4-FFF2-40B4-BE49-F238E27FC236}">
-                <a16:creationId xmlns:a16="http://schemas.microsoft.com/office/drawing/2014/main" id="{1AA751E1-A327-AE65-EF18-34798B695FC6}"/>
-              </a:ext>
-            </a:extLst>
-          </p:cNvPr>
-          <p:cNvSpPr txBox="1"/>
-          <p:nvPr/>
-        </p:nvSpPr>
-        <p:spPr>
-          <a:xfrm>
-            <a:off x="4471200" y="1314995"/>
-            <a:ext cx="4572000" cy="2513509"/>
-          </a:xfrm>
-          <a:prstGeom prst="rect">
-            <a:avLst/>
-          </a:prstGeom>
-          <a:noFill/>
-        </p:spPr>
-        <p:txBody>
-          <a:bodyPr wrap="square" rtlCol="0">
-            <a:spAutoFit/>
-          </a:bodyPr>
-          <a:lstStyle/>
-          <a:p>
-            <a:pPr lvl="0">
-              <a:spcBef>
-                <a:spcPts val="1000"/>
-              </a:spcBef>
-              <a:buClr>
-                <a:schemeClr val="dk1"/>
-              </a:buClr>
-              <a:buSzPts val="1100"/>
-            </a:pPr>
-            <a:r>
-              <a:rPr lang="en-US" sz="900" dirty="0">
-                <a:solidFill>
-                  <a:srgbClr val="333333"/>
-                </a:solidFill>
-                <a:latin typeface="Lekton"/>
-                <a:ea typeface="Lekton"/>
-                <a:cs typeface="Lekton"/>
-                <a:sym typeface="Lekton"/>
-              </a:rPr>
-              <a:t>For EU level:</a:t>
-            </a:r>
-          </a:p>
-          <a:p>
-            <a:pPr lvl="0">
-              <a:spcBef>
-                <a:spcPts val="1000"/>
-              </a:spcBef>
-              <a:buClr>
-                <a:schemeClr val="dk1"/>
-              </a:buClr>
-              <a:buSzPts val="1100"/>
-            </a:pPr>
-            <a:r>
-              <a:rPr lang="en-US" sz="900" dirty="0">
-                <a:solidFill>
-                  <a:srgbClr val="333333"/>
-                </a:solidFill>
-                <a:latin typeface="Lekton"/>
-                <a:ea typeface="Lekton"/>
-                <a:cs typeface="Lekton"/>
-                <a:sym typeface="Lekton"/>
-              </a:rPr>
-              <a:t>Peer learning: Northern European countries (Norway, Finland) should mentor Southern EU states on prison management</a:t>
-            </a:r>
-          </a:p>
-          <a:p>
-            <a:pPr lvl="0">
-              <a:spcBef>
-                <a:spcPts val="1000"/>
-              </a:spcBef>
-              <a:buClr>
-                <a:schemeClr val="dk1"/>
-              </a:buClr>
-              <a:buSzPts val="1100"/>
-            </a:pPr>
-            <a:r>
-              <a:rPr lang="en-US" sz="900" dirty="0">
-                <a:solidFill>
-                  <a:srgbClr val="333333"/>
-                </a:solidFill>
-                <a:latin typeface="Lekton"/>
-                <a:ea typeface="Lekton"/>
-                <a:cs typeface="Lekton"/>
-                <a:sym typeface="Lekton"/>
-              </a:rPr>
-              <a:t>EU funding: Allocate prison infrastructure grants to countries &gt;110% occupancy</a:t>
-            </a:r>
-          </a:p>
-          <a:p>
-            <a:pPr lvl="0">
-              <a:spcBef>
-                <a:spcPts val="1000"/>
-              </a:spcBef>
-              <a:buClr>
-                <a:schemeClr val="dk1"/>
-              </a:buClr>
-              <a:buSzPts val="1100"/>
-            </a:pPr>
-            <a:r>
-              <a:rPr lang="en-US" sz="900" dirty="0">
-                <a:solidFill>
-                  <a:srgbClr val="333333"/>
-                </a:solidFill>
-                <a:latin typeface="Lekton"/>
-                <a:ea typeface="Lekton"/>
-                <a:cs typeface="Lekton"/>
-                <a:sym typeface="Lekton"/>
-              </a:rPr>
-              <a:t>Monitoring dashboard: Regular Eurostat updates to track progress</a:t>
-            </a:r>
-          </a:p>
-          <a:p>
-            <a:pPr lvl="0">
-              <a:spcBef>
-                <a:spcPts val="1000"/>
-              </a:spcBef>
-              <a:buClr>
-                <a:schemeClr val="dk1"/>
-              </a:buClr>
-              <a:buSzPts val="1100"/>
-            </a:pPr>
-            <a:r>
-              <a:rPr lang="en-US" sz="900" dirty="0">
-                <a:solidFill>
-                  <a:srgbClr val="333333"/>
-                </a:solidFill>
-                <a:latin typeface="Lekton"/>
-                <a:ea typeface="Lekton"/>
-                <a:cs typeface="Lekton"/>
-                <a:sym typeface="Lekton"/>
-              </a:rPr>
-              <a:t>For researchers/future analysis:</a:t>
-            </a:r>
-          </a:p>
-          <a:p>
-            <a:pPr lvl="0">
-              <a:spcBef>
-                <a:spcPts val="1000"/>
-              </a:spcBef>
-              <a:buClr>
-                <a:schemeClr val="dk1"/>
-              </a:buClr>
-              <a:buSzPts val="1100"/>
-            </a:pPr>
-            <a:r>
-              <a:rPr lang="en-US" sz="900" dirty="0">
-                <a:solidFill>
-                  <a:srgbClr val="333333"/>
-                </a:solidFill>
-                <a:latin typeface="Lekton"/>
-                <a:ea typeface="Lekton"/>
-                <a:cs typeface="Lekton"/>
-                <a:sym typeface="Lekton"/>
-              </a:rPr>
-              <a:t>Investigate correlation between prison occupancy and crime rates (does more capacity = less overcrowding?)</a:t>
-            </a:r>
-          </a:p>
-          <a:p>
-            <a:pPr lvl="0">
-              <a:spcBef>
-                <a:spcPts val="1000"/>
-              </a:spcBef>
-              <a:buClr>
-                <a:schemeClr val="dk1"/>
-              </a:buClr>
-              <a:buSzPts val="1100"/>
-            </a:pPr>
-            <a:r>
-              <a:rPr lang="en-US" sz="900" dirty="0">
-                <a:solidFill>
-                  <a:srgbClr val="333333"/>
-                </a:solidFill>
-                <a:latin typeface="Lekton"/>
-                <a:ea typeface="Lekton"/>
-                <a:cs typeface="Lekton"/>
-                <a:sym typeface="Lekton"/>
-              </a:rPr>
-              <a:t>Analyze Liechtenstein separately (different legal/demographic context)</a:t>
-            </a:r>
-          </a:p>
-          <a:p>
-            <a:pPr lvl="0">
-              <a:spcBef>
-                <a:spcPts val="1000"/>
-              </a:spcBef>
-              <a:buClr>
-                <a:schemeClr val="dk1"/>
-              </a:buClr>
-              <a:buSzPts val="1100"/>
-            </a:pPr>
-            <a:r>
-              <a:rPr lang="en-US" sz="900" dirty="0">
-                <a:solidFill>
-                  <a:srgbClr val="333333"/>
-                </a:solidFill>
-                <a:latin typeface="Lekton"/>
-                <a:ea typeface="Lekton"/>
-                <a:cs typeface="Lekton"/>
-                <a:sym typeface="Lekton"/>
-              </a:rPr>
-              <a:t>Compare occupancy rate vs public spending on prisons per inmate</a:t>
-            </a:r>
-          </a:p>
-        </p:txBody>
-      </p:sp>
-      <p:sp>
-        <p:nvSpPr>
-          <p:cNvPr id="4" name="TextBox 3">
-            <a:extLst>
-              <a:ext uri="{FF2B5EF4-FFF2-40B4-BE49-F238E27FC236}">
-                <a16:creationId xmlns:a16="http://schemas.microsoft.com/office/drawing/2014/main" id="{5E8284D7-0BF3-5378-3883-A6536C12E834}"/>
-              </a:ext>
-            </a:extLst>
-          </p:cNvPr>
-          <p:cNvSpPr txBox="1"/>
-          <p:nvPr/>
-        </p:nvSpPr>
-        <p:spPr>
-          <a:xfrm>
-            <a:off x="2070000" y="151897"/>
-            <a:ext cx="4572000" cy="307777"/>
-          </a:xfrm>
-          <a:prstGeom prst="rect">
-            <a:avLst/>
-          </a:prstGeom>
-          <a:noFill/>
-        </p:spPr>
-        <p:txBody>
-          <a:bodyPr wrap="square">
-            <a:spAutoFit/>
-          </a:bodyPr>
-          <a:lstStyle/>
-          <a:p>
-            <a:pPr marL="0" lvl="0" indent="0" algn="ctr" rtl="0">
-              <a:spcBef>
-                <a:spcPts val="0"/>
-              </a:spcBef>
-              <a:spcAft>
-                <a:spcPts val="0"/>
-              </a:spcAft>
-              <a:buNone/>
-            </a:pPr>
-            <a:r>
-              <a:rPr lang="en-US" sz="1400" b="1" dirty="0">
-                <a:solidFill>
-                  <a:srgbClr val="D66B55"/>
-                </a:solidFill>
-                <a:latin typeface="Lekton"/>
-                <a:ea typeface="Lekton"/>
-                <a:cs typeface="Lekton"/>
-                <a:sym typeface="Lekton"/>
-              </a:rPr>
-              <a:t>Insights from the Data</a:t>
-            </a:r>
-          </a:p>
-        </p:txBody>
-      </p:sp>
-    </p:spTree>
-    <p:extLst>
-      <p:ext uri="{BB962C8B-B14F-4D97-AF65-F5344CB8AC3E}">
-        <p14:creationId xmlns:p14="http://schemas.microsoft.com/office/powerpoint/2010/main" val="3766155850"/>
-      </p:ext>
-    </p:extLst>
-  </p:cSld>
-  <p:clrMapOvr>
-    <a:masterClrMapping/>
-  </p:clrMapOvr>
-</p:sld>
-</file>
-
-<file path=ppt/slides/slide7.xml><?xml version="1.0" encoding="utf-8"?>
 <p:sld xmlns:a="http://schemas.openxmlformats.org/drawingml/2006/main" xmlns:r="http://schemas.openxmlformats.org/officeDocument/2006/relationships" xmlns:p="http://schemas.openxmlformats.org/presentationml/2006/main">
   <p:cSld>
     <p:spTree>
@@ -16364,6 +14934,61 @@
           <a:chExt cx="0" cy="0"/>
         </a:xfrm>
       </p:grpSpPr>
+      <p:sp>
+        <p:nvSpPr>
+          <p:cNvPr id="2" name="Rettangolo 1">
+            <a:extLst>
+              <a:ext uri="{FF2B5EF4-FFF2-40B4-BE49-F238E27FC236}">
+                <a16:creationId xmlns:a16="http://schemas.microsoft.com/office/drawing/2014/main" id="{F3B5391F-CCE7-653F-842F-786285D02B8C}"/>
+              </a:ext>
+            </a:extLst>
+          </p:cNvPr>
+          <p:cNvSpPr/>
+          <p:nvPr/>
+        </p:nvSpPr>
+        <p:spPr>
+          <a:xfrm>
+            <a:off x="4572000" y="0"/>
+            <a:ext cx="4572000" cy="5143500"/>
+          </a:xfrm>
+          <a:prstGeom prst="rect">
+            <a:avLst/>
+          </a:prstGeom>
+          <a:solidFill>
+            <a:schemeClr val="bg2">
+              <a:lumMod val="20000"/>
+              <a:lumOff val="80000"/>
+            </a:schemeClr>
+          </a:solidFill>
+          <a:ln w="12700">
+            <a:noFill/>
+          </a:ln>
+        </p:spPr>
+        <p:style>
+          <a:lnRef idx="2">
+            <a:schemeClr val="accent3">
+              <a:shade val="50000"/>
+            </a:schemeClr>
+          </a:lnRef>
+          <a:fillRef idx="1">
+            <a:schemeClr val="accent3"/>
+          </a:fillRef>
+          <a:effectRef idx="0">
+            <a:schemeClr val="accent3"/>
+          </a:effectRef>
+          <a:fontRef idx="minor">
+            <a:schemeClr val="lt1"/>
+          </a:fontRef>
+        </p:style>
+        <p:txBody>
+          <a:bodyPr rtlCol="0" anchor="ctr"/>
+          <a:lstStyle/>
+          <a:p>
+            <a:pPr algn="ctr"/>
+            <a:endParaRPr lang="it-IT"/>
+          </a:p>
+        </p:txBody>
+      </p:sp>
       <p:sp>
         <p:nvSpPr>
           <p:cNvPr id="175" name="Google Shape;175;p33"/>
@@ -16408,7 +15033,7 @@
                 <a:cs typeface="Lekton"/>
                 <a:sym typeface="Lekton"/>
               </a:rPr>
-              <a:t>European prison overcrowding map in 2022(Data Wrapper Choropleth)</a:t>
+              <a:t>European prison overcrowding map in 2022</a:t>
             </a:r>
             <a:endParaRPr i="1" dirty="0">
               <a:solidFill>
@@ -16436,8 +15061,8 @@
         </p:nvSpPr>
         <p:spPr>
           <a:xfrm>
-            <a:off x="5356799" y="855375"/>
-            <a:ext cx="3684494" cy="3816429"/>
+            <a:off x="5356798" y="1095934"/>
+            <a:ext cx="3684494" cy="3323987"/>
           </a:xfrm>
           <a:prstGeom prst="rect">
             <a:avLst/>
@@ -16453,7 +15078,7 @@
             <a:pPr algn="l">
               <a:buNone/>
             </a:pPr>
-            <a:endParaRPr lang="en-US" sz="1100" dirty="0">
+            <a:endParaRPr lang="en-US" sz="1000" dirty="0">
               <a:solidFill>
                 <a:srgbClr val="333333"/>
               </a:solidFill>
@@ -16465,68 +15090,80 @@
               <a:buNone/>
             </a:pPr>
             <a:r>
-              <a:rPr lang="en-US" sz="1100" dirty="0">
+              <a:rPr lang="en-US" sz="1000" b="1" dirty="0">
                 <a:solidFill>
                   <a:srgbClr val="333333"/>
                 </a:solidFill>
                 <a:latin typeface="Lekton"/>
               </a:rPr>
-              <a:t>Color scheme:</a:t>
+              <a:t>Color scheme</a:t>
             </a:r>
           </a:p>
           <a:p>
-            <a:pPr algn="l"/>
+            <a:pPr marL="171450" indent="-171450" algn="l">
+              <a:buFont typeface="Arial" panose="020B0604020202020204" pitchFamily="34" charset="0"/>
+              <a:buChar char="•"/>
+            </a:pPr>
             <a:r>
-              <a:rPr lang="en-US" sz="1100" dirty="0">
+              <a:rPr lang="en-US" sz="1000" dirty="0">
                 <a:solidFill>
                   <a:srgbClr val="333333"/>
                 </a:solidFill>
                 <a:latin typeface="Lekton"/>
               </a:rPr>
-              <a:t>Green: &lt;90% (good, below capacity)</a:t>
+              <a:t>Orange: &lt;80% (good, below capacity)</a:t>
             </a:r>
           </a:p>
           <a:p>
-            <a:pPr algn="l"/>
+            <a:pPr marL="171450" indent="-171450" algn="l">
+              <a:buFont typeface="Arial" panose="020B0604020202020204" pitchFamily="34" charset="0"/>
+              <a:buChar char="•"/>
+            </a:pPr>
             <a:r>
-              <a:rPr lang="en-US" sz="1100" dirty="0">
+              <a:rPr lang="en-US" sz="1000" dirty="0">
                 <a:solidFill>
                   <a:srgbClr val="333333"/>
                 </a:solidFill>
                 <a:latin typeface="Lekton"/>
               </a:rPr>
-              <a:t>Yellow: 90–100% (acceptable, at capacity)</a:t>
+              <a:t>Pink: 80–100% (acceptable, at capacity)</a:t>
             </a:r>
           </a:p>
           <a:p>
-            <a:pPr algn="l"/>
+            <a:pPr marL="171450" indent="-171450" algn="l">
+              <a:buFont typeface="Arial" panose="020B0604020202020204" pitchFamily="34" charset="0"/>
+              <a:buChar char="•"/>
+            </a:pPr>
             <a:r>
-              <a:rPr lang="en-US" sz="1100" dirty="0">
+              <a:rPr lang="en-US" sz="1000" dirty="0">
                 <a:solidFill>
                   <a:srgbClr val="333333"/>
                 </a:solidFill>
                 <a:latin typeface="Lekton"/>
               </a:rPr>
-              <a:t>Orange: 100–120% (overcrowded, critical)</a:t>
+              <a:t>Violet: 100–110% (overcrowded, critical)</a:t>
             </a:r>
           </a:p>
           <a:p>
-            <a:pPr algn="l"/>
+            <a:pPr marL="171450" indent="-171450" algn="l">
+              <a:buFont typeface="Arial" panose="020B0604020202020204" pitchFamily="34" charset="0"/>
+              <a:buChar char="•"/>
+            </a:pPr>
             <a:r>
-              <a:rPr lang="en-US" sz="1100" dirty="0">
+              <a:rPr lang="en-US" sz="1000" dirty="0">
                 <a:solidFill>
                   <a:srgbClr val="333333"/>
                 </a:solidFill>
                 <a:latin typeface="Lekton"/>
               </a:rPr>
-              <a:t>Red: &gt;120% (severe overcrowding, emergency)</a:t>
+              <a:t>Blue: &gt;110% (severe overcrowding, emergency)</a:t>
             </a:r>
           </a:p>
           <a:p>
             <a:pPr algn="l">
               <a:buNone/>
             </a:pPr>
-            <a:endParaRPr lang="en-US" sz="1100" dirty="0">
+            <a:endParaRPr lang="en-US" sz="1000" dirty="0">
               <a:solidFill>
                 <a:srgbClr val="333333"/>
               </a:solidFill>
@@ -16538,7 +15175,7 @@
               <a:buNone/>
             </a:pPr>
             <a:r>
-              <a:rPr lang="en-US" sz="1100" dirty="0">
+              <a:rPr lang="en-US" sz="1000" b="1" dirty="0">
                 <a:solidFill>
                   <a:srgbClr val="333333"/>
                 </a:solidFill>
@@ -16548,58 +15185,70 @@
             </a:r>
           </a:p>
           <a:p>
-            <a:pPr algn="l"/>
+            <a:pPr marL="171450" indent="-171450" algn="l">
+              <a:buFont typeface="Arial" panose="020B0604020202020204" pitchFamily="34" charset="0"/>
+              <a:buChar char="•"/>
+            </a:pPr>
             <a:r>
-              <a:rPr lang="en-US" sz="1100" dirty="0">
+              <a:rPr lang="en-US" sz="1000" dirty="0">
                 <a:solidFill>
                   <a:srgbClr val="333333"/>
                 </a:solidFill>
                 <a:latin typeface="Lekton"/>
               </a:rPr>
-              <a:t>13 countries highlighted in orange/red: Exceeding 100% capacity</a:t>
+              <a:t>13 countries highlighted in violet/blue: Exceeding 100% capacity</a:t>
             </a:r>
           </a:p>
           <a:p>
-            <a:pPr algn="l"/>
+            <a:pPr marL="171450" indent="-171450">
+              <a:buFont typeface="Arial" panose="020B0604020202020204" pitchFamily="34" charset="0"/>
+              <a:buChar char="•"/>
+            </a:pPr>
             <a:r>
-              <a:rPr lang="en-US" sz="1100" dirty="0">
+              <a:rPr lang="en-US" sz="1000" dirty="0">
                 <a:solidFill>
                   <a:srgbClr val="333333"/>
                 </a:solidFill>
                 <a:latin typeface="Lekton"/>
               </a:rPr>
-              <a:t>Top 3 worst: Liechtenstein (218%), France (123%), Italy (119%)</a:t>
+              <a:t>Top 3 worst: France (118.96%), Turkey (117.70%), Romania (112.21%)</a:t>
             </a:r>
           </a:p>
           <a:p>
-            <a:pPr algn="l"/>
+            <a:pPr marL="171450" indent="-171450" algn="l">
+              <a:buFont typeface="Arial" panose="020B0604020202020204" pitchFamily="34" charset="0"/>
+              <a:buChar char="•"/>
+            </a:pPr>
             <a:r>
-              <a:rPr lang="en-US" sz="1100" dirty="0">
+              <a:rPr lang="en-US" sz="1000" dirty="0">
                 <a:solidFill>
                   <a:srgbClr val="333333"/>
                 </a:solidFill>
                 <a:latin typeface="Lekton"/>
               </a:rPr>
-              <a:t>EU27 average: 95.7% (shown as reference)</a:t>
+              <a:t>EU27 average: 95.7%</a:t>
             </a:r>
           </a:p>
           <a:p>
-            <a:pPr algn="l"/>
+            <a:pPr marL="171450" indent="-171450" algn="l">
+              <a:buFont typeface="Arial" panose="020B0604020202020204" pitchFamily="34" charset="0"/>
+              <a:buChar char="•"/>
+            </a:pPr>
             <a:r>
-              <a:rPr lang="en-US" sz="1100" dirty="0">
+              <a:rPr lang="en-US" sz="1000" dirty="0">
                 <a:solidFill>
                   <a:srgbClr val="333333"/>
                 </a:solidFill>
                 <a:latin typeface="Lekton"/>
               </a:rPr>
-              <a:t>Best performers: Norway, Iceland, Finland, Ireland (65–80%)</a:t>
+              <a:t>Best performers: Estonia, Malta, Latvia, Bulgaria, Ireland (62–75%)</a:t>
             </a:r>
           </a:p>
           <a:p>
             <a:pPr algn="l">
               <a:buNone/>
             </a:pPr>
-            <a:endParaRPr lang="en-US" sz="1100" dirty="0">
+            <a:endParaRPr lang="en-US" sz="1000" dirty="0">
               <a:solidFill>
                 <a:srgbClr val="333333"/>
               </a:solidFill>
@@ -16611,7 +15260,7 @@
               <a:buNone/>
             </a:pPr>
             <a:r>
-              <a:rPr lang="en-US" sz="1100" dirty="0">
+              <a:rPr lang="en-US" sz="1000" b="1" dirty="0">
                 <a:solidFill>
                   <a:srgbClr val="333333"/>
                 </a:solidFill>
@@ -16625,7 +15274,7 @@
               <a:buNone/>
             </a:pPr>
             <a:r>
-              <a:rPr lang="en-US" sz="1100" dirty="0">
+              <a:rPr lang="en-US" sz="1000" dirty="0">
                 <a:solidFill>
                   <a:srgbClr val="333333"/>
                 </a:solidFill>
@@ -16791,7 +15440,7 @@
 </p:sld>
 </file>
 
-<file path=ppt/slides/slide8.xml><?xml version="1.0" encoding="utf-8"?>
+<file path=ppt/slides/slide7.xml><?xml version="1.0" encoding="utf-8"?>
 <p:sld xmlns:a="http://schemas.openxmlformats.org/drawingml/2006/main" xmlns:r="http://schemas.openxmlformats.org/officeDocument/2006/relationships" xmlns:p="http://schemas.openxmlformats.org/presentationml/2006/main">
   <p:cSld>
     <p:spTree>
@@ -16810,14 +15459,69 @@
       </p:grpSpPr>
       <p:sp>
         <p:nvSpPr>
+          <p:cNvPr id="9" name="Rettangolo 1">
+            <a:extLst>
+              <a:ext uri="{FF2B5EF4-FFF2-40B4-BE49-F238E27FC236}">
+                <a16:creationId xmlns:a16="http://schemas.microsoft.com/office/drawing/2014/main" id="{85CD9628-0A4C-99FD-D0BC-D69B72DC99F9}"/>
+              </a:ext>
+            </a:extLst>
+          </p:cNvPr>
+          <p:cNvSpPr/>
+          <p:nvPr/>
+        </p:nvSpPr>
+        <p:spPr>
+          <a:xfrm>
+            <a:off x="5797899" y="0"/>
+            <a:ext cx="3344238" cy="5143500"/>
+          </a:xfrm>
+          <a:prstGeom prst="rect">
+            <a:avLst/>
+          </a:prstGeom>
+          <a:solidFill>
+            <a:schemeClr val="bg2">
+              <a:lumMod val="20000"/>
+              <a:lumOff val="80000"/>
+            </a:schemeClr>
+          </a:solidFill>
+          <a:ln w="12700">
+            <a:noFill/>
+          </a:ln>
+        </p:spPr>
+        <p:style>
+          <a:lnRef idx="2">
+            <a:schemeClr val="accent3">
+              <a:shade val="50000"/>
+            </a:schemeClr>
+          </a:lnRef>
+          <a:fillRef idx="1">
+            <a:schemeClr val="accent3"/>
+          </a:fillRef>
+          <a:effectRef idx="0">
+            <a:schemeClr val="accent3"/>
+          </a:effectRef>
+          <a:fontRef idx="minor">
+            <a:schemeClr val="lt1"/>
+          </a:fontRef>
+        </p:style>
+        <p:txBody>
+          <a:bodyPr rtlCol="0" anchor="ctr"/>
+          <a:lstStyle/>
+          <a:p>
+            <a:pPr algn="ctr"/>
+            <a:endParaRPr lang="it-IT"/>
+          </a:p>
+        </p:txBody>
+      </p:sp>
+      <p:sp>
+        <p:nvSpPr>
           <p:cNvPr id="180" name="Google Shape;180;p34"/>
           <p:cNvSpPr txBox="1"/>
           <p:nvPr/>
         </p:nvSpPr>
         <p:spPr>
           <a:xfrm>
-            <a:off x="567000" y="111350"/>
-            <a:ext cx="8010000" cy="476100"/>
+            <a:off x="369898" y="95939"/>
+            <a:ext cx="5058101" cy="476100"/>
           </a:xfrm>
           <a:prstGeom prst="rect">
             <a:avLst/>
@@ -16852,7 +15556,7 @@
                 <a:cs typeface="Lekton"/>
                 <a:sym typeface="Lekton"/>
               </a:rPr>
-              <a:t>European countries exceed 100% prison occupancy rate in the 2022</a:t>
+              <a:t>European countries exceed 100% prison occupancy in 2022</a:t>
             </a:r>
           </a:p>
         </p:txBody>
@@ -16871,8 +15575,8 @@
         </p:nvSpPr>
         <p:spPr>
           <a:xfrm>
-            <a:off x="4572000" y="1171539"/>
-            <a:ext cx="4630421" cy="3631763"/>
+            <a:off x="5797899" y="1009259"/>
+            <a:ext cx="3344238" cy="3785652"/>
           </a:xfrm>
           <a:prstGeom prst="rect">
             <a:avLst/>
@@ -16895,8 +15599,37 @@
                 </a:solidFill>
                 <a:latin typeface="Lekton"/>
               </a:rPr>
-              <a:t>Visual Description</a:t>
+              <a:t>Time series line chart (2014–2022) showing prison occupancy rate evolution across European countries exceeding 100% capacity, </a:t>
             </a:r>
+            <a:r>
+              <a:rPr lang="en-US" sz="1000" b="1" dirty="0">
+                <a:solidFill>
+                  <a:srgbClr val="333333"/>
+                </a:solidFill>
+                <a:latin typeface="Lekton"/>
+              </a:rPr>
+              <a:t>excluding smaller countries</a:t>
+            </a:r>
+            <a:r>
+              <a:rPr lang="en-US" sz="1000" dirty="0">
+                <a:solidFill>
+                  <a:srgbClr val="333333"/>
+                </a:solidFill>
+                <a:latin typeface="Lekton"/>
+              </a:rPr>
+              <a:t>.</a:t>
+            </a:r>
+          </a:p>
+          <a:p>
+            <a:pPr algn="l">
+              <a:buNone/>
+            </a:pPr>
+            <a:endParaRPr lang="en-US" sz="1000" dirty="0">
+              <a:solidFill>
+                <a:srgbClr val="333333"/>
+              </a:solidFill>
+              <a:latin typeface="Lekton"/>
+            </a:endParaRPr>
           </a:p>
           <a:p>
             <a:pPr algn="l">
@@ -16909,12 +15642,24 @@
                 </a:solidFill>
                 <a:latin typeface="Lekton"/>
               </a:rPr>
-              <a:t>Time series line chart (2014–2023) showing occupancy rate evolution for:</a:t>
+              <a:t>Key Insights</a:t>
             </a:r>
           </a:p>
           <a:p>
             <a:pPr algn="l">
               <a:buNone/>
+            </a:pPr>
+            <a:endParaRPr lang="en-US" sz="1000" dirty="0">
+              <a:solidFill>
+                <a:srgbClr val="333333"/>
+              </a:solidFill>
+              <a:latin typeface="Lekton"/>
+            </a:endParaRPr>
+          </a:p>
+          <a:p>
+            <a:pPr marL="171450" indent="-171450" algn="l">
+              <a:buFont typeface="Arial" panose="020B0604020202020204" pitchFamily="34" charset="0"/>
+              <a:buChar char="•"/>
             </a:pPr>
             <a:r>
               <a:rPr lang="en-US" sz="1000" dirty="0">
@@ -16923,12 +15668,49 @@
                 </a:solidFill>
                 <a:latin typeface="Lekton"/>
               </a:rPr>
-              <a:t>Italy, France, Belgium, Liechtenstein, Sweden</a:t>
+              <a:t>10-year horizon: </a:t>
             </a:r>
-          </a:p>
-          <a:p>
-            <a:pPr algn="l">
-              <a:buNone/>
+            <a:r>
+              <a:rPr lang="en-US" sz="1000" b="1" dirty="0">
+                <a:solidFill>
+                  <a:srgbClr val="333333"/>
+                </a:solidFill>
+                <a:latin typeface="Lekton"/>
+              </a:rPr>
+              <a:t>overcrowding is not temporary</a:t>
+            </a:r>
+            <a:r>
+              <a:rPr lang="en-US" sz="1000" dirty="0">
+                <a:solidFill>
+                  <a:srgbClr val="333333"/>
+                </a:solidFill>
+                <a:latin typeface="Lekton"/>
+              </a:rPr>
+              <a:t>,</a:t>
+            </a:r>
+            <a:r>
+              <a:rPr lang="en-US" sz="1000" b="1" dirty="0">
+                <a:solidFill>
+                  <a:srgbClr val="333333"/>
+                </a:solidFill>
+                <a:latin typeface="Lekton"/>
+              </a:rPr>
+              <a:t> </a:t>
+            </a:r>
+            <a:r>
+              <a:rPr lang="en-US" sz="1000" dirty="0">
+                <a:solidFill>
+                  <a:srgbClr val="333333"/>
+                </a:solidFill>
+                <a:latin typeface="Lekton"/>
+              </a:rPr>
+              <a:t>it's a structural issue in Southern Europe</a:t>
+            </a:r>
+          </a:p>
+          <a:p>
+            <a:pPr marL="171450" indent="-171450" algn="l">
+              <a:buFont typeface="Arial" panose="020B0604020202020204" pitchFamily="34" charset="0"/>
+              <a:buChar char="•"/>
             </a:pPr>
             <a:r>
               <a:rPr lang="en-US" sz="1000" dirty="0">
@@ -16937,41 +15719,80 @@
                 </a:solidFill>
                 <a:latin typeface="Lekton"/>
               </a:rPr>
-              <a:t>EU27 average (reference baseline)</a:t>
+              <a:t>Regional patterns: countries like France, Belgium, Italy and Romania show sustained overcrowding, indicating systemic capacity deficits rather than cyclical pressures</a:t>
             </a:r>
           </a:p>
           <a:p>
-            <a:pPr algn="l">
-              <a:buNone/>
+            <a:pPr algn="l"/>
+            <a:endParaRPr lang="en-US" sz="1000" dirty="0">
+              <a:solidFill>
+                <a:srgbClr val="333333"/>
+              </a:solidFill>
+              <a:latin typeface="Lekton"/>
+            </a:endParaRPr>
+          </a:p>
+          <a:p>
+            <a:pPr algn="l"/>
+            <a:r>
+              <a:rPr lang="en-US" sz="1000" dirty="0">
+                <a:solidFill>
+                  <a:srgbClr val="333333"/>
+                </a:solidFill>
+                <a:latin typeface="Lekton"/>
+              </a:rPr>
+              <a:t>Divergent trajectories</a:t>
+            </a:r>
+          </a:p>
+          <a:p>
+            <a:pPr marL="171450" indent="-171450" algn="l">
+              <a:buFont typeface="Arial" panose="020B0604020202020204" pitchFamily="34" charset="0"/>
+              <a:buChar char="•"/>
+            </a:pPr>
+            <a:endParaRPr lang="en-US" sz="1000" dirty="0">
+              <a:solidFill>
+                <a:srgbClr val="333333"/>
+              </a:solidFill>
+              <a:latin typeface="Lekton"/>
+            </a:endParaRPr>
+          </a:p>
+          <a:p>
+            <a:pPr marL="171450" lvl="2" indent="-171450">
+              <a:buFont typeface="Arial" panose="020B0604020202020204" pitchFamily="34" charset="0"/>
+              <a:buChar char="•"/>
             </a:pPr>
             <a:r>
+              <a:rPr lang="en-US" sz="1000" b="1" dirty="0">
+                <a:solidFill>
+                  <a:srgbClr val="333333"/>
+                </a:solidFill>
+                <a:latin typeface="Lekton"/>
+              </a:rPr>
+              <a:t>Hungary displays a consistent downward trend</a:t>
+            </a:r>
+            <a:r>
               <a:rPr lang="en-US" sz="1000" dirty="0">
                 <a:solidFill>
                   <a:srgbClr val="333333"/>
                 </a:solidFill>
                 <a:latin typeface="Lekton"/>
               </a:rPr>
-              <a:t>Red dashed line at 100%: overcrowding threshold</a:t>
+              <a:t>, declining from 142% (2014) to 104% (2022), suggesting successful prison decongestion policies</a:t>
             </a:r>
           </a:p>
           <a:p>
-            <a:pPr algn="l">
-              <a:buNone/>
+            <a:pPr marL="171450" indent="-171450" algn="l">
+              <a:buFont typeface="Arial" panose="020B0604020202020204" pitchFamily="34" charset="0"/>
+              <a:buChar char="•"/>
             </a:pPr>
             <a:r>
-              <a:rPr lang="en-US" sz="1000" dirty="0">
+              <a:rPr lang="en-US" sz="1000" b="1" dirty="0">
                 <a:solidFill>
                   <a:srgbClr val="333333"/>
                 </a:solidFill>
                 <a:latin typeface="Lekton"/>
               </a:rPr>
-              <a:t>What the chart shows</a:t>
+              <a:t>Croatia shows the opposite pattern</a:t>
             </a:r>
-          </a:p>
-          <a:p>
-            <a:pPr algn="l">
-              <a:buNone/>
-            </a:pPr>
             <a:r>
               <a:rPr lang="en-US" sz="1000" dirty="0">
                 <a:solidFill>
@@ -16979,155 +15800,423 @@
                 </a:solidFill>
                 <a:latin typeface="Lekton"/>
               </a:rPr>
-              <a:t>Liechtenstein: Extreme volatility (265% → 360% → 218%), unmanageable swings</a:t>
-            </a:r>
-          </a:p>
-          <a:p>
-            <a:pPr algn="l">
-              <a:buNone/>
-            </a:pPr>
-            <a:r>
-              <a:rPr lang="en-US" sz="1000" dirty="0">
-                <a:solidFill>
-                  <a:srgbClr val="333333"/>
-                </a:solidFill>
-                <a:latin typeface="Lekton"/>
-              </a:rPr>
-              <a:t>Italy: Consistent upward trend (90% → 119%), worsening crisis</a:t>
-            </a:r>
-          </a:p>
-          <a:p>
-            <a:pPr algn="l">
-              <a:buNone/>
-            </a:pPr>
-            <a:r>
-              <a:rPr lang="en-US" sz="1000" dirty="0">
-                <a:solidFill>
-                  <a:srgbClr val="333333"/>
-                </a:solidFill>
-                <a:latin typeface="Lekton"/>
-              </a:rPr>
-              <a:t>France: Stable overcrowding (120–125%), persistent problem</a:t>
-            </a:r>
-          </a:p>
-          <a:p>
-            <a:pPr algn="l">
-              <a:buNone/>
-            </a:pPr>
-            <a:r>
-              <a:rPr lang="en-US" sz="1000" dirty="0">
-                <a:solidFill>
-                  <a:srgbClr val="333333"/>
-                </a:solidFill>
-                <a:latin typeface="Lekton"/>
-              </a:rPr>
-              <a:t>Belgium: Slight improvement (115% → 113%), but still overcrowded</a:t>
-            </a:r>
-          </a:p>
-          <a:p>
-            <a:pPr algn="l">
-              <a:buNone/>
-            </a:pPr>
-            <a:r>
-              <a:rPr lang="en-US" sz="1000" dirty="0">
-                <a:solidFill>
-                  <a:srgbClr val="333333"/>
-                </a:solidFill>
-                <a:latin typeface="Lekton"/>
-              </a:rPr>
-              <a:t>Sweden: Volatile but recent improvement (112% → 107%), positive trajectory</a:t>
-            </a:r>
-          </a:p>
-          <a:p>
-            <a:pPr algn="l">
-              <a:buNone/>
-            </a:pPr>
-            <a:r>
-              <a:rPr lang="en-US" sz="1000" dirty="0">
-                <a:solidFill>
-                  <a:srgbClr val="333333"/>
-                </a:solidFill>
-                <a:latin typeface="Lekton"/>
-              </a:rPr>
-              <a:t>EU average: Stable around 95%, slight downward trend (good management overall)</a:t>
-            </a:r>
-          </a:p>
-          <a:p>
-            <a:pPr algn="l">
-              <a:buNone/>
-            </a:pPr>
-            <a:r>
-              <a:rPr lang="en-US" sz="1000" dirty="0">
-                <a:solidFill>
-                  <a:srgbClr val="333333"/>
-                </a:solidFill>
-                <a:latin typeface="Lekton"/>
-              </a:rPr>
-              <a:t>Key insights</a:t>
-            </a:r>
-          </a:p>
-          <a:p>
-            <a:pPr algn="l">
-              <a:buNone/>
-            </a:pPr>
-            <a:r>
-              <a:rPr lang="en-US" sz="1000" dirty="0">
-                <a:solidFill>
-                  <a:srgbClr val="333333"/>
-                </a:solidFill>
-                <a:latin typeface="Lekton"/>
-              </a:rPr>
-              <a:t>Italy's problem is worsening, not improving (straight +29pp line)</a:t>
-            </a:r>
-          </a:p>
-          <a:p>
-            <a:pPr algn="l">
-              <a:buNone/>
-            </a:pPr>
-            <a:r>
-              <a:rPr lang="en-US" sz="1000" dirty="0">
-                <a:solidFill>
-                  <a:srgbClr val="333333"/>
-                </a:solidFill>
-                <a:latin typeface="Lekton"/>
-              </a:rPr>
-              <a:t>Liechtenstein is uncontrollable (likely administrative/immigration issues)</a:t>
-            </a:r>
-          </a:p>
-          <a:p>
-            <a:pPr algn="l">
-              <a:buNone/>
-            </a:pPr>
-            <a:r>
-              <a:rPr lang="en-US" sz="1000" dirty="0">
-                <a:solidFill>
-                  <a:srgbClr val="333333"/>
-                </a:solidFill>
-                <a:latin typeface="Lekton"/>
-              </a:rPr>
-              <a:t>Northern countries do better (Sweden improving; EU avg stable)</a:t>
-            </a:r>
-          </a:p>
-          <a:p>
-            <a:pPr algn="l">
-              <a:buNone/>
-            </a:pPr>
-            <a:r>
-              <a:rPr lang="en-US" sz="1000" dirty="0">
-                <a:solidFill>
-                  <a:srgbClr val="333333"/>
-                </a:solidFill>
-                <a:latin typeface="Lekton"/>
-              </a:rPr>
-              <a:t>10-year horizon: Overcrowding is NOT temporary; it's structural in Southern Europe</a:t>
+              <a:t>, rising from 94% (2014) to 104% (2022), indicating worsening overcrowding despite initial lower capacity pressure</a:t>
             </a:r>
           </a:p>
         </p:txBody>
       </p:sp>
+      <p:pic>
+        <p:nvPicPr>
+          <p:cNvPr id="7" name="Picture 6" descr="A graph with colorful lines and numbers">
+            <a:extLst>
+              <a:ext uri="{FF2B5EF4-FFF2-40B4-BE49-F238E27FC236}">
+                <a16:creationId xmlns:a16="http://schemas.microsoft.com/office/drawing/2014/main" id="{3ECF36DD-9113-490A-7FBB-1499BDB4493B}"/>
+              </a:ext>
+            </a:extLst>
+          </p:cNvPr>
+          <p:cNvPicPr>
+            <a:picLocks noChangeAspect="1"/>
+          </p:cNvPicPr>
+          <p:nvPr/>
+        </p:nvPicPr>
+        <p:blipFill>
+          <a:blip r:embed="rId3"/>
+          <a:stretch>
+            <a:fillRect/>
+          </a:stretch>
+        </p:blipFill>
+        <p:spPr>
+          <a:xfrm>
+            <a:off x="0" y="1235291"/>
+            <a:ext cx="5797899" cy="2898950"/>
+          </a:xfrm>
+          <a:prstGeom prst="rect">
+            <a:avLst/>
+          </a:prstGeom>
+        </p:spPr>
+      </p:pic>
     </p:spTree>
     <p:extLst>
       <p:ext uri="{BB962C8B-B14F-4D97-AF65-F5344CB8AC3E}">
         <p14:creationId xmlns:p14="http://schemas.microsoft.com/office/powerpoint/2010/main" val="1368308663"/>
+      </p:ext>
+    </p:extLst>
+  </p:cSld>
+  <p:clrMapOvr>
+    <a:masterClrMapping/>
+  </p:clrMapOvr>
+</p:sld>
+</file>
+
+<file path=ppt/slides/slide8.xml><?xml version="1.0" encoding="utf-8"?>
+<p:sld xmlns:a="http://schemas.openxmlformats.org/drawingml/2006/main" xmlns:r="http://schemas.openxmlformats.org/officeDocument/2006/relationships" xmlns:p="http://schemas.openxmlformats.org/presentationml/2006/main">
+  <p:cSld>
+    <p:spTree>
+      <p:nvGrpSpPr>
+        <p:cNvPr id="1" name="Shape 179">
+          <a:extLst>
+            <a:ext uri="{FF2B5EF4-FFF2-40B4-BE49-F238E27FC236}">
+              <a16:creationId xmlns:a16="http://schemas.microsoft.com/office/drawing/2014/main" id="{9EFE0D3A-6FBE-B5C5-C137-0C9C1A6D7527}"/>
+            </a:ext>
+          </a:extLst>
+        </p:cNvPr>
+        <p:cNvGrpSpPr/>
+        <p:nvPr/>
+      </p:nvGrpSpPr>
+      <p:grpSpPr>
+        <a:xfrm>
+          <a:off x="0" y="0"/>
+          <a:ext cx="0" cy="0"/>
+          <a:chOff x="0" y="0"/>
+          <a:chExt cx="0" cy="0"/>
+        </a:xfrm>
+      </p:grpSpPr>
+      <p:sp>
+        <p:nvSpPr>
+          <p:cNvPr id="9" name="Rettangolo 1">
+            <a:extLst>
+              <a:ext uri="{FF2B5EF4-FFF2-40B4-BE49-F238E27FC236}">
+                <a16:creationId xmlns:a16="http://schemas.microsoft.com/office/drawing/2014/main" id="{D1FA6EAC-7FCB-D83C-FAC0-01AE45D4C290}"/>
+              </a:ext>
+            </a:extLst>
+          </p:cNvPr>
+          <p:cNvSpPr/>
+          <p:nvPr/>
+        </p:nvSpPr>
+        <p:spPr>
+          <a:xfrm>
+            <a:off x="5797899" y="0"/>
+            <a:ext cx="3344238" cy="5143500"/>
+          </a:xfrm>
+          <a:prstGeom prst="rect">
+            <a:avLst/>
+          </a:prstGeom>
+          <a:solidFill>
+            <a:schemeClr val="bg2">
+              <a:lumMod val="20000"/>
+              <a:lumOff val="80000"/>
+            </a:schemeClr>
+          </a:solidFill>
+          <a:ln w="12700">
+            <a:noFill/>
+          </a:ln>
+        </p:spPr>
+        <p:style>
+          <a:lnRef idx="2">
+            <a:schemeClr val="accent3">
+              <a:shade val="50000"/>
+            </a:schemeClr>
+          </a:lnRef>
+          <a:fillRef idx="1">
+            <a:schemeClr val="accent3"/>
+          </a:fillRef>
+          <a:effectRef idx="0">
+            <a:schemeClr val="accent3"/>
+          </a:effectRef>
+          <a:fontRef idx="minor">
+            <a:schemeClr val="lt1"/>
+          </a:fontRef>
+        </p:style>
+        <p:txBody>
+          <a:bodyPr rtlCol="0" anchor="ctr"/>
+          <a:lstStyle/>
+          <a:p>
+            <a:pPr algn="ctr"/>
+            <a:endParaRPr lang="it-IT"/>
+          </a:p>
+        </p:txBody>
+      </p:sp>
+      <p:sp>
+        <p:nvSpPr>
+          <p:cNvPr id="180" name="Google Shape;180;p34">
+            <a:extLst>
+              <a:ext uri="{FF2B5EF4-FFF2-40B4-BE49-F238E27FC236}">
+                <a16:creationId xmlns:a16="http://schemas.microsoft.com/office/drawing/2014/main" id="{BB214E10-E796-40AE-0C98-7E1C0FD800E4}"/>
+              </a:ext>
+            </a:extLst>
+          </p:cNvPr>
+          <p:cNvSpPr txBox="1"/>
+          <p:nvPr/>
+        </p:nvSpPr>
+        <p:spPr>
+          <a:xfrm>
+            <a:off x="369898" y="95939"/>
+            <a:ext cx="5058101" cy="476100"/>
+          </a:xfrm>
+          <a:prstGeom prst="rect">
+            <a:avLst/>
+          </a:prstGeom>
+          <a:noFill/>
+          <a:ln>
+            <a:noFill/>
+          </a:ln>
+        </p:spPr>
+        <p:txBody>
+          <a:bodyPr spcFirstLastPara="1" wrap="square" lIns="0" tIns="0" rIns="0" bIns="0" anchor="t" anchorCtr="0">
+            <a:noAutofit/>
+          </a:bodyPr>
+          <a:lstStyle/>
+          <a:p>
+            <a:pPr lvl="0" algn="ctr">
+              <a:spcBef>
+                <a:spcPts val="1000"/>
+              </a:spcBef>
+              <a:buClr>
+                <a:schemeClr val="dk1"/>
+              </a:buClr>
+              <a:buSzPts val="1100"/>
+            </a:pPr>
+            <a:r>
+              <a:rPr lang="en-US" sz="1800" b="1" dirty="0">
+                <a:solidFill>
+                  <a:srgbClr val="D66B55"/>
+                </a:solidFill>
+                <a:latin typeface="Lekton"/>
+                <a:ea typeface="Lekton"/>
+                <a:cs typeface="Lekton"/>
+                <a:sym typeface="Lekton"/>
+              </a:rPr>
+              <a:t>Prison capacity management success across Europe in 2022</a:t>
+            </a:r>
+          </a:p>
+        </p:txBody>
+      </p:sp>
+      <p:sp>
+        <p:nvSpPr>
+          <p:cNvPr id="8" name="TextBox 7">
+            <a:extLst>
+              <a:ext uri="{FF2B5EF4-FFF2-40B4-BE49-F238E27FC236}">
+                <a16:creationId xmlns:a16="http://schemas.microsoft.com/office/drawing/2014/main" id="{2C7A12B2-647C-9419-78E4-713D9C9F023D}"/>
+              </a:ext>
+            </a:extLst>
+          </p:cNvPr>
+          <p:cNvSpPr txBox="1"/>
+          <p:nvPr/>
+        </p:nvSpPr>
+        <p:spPr>
+          <a:xfrm>
+            <a:off x="5797899" y="1009259"/>
+            <a:ext cx="3344238" cy="4093428"/>
+          </a:xfrm>
+          <a:prstGeom prst="rect">
+            <a:avLst/>
+          </a:prstGeom>
+          <a:noFill/>
+        </p:spPr>
+        <p:txBody>
+          <a:bodyPr wrap="square">
+            <a:spAutoFit/>
+          </a:bodyPr>
+          <a:lstStyle/>
+          <a:p>
+            <a:pPr algn="l">
+              <a:buNone/>
+            </a:pPr>
+            <a:r>
+              <a:rPr lang="en-US" sz="1000" dirty="0">
+                <a:solidFill>
+                  <a:srgbClr val="333333"/>
+                </a:solidFill>
+                <a:latin typeface="Lekton"/>
+              </a:rPr>
+              <a:t>Time series line chart (2014–2022) showing prison occupancy rates for </a:t>
+            </a:r>
+            <a:r>
+              <a:rPr lang="en-US" sz="1000" b="1" dirty="0">
+                <a:solidFill>
+                  <a:srgbClr val="333333"/>
+                </a:solidFill>
+                <a:latin typeface="Lekton"/>
+              </a:rPr>
+              <a:t>10 European countries consistently maintaining capacity below 100%</a:t>
+            </a:r>
+            <a:r>
+              <a:rPr lang="en-US" sz="1000" dirty="0">
+                <a:solidFill>
+                  <a:srgbClr val="333333"/>
+                </a:solidFill>
+                <a:latin typeface="Lekton"/>
+              </a:rPr>
+              <a:t>, demonstrating effective prison management systems.</a:t>
+            </a:r>
+          </a:p>
+          <a:p>
+            <a:pPr algn="l">
+              <a:buNone/>
+            </a:pPr>
+            <a:endParaRPr lang="en-US" sz="1000" dirty="0">
+              <a:solidFill>
+                <a:srgbClr val="333333"/>
+              </a:solidFill>
+              <a:latin typeface="Lekton"/>
+            </a:endParaRPr>
+          </a:p>
+          <a:p>
+            <a:pPr algn="l">
+              <a:buNone/>
+            </a:pPr>
+            <a:r>
+              <a:rPr lang="en-US" sz="1000" dirty="0">
+                <a:solidFill>
+                  <a:srgbClr val="333333"/>
+                </a:solidFill>
+                <a:latin typeface="Lekton"/>
+              </a:rPr>
+              <a:t>Key Insights</a:t>
+            </a:r>
+          </a:p>
+          <a:p>
+            <a:pPr algn="l">
+              <a:buNone/>
+            </a:pPr>
+            <a:endParaRPr lang="en-US" sz="1000" dirty="0">
+              <a:solidFill>
+                <a:srgbClr val="333333"/>
+              </a:solidFill>
+              <a:latin typeface="Lekton"/>
+            </a:endParaRPr>
+          </a:p>
+          <a:p>
+            <a:pPr marL="171450" indent="-171450" algn="l">
+              <a:buFont typeface="Arial" panose="020B0604020202020204" pitchFamily="34" charset="0"/>
+              <a:buChar char="•"/>
+            </a:pPr>
+            <a:r>
+              <a:rPr lang="en-US" sz="1000" dirty="0">
+                <a:solidFill>
+                  <a:srgbClr val="333333"/>
+                </a:solidFill>
+                <a:latin typeface="Lekton"/>
+              </a:rPr>
+              <a:t>Consistent capacity management: countries like Estonia, Bulgaria, Malta, and Lithuania have achieved sustained occupancy rates well below 100%, with rates ranging from 58–79% in 2022</a:t>
+            </a:r>
+          </a:p>
+          <a:p>
+            <a:pPr marL="171450" indent="-171450" algn="l">
+              <a:buFont typeface="Arial" panose="020B0604020202020204" pitchFamily="34" charset="0"/>
+              <a:buChar char="•"/>
+            </a:pPr>
+            <a:r>
+              <a:rPr lang="en-US" sz="1000" b="1" dirty="0">
+                <a:solidFill>
+                  <a:srgbClr val="333333"/>
+                </a:solidFill>
+                <a:latin typeface="Lekton"/>
+              </a:rPr>
+              <a:t>Diverse starting points</a:t>
+            </a:r>
+            <a:r>
+              <a:rPr lang="en-US" sz="1000" dirty="0">
+                <a:solidFill>
+                  <a:srgbClr val="333333"/>
+                </a:solidFill>
+                <a:latin typeface="Lekton"/>
+              </a:rPr>
+              <a:t>: while Estonia started above 100% (102.43% in 2014), it successfully decongested to 62.18% by 2022—demonstrating that capacity reform is achievable</a:t>
+            </a:r>
+          </a:p>
+          <a:p>
+            <a:pPr marL="171450" indent="-171450" algn="l">
+              <a:buFont typeface="Arial" panose="020B0604020202020204" pitchFamily="34" charset="0"/>
+              <a:buChar char="•"/>
+            </a:pPr>
+            <a:r>
+              <a:rPr lang="en-US" sz="1000" dirty="0">
+                <a:solidFill>
+                  <a:srgbClr val="333333"/>
+                </a:solidFill>
+                <a:latin typeface="Lekton"/>
+              </a:rPr>
+              <a:t>Stable trajectories: </a:t>
+            </a:r>
+            <a:r>
+              <a:rPr lang="en-US" sz="1000" b="1" dirty="0">
+                <a:solidFill>
+                  <a:srgbClr val="333333"/>
+                </a:solidFill>
+                <a:latin typeface="Lekton"/>
+              </a:rPr>
+              <a:t>Germany and Spain maintain steady, moderate occupancy rates </a:t>
+            </a:r>
+            <a:r>
+              <a:rPr lang="en-US" sz="1000" dirty="0">
+                <a:solidFill>
+                  <a:srgbClr val="333333"/>
+                </a:solidFill>
+                <a:latin typeface="Lekton"/>
+              </a:rPr>
+              <a:t>(79% and 75% respectively), reflecting long-term prison management sustainability</a:t>
+            </a:r>
+          </a:p>
+          <a:p>
+            <a:pPr marL="171450" indent="-171450" algn="l">
+              <a:buFont typeface="Arial" panose="020B0604020202020204" pitchFamily="34" charset="0"/>
+              <a:buChar char="•"/>
+            </a:pPr>
+            <a:r>
+              <a:rPr lang="en-US" sz="1000" dirty="0">
+                <a:solidFill>
+                  <a:srgbClr val="333333"/>
+                </a:solidFill>
+                <a:latin typeface="Lekton"/>
+              </a:rPr>
+              <a:t>Policy success model: These countries represent best-practice examples of prison system organization, particularly through </a:t>
+            </a:r>
+            <a:r>
+              <a:rPr lang="en-US" sz="1000" b="1" dirty="0">
+                <a:solidFill>
+                  <a:srgbClr val="333333"/>
+                </a:solidFill>
+                <a:latin typeface="Lekton"/>
+              </a:rPr>
+              <a:t>strategic decongestion policies</a:t>
+            </a:r>
+            <a:r>
+              <a:rPr lang="en-US" sz="1000" dirty="0">
+                <a:solidFill>
+                  <a:srgbClr val="333333"/>
+                </a:solidFill>
+                <a:latin typeface="Lekton"/>
+              </a:rPr>
+              <a:t> (visible in Estonia and Bulgaria)</a:t>
+            </a:r>
+          </a:p>
+        </p:txBody>
+      </p:sp>
+      <p:pic>
+        <p:nvPicPr>
+          <p:cNvPr id="3" name="Picture 2" descr="A graph of different colored lines&#10;&#10;AI-generated content may be incorrect.">
+            <a:extLst>
+              <a:ext uri="{FF2B5EF4-FFF2-40B4-BE49-F238E27FC236}">
+                <a16:creationId xmlns:a16="http://schemas.microsoft.com/office/drawing/2014/main" id="{55C67405-BD1E-95F9-D98C-5F862718157E}"/>
+              </a:ext>
+            </a:extLst>
+          </p:cNvPr>
+          <p:cNvPicPr>
+            <a:picLocks noChangeAspect="1"/>
+          </p:cNvPicPr>
+          <p:nvPr/>
+        </p:nvPicPr>
+        <p:blipFill>
+          <a:blip r:embed="rId3"/>
+          <a:stretch>
+            <a:fillRect/>
+          </a:stretch>
+        </p:blipFill>
+        <p:spPr>
+          <a:xfrm>
+            <a:off x="-2" y="1452610"/>
+            <a:ext cx="5797900" cy="2898950"/>
+          </a:xfrm>
+          <a:prstGeom prst="rect">
+            <a:avLst/>
+          </a:prstGeom>
+        </p:spPr>
+      </p:pic>
+    </p:spTree>
+    <p:extLst>
+      <p:ext uri="{BB962C8B-B14F-4D97-AF65-F5344CB8AC3E}">
+        <p14:creationId xmlns:p14="http://schemas.microsoft.com/office/powerpoint/2010/main" val="3752186159"/>
       </p:ext>
     </p:extLst>
   </p:cSld>
@@ -17142,7 +16231,13 @@
   <p:cSld>
     <p:spTree>
       <p:nvGrpSpPr>
-        <p:cNvPr id="1" name="Shape 179"/>
+        <p:cNvPr id="1" name="Shape 179">
+          <a:extLst>
+            <a:ext uri="{FF2B5EF4-FFF2-40B4-BE49-F238E27FC236}">
+              <a16:creationId xmlns:a16="http://schemas.microsoft.com/office/drawing/2014/main" id="{0EB18DB0-2CB3-9551-CE97-8EE1961F586B}"/>
+            </a:ext>
+          </a:extLst>
+        </p:cNvPr>
         <p:cNvGrpSpPr/>
         <p:nvPr/>
       </p:nvGrpSpPr>
@@ -17156,14 +16251,75 @@
       </p:grpSpPr>
       <p:sp>
         <p:nvSpPr>
-          <p:cNvPr id="180" name="Google Shape;180;p34"/>
+          <p:cNvPr id="9" name="Rettangolo 1">
+            <a:extLst>
+              <a:ext uri="{FF2B5EF4-FFF2-40B4-BE49-F238E27FC236}">
+                <a16:creationId xmlns:a16="http://schemas.microsoft.com/office/drawing/2014/main" id="{6C9041E5-8E26-F5FE-A89F-7E8B20928106}"/>
+              </a:ext>
+            </a:extLst>
+          </p:cNvPr>
+          <p:cNvSpPr/>
+          <p:nvPr/>
+        </p:nvSpPr>
+        <p:spPr>
+          <a:xfrm>
+            <a:off x="5797899" y="0"/>
+            <a:ext cx="3344238" cy="5143500"/>
+          </a:xfrm>
+          <a:prstGeom prst="rect">
+            <a:avLst/>
+          </a:prstGeom>
+          <a:solidFill>
+            <a:schemeClr val="bg2">
+              <a:lumMod val="20000"/>
+              <a:lumOff val="80000"/>
+            </a:schemeClr>
+          </a:solidFill>
+          <a:ln w="12700">
+            <a:noFill/>
+          </a:ln>
+        </p:spPr>
+        <p:style>
+          <a:lnRef idx="2">
+            <a:schemeClr val="accent3">
+              <a:shade val="50000"/>
+            </a:schemeClr>
+          </a:lnRef>
+          <a:fillRef idx="1">
+            <a:schemeClr val="accent3"/>
+          </a:fillRef>
+          <a:effectRef idx="0">
+            <a:schemeClr val="accent3"/>
+          </a:effectRef>
+          <a:fontRef idx="minor">
+            <a:schemeClr val="lt1"/>
+          </a:fontRef>
+        </p:style>
+        <p:txBody>
+          <a:bodyPr rtlCol="0" anchor="ctr"/>
+          <a:lstStyle/>
+          <a:p>
+            <a:pPr algn="ctr"/>
+            <a:endParaRPr lang="it-IT"/>
+          </a:p>
+        </p:txBody>
+      </p:sp>
+      <p:sp>
+        <p:nvSpPr>
+          <p:cNvPr id="180" name="Google Shape;180;p34">
+            <a:extLst>
+              <a:ext uri="{FF2B5EF4-FFF2-40B4-BE49-F238E27FC236}">
+                <a16:creationId xmlns:a16="http://schemas.microsoft.com/office/drawing/2014/main" id="{207A22B4-D393-4CCF-AD74-50D3D690E8E9}"/>
+              </a:ext>
+            </a:extLst>
+          </p:cNvPr>
           <p:cNvSpPr txBox="1"/>
           <p:nvPr/>
         </p:nvSpPr>
         <p:spPr>
           <a:xfrm>
-            <a:off x="567000" y="111350"/>
-            <a:ext cx="8010000" cy="476100"/>
+            <a:off x="374922" y="111012"/>
+            <a:ext cx="5058101" cy="476100"/>
           </a:xfrm>
           <a:prstGeom prst="rect">
             <a:avLst/>
@@ -17198,7 +16354,7 @@
                 <a:cs typeface="Lekton"/>
                 <a:sym typeface="Lekton"/>
               </a:rPr>
-              <a:t>European countries have been most successful in maintained occupancy rates below capacity in the 2022</a:t>
+              <a:t>Prison population trends in smaller European systems (2014–2022)</a:t>
             </a:r>
           </a:p>
         </p:txBody>
@@ -17208,7 +16364,7 @@
           <p:cNvPr id="8" name="TextBox 7">
             <a:extLst>
               <a:ext uri="{FF2B5EF4-FFF2-40B4-BE49-F238E27FC236}">
-                <a16:creationId xmlns:a16="http://schemas.microsoft.com/office/drawing/2014/main" id="{4B15ACC2-9BD0-A397-E2B5-AA9B98489E73}"/>
+                <a16:creationId xmlns:a16="http://schemas.microsoft.com/office/drawing/2014/main" id="{2088EFE5-5C57-AD28-FDC8-297C9E1E8754}"/>
               </a:ext>
             </a:extLst>
           </p:cNvPr>
@@ -17217,8 +16373,8 @@
         </p:nvSpPr>
         <p:spPr>
           <a:xfrm>
-            <a:off x="4572000" y="1171539"/>
-            <a:ext cx="4630421" cy="3631763"/>
+            <a:off x="5797899" y="1009259"/>
+            <a:ext cx="3344238" cy="3939540"/>
           </a:xfrm>
           <a:prstGeom prst="rect">
             <a:avLst/>
@@ -17241,8 +16397,37 @@
                 </a:solidFill>
                 <a:latin typeface="Lekton"/>
               </a:rPr>
-              <a:t>Visual Description</a:t>
+              <a:t>Time series line chart (2014–2022) tracking prison occupancy rates in </a:t>
             </a:r>
+            <a:r>
+              <a:rPr lang="en-US" sz="1000" b="1" dirty="0">
+                <a:solidFill>
+                  <a:srgbClr val="333333"/>
+                </a:solidFill>
+                <a:latin typeface="Lekton"/>
+              </a:rPr>
+              <a:t>Europe's smallest prison systems</a:t>
+            </a:r>
+            <a:r>
+              <a:rPr lang="en-US" sz="1000" dirty="0">
+                <a:solidFill>
+                  <a:srgbClr val="333333"/>
+                </a:solidFill>
+                <a:latin typeface="Lekton"/>
+              </a:rPr>
+              <a:t>: Cyprus, Iceland, Liechtenstein, and Malta.</a:t>
+            </a:r>
+          </a:p>
+          <a:p>
+            <a:pPr algn="l">
+              <a:buNone/>
+            </a:pPr>
+            <a:endParaRPr lang="en-US" sz="1000" dirty="0">
+              <a:solidFill>
+                <a:srgbClr val="333333"/>
+              </a:solidFill>
+              <a:latin typeface="Lekton"/>
+            </a:endParaRPr>
           </a:p>
           <a:p>
             <a:pPr algn="l">
@@ -17255,8 +16440,19 @@
                 </a:solidFill>
                 <a:latin typeface="Lekton"/>
               </a:rPr>
-              <a:t>Time series line chart (2014–2023) showing occupancy rate evolution for:</a:t>
+              <a:t>Key Insights</a:t>
             </a:r>
+          </a:p>
+          <a:p>
+            <a:pPr algn="l">
+              <a:buNone/>
+            </a:pPr>
+            <a:endParaRPr lang="en-US" sz="1000" dirty="0">
+              <a:solidFill>
+                <a:srgbClr val="333333"/>
+              </a:solidFill>
+              <a:latin typeface="Lekton"/>
+            </a:endParaRPr>
           </a:p>
           <a:p>
             <a:pPr algn="l">
@@ -17269,12 +16465,33 @@
                 </a:solidFill>
                 <a:latin typeface="Lekton"/>
               </a:rPr>
-              <a:t>Italy, France, Belgium, Liechtenstein, Sweden</a:t>
+              <a:t>Extreme volatility in small populations: with absolute prison populations under 1,000, these micro-systems exhibit dramatic occupancy fluctuations. </a:t>
             </a:r>
+            <a:r>
+              <a:rPr lang="en-US" sz="1000" b="1" dirty="0">
+                <a:solidFill>
+                  <a:srgbClr val="333333"/>
+                </a:solidFill>
+                <a:latin typeface="Lekton"/>
+              </a:rPr>
+              <a:t>A single admission or release represents a significant percentage change in system capacity</a:t>
+            </a:r>
           </a:p>
           <a:p>
             <a:pPr algn="l">
               <a:buNone/>
+            </a:pPr>
+            <a:endParaRPr lang="en-US" sz="1000" dirty="0">
+              <a:solidFill>
+                <a:srgbClr val="333333"/>
+              </a:solidFill>
+              <a:latin typeface="Lekton"/>
+            </a:endParaRPr>
+          </a:p>
+          <a:p>
+            <a:pPr marL="171450" indent="-171450" algn="l">
+              <a:buFont typeface="Arial" panose="020B0604020202020204" pitchFamily="34" charset="0"/>
+              <a:buChar char="•"/>
             </a:pPr>
             <a:r>
               <a:rPr lang="en-US" sz="1000" dirty="0">
@@ -17283,12 +16500,13 @@
                 </a:solidFill>
                 <a:latin typeface="Lekton"/>
               </a:rPr>
-              <a:t>EU27 average (reference baseline)</a:t>
+              <a:t>Cyprus: climbs from 114% (2018) to 226% (2022)—a 99-point surge driven by minimal absolute population changes</a:t>
             </a:r>
           </a:p>
           <a:p>
-            <a:pPr algn="l">
-              <a:buNone/>
+            <a:pPr marL="171450" indent="-171450" algn="l">
+              <a:buFont typeface="Arial" panose="020B0604020202020204" pitchFamily="34" charset="0"/>
+              <a:buChar char="•"/>
             </a:pPr>
             <a:r>
               <a:rPr lang="en-US" sz="1000" dirty="0">
@@ -17297,12 +16515,13 @@
                 </a:solidFill>
                 <a:latin typeface="Lekton"/>
               </a:rPr>
-              <a:t>Red dashed line at 100%: overcrowding threshold</a:t>
+              <a:t>Liechtenstein: Oscillates between 195–365% occupancy across the decade—reflecting its ultra-small prison population (typically &lt;200 inmates)</a:t>
             </a:r>
           </a:p>
           <a:p>
-            <a:pPr algn="l">
-              <a:buNone/>
+            <a:pPr marL="171450" indent="-171450" algn="l">
+              <a:buFont typeface="Arial" panose="020B0604020202020204" pitchFamily="34" charset="0"/>
+              <a:buChar char="•"/>
             </a:pPr>
             <a:r>
               <a:rPr lang="en-US" sz="1000" dirty="0">
@@ -17311,169 +16530,45 @@
                 </a:solidFill>
                 <a:latin typeface="Lekton"/>
               </a:rPr>
-              <a:t>What the chart shows</a:t>
-            </a:r>
-          </a:p>
-          <a:p>
-            <a:pPr algn="l">
-              <a:buNone/>
-            </a:pPr>
-            <a:r>
-              <a:rPr lang="en-US" sz="1000" dirty="0">
-                <a:solidFill>
-                  <a:srgbClr val="333333"/>
-                </a:solidFill>
-                <a:latin typeface="Lekton"/>
-              </a:rPr>
-              <a:t>Liechtenstein: Extreme volatility (265% → 360% → 218%), unmanageable swings</a:t>
-            </a:r>
-          </a:p>
-          <a:p>
-            <a:pPr algn="l">
-              <a:buNone/>
-            </a:pPr>
-            <a:r>
-              <a:rPr lang="en-US" sz="1000" dirty="0">
-                <a:solidFill>
-                  <a:srgbClr val="333333"/>
-                </a:solidFill>
-                <a:latin typeface="Lekton"/>
-              </a:rPr>
-              <a:t>Italy: Consistent upward trend (90% → 119%), worsening crisis</a:t>
-            </a:r>
-          </a:p>
-          <a:p>
-            <a:pPr algn="l">
-              <a:buNone/>
-            </a:pPr>
-            <a:r>
-              <a:rPr lang="en-US" sz="1000" dirty="0">
-                <a:solidFill>
-                  <a:srgbClr val="333333"/>
-                </a:solidFill>
-                <a:latin typeface="Lekton"/>
-              </a:rPr>
-              <a:t>France: Stable overcrowding (120–125%), persistent problem</a:t>
-            </a:r>
-          </a:p>
-          <a:p>
-            <a:pPr algn="l">
-              <a:buNone/>
-            </a:pPr>
-            <a:r>
-              <a:rPr lang="en-US" sz="1000" dirty="0">
-                <a:solidFill>
-                  <a:srgbClr val="333333"/>
-                </a:solidFill>
-                <a:latin typeface="Lekton"/>
-              </a:rPr>
-              <a:t>Belgium: Slight improvement (115% → 113%), but still overcrowded</a:t>
-            </a:r>
-          </a:p>
-          <a:p>
-            <a:pPr algn="l">
-              <a:buNone/>
-            </a:pPr>
-            <a:r>
-              <a:rPr lang="en-US" sz="1000" dirty="0">
-                <a:solidFill>
-                  <a:srgbClr val="333333"/>
-                </a:solidFill>
-                <a:latin typeface="Lekton"/>
-              </a:rPr>
-              <a:t>Sweden: Volatile but recent improvement (112% → 107%), positive trajectory</a:t>
-            </a:r>
-          </a:p>
-          <a:p>
-            <a:pPr algn="l">
-              <a:buNone/>
-            </a:pPr>
-            <a:r>
-              <a:rPr lang="en-US" sz="1000" dirty="0">
-                <a:solidFill>
-                  <a:srgbClr val="333333"/>
-                </a:solidFill>
-                <a:latin typeface="Lekton"/>
-              </a:rPr>
-              <a:t>EU average: Stable around 95%, slight downward trend (good management overall)</a:t>
-            </a:r>
-          </a:p>
-          <a:p>
-            <a:pPr algn="l">
-              <a:buNone/>
-            </a:pPr>
-            <a:r>
-              <a:rPr lang="en-US" sz="1000" dirty="0">
-                <a:solidFill>
-                  <a:srgbClr val="333333"/>
-                </a:solidFill>
-                <a:latin typeface="Lekton"/>
-              </a:rPr>
-              <a:t>Key insights</a:t>
-            </a:r>
-          </a:p>
-          <a:p>
-            <a:pPr algn="l">
-              <a:buNone/>
-            </a:pPr>
-            <a:r>
-              <a:rPr lang="en-US" sz="1000" dirty="0">
-                <a:solidFill>
-                  <a:srgbClr val="333333"/>
-                </a:solidFill>
-                <a:latin typeface="Lekton"/>
-              </a:rPr>
-              <a:t>Italy's problem is worsening, not improving (straight +29pp line)</a:t>
-            </a:r>
-          </a:p>
-          <a:p>
-            <a:pPr algn="l">
-              <a:buNone/>
-            </a:pPr>
-            <a:r>
-              <a:rPr lang="en-US" sz="1000" dirty="0">
-                <a:solidFill>
-                  <a:srgbClr val="333333"/>
-                </a:solidFill>
-                <a:latin typeface="Lekton"/>
-              </a:rPr>
-              <a:t>Liechtenstein is uncontrollable (likely administrative/immigration issues)</a:t>
-            </a:r>
-          </a:p>
-          <a:p>
-            <a:pPr algn="l">
-              <a:buNone/>
-            </a:pPr>
-            <a:r>
-              <a:rPr lang="en-US" sz="1000" dirty="0">
-                <a:solidFill>
-                  <a:srgbClr val="333333"/>
-                </a:solidFill>
-                <a:latin typeface="Lekton"/>
-              </a:rPr>
-              <a:t>Northern countries do better (Sweden improving; EU avg stable)</a:t>
-            </a:r>
-          </a:p>
-          <a:p>
-            <a:pPr algn="l">
-              <a:buNone/>
-            </a:pPr>
-            <a:r>
-              <a:rPr lang="en-US" sz="1000" dirty="0">
-                <a:solidFill>
-                  <a:srgbClr val="333333"/>
-                </a:solidFill>
-                <a:latin typeface="Lekton"/>
-              </a:rPr>
-              <a:t>10-year horizon: Overcrowding is NOT temporary; it's structural in Southern Europe</a:t>
+              <a:t>Malta &amp; Iceland: Show more moderate volatility, with Malta achieving decongestion (93% → 59%) and Iceland maintaining steady efficiency (99% → 76%)</a:t>
             </a:r>
           </a:p>
         </p:txBody>
       </p:sp>
+      <p:pic>
+        <p:nvPicPr>
+          <p:cNvPr id="4" name="Picture 3" descr="A graph of the country's rising prices&#10;&#10;AI-generated content may be incorrect.">
+            <a:extLst>
+              <a:ext uri="{FF2B5EF4-FFF2-40B4-BE49-F238E27FC236}">
+                <a16:creationId xmlns:a16="http://schemas.microsoft.com/office/drawing/2014/main" id="{13F388C4-529A-1B55-EE8B-17B2E611435B}"/>
+              </a:ext>
+            </a:extLst>
+          </p:cNvPr>
+          <p:cNvPicPr>
+            <a:picLocks noChangeAspect="1"/>
+          </p:cNvPicPr>
+          <p:nvPr/>
+        </p:nvPicPr>
+        <p:blipFill>
+          <a:blip r:embed="rId3"/>
+          <a:stretch>
+            <a:fillRect/>
+          </a:stretch>
+        </p:blipFill>
+        <p:spPr>
+          <a:xfrm>
+            <a:off x="5023" y="1122275"/>
+            <a:ext cx="5797898" cy="2898949"/>
+          </a:xfrm>
+          <a:prstGeom prst="rect">
+            <a:avLst/>
+          </a:prstGeom>
+        </p:spPr>
+      </p:pic>
     </p:spTree>
     <p:extLst>
       <p:ext uri="{BB962C8B-B14F-4D97-AF65-F5344CB8AC3E}">
-        <p14:creationId xmlns:p14="http://schemas.microsoft.com/office/powerpoint/2010/main" val="3712875230"/>
+        <p14:creationId xmlns:p14="http://schemas.microsoft.com/office/powerpoint/2010/main" val="1747596308"/>
       </p:ext>
     </p:extLst>
   </p:cSld>

--- a/data_viz/prison_data_project/26_01_03_prisons_statistics.pptx
+++ b/data_viz/prison_data_project/26_01_03_prisons_statistics.pptx
@@ -31,7 +31,7 @@
       <p:italic r:id="rId17"/>
     </p:embeddedFont>
     <p:embeddedFont>
-      <p:font typeface="Titillium Web" panose="00000500000000000000" pitchFamily="2" charset="0"/>
+      <p:font typeface="Titillium Web" panose="020B0604020202020204" charset="0"/>
       <p:regular r:id="rId18"/>
       <p:bold r:id="rId19"/>
       <p:italic r:id="rId20"/>
@@ -2337,7 +2337,7 @@
             </a:pPr>
             <a:fld id="{00000000-1234-1234-1234-123412341234}" type="slidenum">
               <a:rPr lang="it"/>
-              <a:t>‹#›</a:t>
+              <a:t>‹N›</a:t>
             </a:fld>
             <a:endParaRPr/>
           </a:p>
@@ -2635,7 +2635,7 @@
             </a:pPr>
             <a:fld id="{00000000-1234-1234-1234-123412341234}" type="slidenum">
               <a:rPr lang="it"/>
-              <a:t>‹#›</a:t>
+              <a:t>‹N›</a:t>
             </a:fld>
             <a:endParaRPr/>
           </a:p>
@@ -3729,7 +3729,7 @@
             </a:pPr>
             <a:fld id="{00000000-1234-1234-1234-123412341234}" type="slidenum">
               <a:rPr lang="it"/>
-              <a:t>‹#›</a:t>
+              <a:t>‹N›</a:t>
             </a:fld>
             <a:endParaRPr/>
           </a:p>
@@ -4823,7 +4823,7 @@
             </a:pPr>
             <a:fld id="{00000000-1234-1234-1234-123412341234}" type="slidenum">
               <a:rPr lang="it"/>
-              <a:t>‹#›</a:t>
+              <a:t>‹N›</a:t>
             </a:fld>
             <a:endParaRPr/>
           </a:p>
@@ -5917,7 +5917,7 @@
             </a:pPr>
             <a:fld id="{00000000-1234-1234-1234-123412341234}" type="slidenum">
               <a:rPr lang="it"/>
-              <a:t>‹#›</a:t>
+              <a:t>‹N›</a:t>
             </a:fld>
             <a:endParaRPr/>
           </a:p>
@@ -6462,7 +6462,7 @@
             </a:pPr>
             <a:fld id="{00000000-1234-1234-1234-123412341234}" type="slidenum">
               <a:rPr lang="it"/>
-              <a:t>‹#›</a:t>
+              <a:t>‹N›</a:t>
             </a:fld>
             <a:endParaRPr/>
           </a:p>
@@ -6709,7 +6709,7 @@
             </a:pPr>
             <a:fld id="{00000000-1234-1234-1234-123412341234}" type="slidenum">
               <a:rPr lang="it"/>
-              <a:t>‹#›</a:t>
+              <a:t>‹N›</a:t>
             </a:fld>
             <a:endParaRPr/>
           </a:p>
@@ -7121,7 +7121,7 @@
             </a:pPr>
             <a:fld id="{00000000-1234-1234-1234-123412341234}" type="slidenum">
               <a:rPr lang="it"/>
-              <a:t>‹#›</a:t>
+              <a:t>‹N›</a:t>
             </a:fld>
             <a:endParaRPr/>
           </a:p>
@@ -7360,7 +7360,7 @@
             </a:pPr>
             <a:fld id="{00000000-1234-1234-1234-123412341234}" type="slidenum">
               <a:rPr lang="it"/>
-              <a:t>‹#›</a:t>
+              <a:t>‹N›</a:t>
             </a:fld>
             <a:endParaRPr/>
           </a:p>
@@ -7592,7 +7592,7 @@
             </a:pPr>
             <a:fld id="{00000000-1234-1234-1234-123412341234}" type="slidenum">
               <a:rPr lang="it"/>
-              <a:t>‹#›</a:t>
+              <a:t>‹N›</a:t>
             </a:fld>
             <a:endParaRPr/>
           </a:p>
@@ -8393,7 +8393,7 @@
             </a:pPr>
             <a:fld id="{00000000-1234-1234-1234-123412341234}" type="slidenum">
               <a:rPr lang="it"/>
-              <a:t>‹#›</a:t>
+              <a:t>‹N›</a:t>
             </a:fld>
             <a:endParaRPr/>
           </a:p>
@@ -8863,7 +8863,7 @@
             </a:pPr>
             <a:fld id="{00000000-1234-1234-1234-123412341234}" type="slidenum">
               <a:rPr lang="it"/>
-              <a:t>‹#›</a:t>
+              <a:t>‹N›</a:t>
             </a:fld>
             <a:endParaRPr/>
           </a:p>
@@ -8967,7 +8967,7 @@
             </a:pPr>
             <a:fld id="{00000000-1234-1234-1234-123412341234}" type="slidenum">
               <a:rPr lang="it"/>
-              <a:t>‹#›</a:t>
+              <a:t>‹N›</a:t>
             </a:fld>
             <a:endParaRPr/>
           </a:p>
@@ -9348,7 +9348,7 @@
             </a:pPr>
             <a:fld id="{00000000-1234-1234-1234-123412341234}" type="slidenum">
               <a:rPr lang="it"/>
-              <a:t>‹#›</a:t>
+              <a:t>‹N›</a:t>
             </a:fld>
             <a:endParaRPr/>
           </a:p>
@@ -9689,7 +9689,7 @@
             </a:pPr>
             <a:fld id="{00000000-1234-1234-1234-123412341234}" type="slidenum">
               <a:rPr lang="it"/>
-              <a:t>‹#›</a:t>
+              <a:t>‹N›</a:t>
             </a:fld>
             <a:endParaRPr/>
           </a:p>
@@ -11250,7 +11250,7 @@
             </a:pPr>
             <a:fld id="{00000000-1234-1234-1234-123412341234}" type="slidenum">
               <a:rPr lang="it"/>
-              <a:t>‹#›</a:t>
+              <a:t>‹N›</a:t>
             </a:fld>
             <a:endParaRPr/>
           </a:p>
@@ -13054,7 +13054,7 @@
               <a:buNone/>
             </a:pPr>
             <a:r>
-              <a:rPr lang="en-US" sz="1200" dirty="0">
+              <a:rPr lang="en-US" sz="1400" dirty="0">
                 <a:solidFill>
                   <a:srgbClr val="333333"/>
                 </a:solidFill>
@@ -13071,7 +13071,7 @@
               <a:buNone/>
             </a:pPr>
             <a:r>
-              <a:rPr lang="en-US" sz="1200" dirty="0">
+              <a:rPr lang="en-US" sz="1400" dirty="0">
                 <a:solidFill>
                   <a:srgbClr val="333333"/>
                 </a:solidFill>
@@ -13088,7 +13088,7 @@
               <a:buNone/>
             </a:pPr>
             <a:r>
-              <a:rPr lang="en-US" sz="1200" b="1" dirty="0">
+              <a:rPr lang="en-US" sz="1400" b="1" dirty="0">
                 <a:solidFill>
                   <a:srgbClr val="333333"/>
                 </a:solidFill>
@@ -13096,7 +13096,7 @@
               <a:t>Dataset: </a:t>
             </a:r>
             <a:r>
-              <a:rPr lang="en-US" sz="1200" dirty="0">
+              <a:rPr lang="en-US" sz="1400" dirty="0">
                 <a:solidFill>
                   <a:srgbClr val="333333"/>
                 </a:solidFill>
@@ -13205,7 +13205,7 @@
               <a:buNone/>
             </a:pPr>
             <a:r>
-              <a:rPr lang="en-US" sz="1100" b="1" dirty="0">
+              <a:rPr lang="en-US" b="1" dirty="0">
                 <a:solidFill>
                   <a:schemeClr val="dk1"/>
                 </a:solidFill>
@@ -13216,7 +13216,7 @@
               </a:rPr>
               <a:t>Prison overcrowding © 2025 by Giorgio Evola is licensed under CC BY-SA 4.0. To view a copy of this license, visit https://creativecommons.org/licenses/by-sa/4.0/</a:t>
             </a:r>
-            <a:endParaRPr sz="1100" b="1" dirty="0">
+            <a:endParaRPr b="1" dirty="0">
               <a:solidFill>
                 <a:schemeClr val="dk1"/>
               </a:solidFill>
